--- a/Адаптация Операционной системы NetBSD к гетерогенной вычислительной системе.pptx
+++ b/Адаптация Операционной системы NetBSD к гетерогенной вычислительной системе.pptx
@@ -3,21 +3,24 @@
 <p:presentation xmlns:a="http://schemas.openxmlformats.org/drawingml/2006/main" xmlns:r="http://schemas.openxmlformats.org/officeDocument/2006/relationships" xmlns:p="http://schemas.openxmlformats.org/presentationml/2006/main" saveSubsetFonts="1">
   <p:sldMasterIdLst>
     <p:sldMasterId id="2147483648" r:id="rId1"/>
+    <p:sldMasterId id="2147483660" r:id="rId2"/>
   </p:sldMasterIdLst>
   <p:notesMasterIdLst>
-    <p:notesMasterId r:id="rId12"/>
+    <p:notesMasterId r:id="rId15"/>
   </p:notesMasterIdLst>
   <p:sldIdLst>
-    <p:sldId id="256" r:id="rId2"/>
-    <p:sldId id="257" r:id="rId3"/>
-    <p:sldId id="258" r:id="rId4"/>
-    <p:sldId id="265" r:id="rId5"/>
-    <p:sldId id="263" r:id="rId6"/>
-    <p:sldId id="259" r:id="rId7"/>
+    <p:sldId id="266" r:id="rId3"/>
+    <p:sldId id="257" r:id="rId4"/>
+    <p:sldId id="258" r:id="rId5"/>
+    <p:sldId id="265" r:id="rId6"/>
+    <p:sldId id="263" r:id="rId7"/>
     <p:sldId id="260" r:id="rId8"/>
-    <p:sldId id="261" r:id="rId9"/>
-    <p:sldId id="264" r:id="rId10"/>
-    <p:sldId id="262" r:id="rId11"/>
+    <p:sldId id="264" r:id="rId9"/>
+    <p:sldId id="262" r:id="rId10"/>
+    <p:sldId id="269" r:id="rId11"/>
+    <p:sldId id="261" r:id="rId12"/>
+    <p:sldId id="267" r:id="rId13"/>
+    <p:sldId id="268" r:id="rId14"/>
   </p:sldIdLst>
   <p:sldSz cx="12192000" cy="6858000"/>
   <p:notesSz cx="6858000" cy="9144000"/>
@@ -116,6 +119,11 @@
       </a:defRPr>
     </a:lvl9pPr>
   </p:defaultTextStyle>
+  <p:extLst>
+    <p:ext uri="{EFAFB233-063F-42B5-8137-9DF3F51BA10A}">
+      <p15:sldGuideLst xmlns:p15="http://schemas.microsoft.com/office/powerpoint/2012/main"/>
+    </p:ext>
+  </p:extLst>
 </p:presentation>
 </file>
 
@@ -201,7 +209,7 @@
           <a:p>
             <a:fld id="{E0053583-ECF4-48C9-99B7-94E683077CFD}" type="datetimeFigureOut">
               <a:rPr lang="ru-RU" smtClean="0"/>
-              <a:t>03.06.2022</a:t>
+              <a:t>15.06.2022</a:t>
             </a:fld>
             <a:endParaRPr lang="ru-RU"/>
           </a:p>
@@ -469,6 +477,150 @@
 </p:notesMaster>
 </file>
 
+<file path=ppt/notesSlides/notesSlide1.xml><?xml version="1.0" encoding="utf-8"?>
+<p:notes xmlns:a="http://schemas.openxmlformats.org/drawingml/2006/main" xmlns:r="http://schemas.openxmlformats.org/officeDocument/2006/relationships" xmlns:p="http://schemas.openxmlformats.org/presentationml/2006/main">
+  <p:cSld>
+    <p:spTree>
+      <p:nvGrpSpPr>
+        <p:cNvPr id="1" name=""/>
+        <p:cNvGrpSpPr/>
+        <p:nvPr/>
+      </p:nvGrpSpPr>
+      <p:grpSpPr>
+        <a:xfrm>
+          <a:off x="0" y="0"/>
+          <a:ext cx="0" cy="0"/>
+          <a:chOff x="0" y="0"/>
+          <a:chExt cx="0" cy="0"/>
+        </a:xfrm>
+      </p:grpSpPr>
+      <p:sp>
+        <p:nvSpPr>
+          <p:cNvPr id="2" name="Slide Image Placeholder 1"/>
+          <p:cNvSpPr>
+            <a:spLocks noGrp="1" noRot="1" noChangeAspect="1"/>
+          </p:cNvSpPr>
+          <p:nvPr>
+            <p:ph type="sldImg"/>
+          </p:nvPr>
+        </p:nvSpPr>
+        <p:spPr/>
+      </p:sp>
+      <p:sp>
+        <p:nvSpPr>
+          <p:cNvPr id="3" name="Notes Placeholder 2"/>
+          <p:cNvSpPr>
+            <a:spLocks noGrp="1"/>
+          </p:cNvSpPr>
+          <p:nvPr>
+            <p:ph type="body" idx="1"/>
+          </p:nvPr>
+        </p:nvSpPr>
+        <p:spPr/>
+        <p:txBody>
+          <a:bodyPr/>
+          <a:lstStyle/>
+          <a:p>
+            <a:endParaRPr lang="en-US" dirty="0"/>
+          </a:p>
+        </p:txBody>
+      </p:sp>
+      <p:sp>
+        <p:nvSpPr>
+          <p:cNvPr id="4" name="Slide Number Placeholder 3"/>
+          <p:cNvSpPr>
+            <a:spLocks noGrp="1"/>
+          </p:cNvSpPr>
+          <p:nvPr>
+            <p:ph type="sldNum" sz="quarter" idx="5"/>
+          </p:nvPr>
+        </p:nvSpPr>
+        <p:spPr/>
+        <p:txBody>
+          <a:bodyPr/>
+          <a:lstStyle/>
+          <a:p>
+            <a:pPr marL="0" marR="0" lvl="0" indent="0" algn="r" defTabSz="914400" rtl="0" eaLnBrk="1" fontAlgn="auto" latinLnBrk="0" hangingPunct="1">
+              <a:lnSpc>
+                <a:spcPct val="100000"/>
+              </a:lnSpc>
+              <a:spcBef>
+                <a:spcPts val="0"/>
+              </a:spcBef>
+              <a:spcAft>
+                <a:spcPts val="0"/>
+              </a:spcAft>
+              <a:buClrTx/>
+              <a:buSzTx/>
+              <a:buFontTx/>
+              <a:buNone/>
+              <a:tabLst/>
+              <a:defRPr/>
+            </a:pPr>
+            <a:fld id="{9036EACA-AE5A-413F-AE92-8CBC1BA0BD37}" type="slidenum">
+              <a:rPr kumimoji="0" lang="en-US" sz="1200" b="0" i="0" u="none" strike="noStrike" kern="1200" cap="none" spc="0" normalizeH="0" baseline="0" noProof="0" smtClean="0">
+                <a:ln>
+                  <a:noFill/>
+                </a:ln>
+                <a:solidFill>
+                  <a:prstClr val="black"/>
+                </a:solidFill>
+                <a:effectLst/>
+                <a:uLnTx/>
+                <a:uFillTx/>
+                <a:latin typeface="Calibri" panose="020F0502020204030204"/>
+                <a:ea typeface="+mn-ea"/>
+                <a:cs typeface="+mn-cs"/>
+              </a:rPr>
+              <a:pPr marL="0" marR="0" lvl="0" indent="0" algn="r" defTabSz="914400" rtl="0" eaLnBrk="1" fontAlgn="auto" latinLnBrk="0" hangingPunct="1">
+                <a:lnSpc>
+                  <a:spcPct val="100000"/>
+                </a:lnSpc>
+                <a:spcBef>
+                  <a:spcPts val="0"/>
+                </a:spcBef>
+                <a:spcAft>
+                  <a:spcPts val="0"/>
+                </a:spcAft>
+                <a:buClrTx/>
+                <a:buSzTx/>
+                <a:buFontTx/>
+                <a:buNone/>
+                <a:tabLst/>
+                <a:defRPr/>
+              </a:pPr>
+              <a:t>1</a:t>
+            </a:fld>
+            <a:endParaRPr kumimoji="0" lang="en-US" sz="1200" b="0" i="0" u="none" strike="noStrike" kern="1200" cap="none" spc="0" normalizeH="0" baseline="0" noProof="0">
+              <a:ln>
+                <a:noFill/>
+              </a:ln>
+              <a:solidFill>
+                <a:prstClr val="black"/>
+              </a:solidFill>
+              <a:effectLst/>
+              <a:uLnTx/>
+              <a:uFillTx/>
+              <a:latin typeface="Calibri" panose="020F0502020204030204"/>
+              <a:ea typeface="+mn-ea"/>
+              <a:cs typeface="+mn-cs"/>
+            </a:endParaRPr>
+          </a:p>
+        </p:txBody>
+      </p:sp>
+    </p:spTree>
+    <p:extLst>
+      <p:ext uri="{BB962C8B-B14F-4D97-AF65-F5344CB8AC3E}">
+        <p14:creationId xmlns:p14="http://schemas.microsoft.com/office/powerpoint/2010/main" val="3357314038"/>
+      </p:ext>
+    </p:extLst>
+  </p:cSld>
+  <p:clrMapOvr>
+    <a:masterClrMapping/>
+  </p:clrMapOvr>
+</p:notes>
+</file>
+
 <file path=ppt/slideLayouts/slideLayout1.xml><?xml version="1.0" encoding="utf-8"?>
 <p:sldLayout xmlns:a="http://schemas.openxmlformats.org/drawingml/2006/main" xmlns:r="http://schemas.openxmlformats.org/officeDocument/2006/relationships" xmlns:p="http://schemas.openxmlformats.org/presentationml/2006/main" type="title" preserve="1">
   <p:cSld name="Титульный слайд">
@@ -600,7 +752,7 @@
           <a:p>
             <a:fld id="{0EFBDEC5-B8D6-4C14-913C-427A6297CD7E}" type="datetime1">
               <a:rPr lang="ru-RU" smtClean="0"/>
-              <a:t>03.06.2022</a:t>
+              <a:t>15.06.2022</a:t>
             </a:fld>
             <a:endParaRPr lang="ru-RU"/>
           </a:p>
@@ -770,7 +922,7 @@
           <a:p>
             <a:fld id="{D224FB89-4D6C-4B24-A33F-6AA11EC2D6A8}" type="datetime1">
               <a:rPr lang="ru-RU" smtClean="0"/>
-              <a:t>03.06.2022</a:t>
+              <a:t>15.06.2022</a:t>
             </a:fld>
             <a:endParaRPr lang="ru-RU"/>
           </a:p>
@@ -950,7 +1102,7 @@
           <a:p>
             <a:fld id="{99C34C96-AE56-4CD6-8D16-7B640AC29DE6}" type="datetime1">
               <a:rPr lang="ru-RU" smtClean="0"/>
-              <a:t>03.06.2022</a:t>
+              <a:t>15.06.2022</a:t>
             </a:fld>
             <a:endParaRPr lang="ru-RU"/>
           </a:p>
@@ -1002,6 +1154,3221 @@
     <p:extLst>
       <p:ext uri="{BB962C8B-B14F-4D97-AF65-F5344CB8AC3E}">
         <p14:creationId xmlns:p14="http://schemas.microsoft.com/office/powerpoint/2010/main" val="611159928"/>
+      </p:ext>
+    </p:extLst>
+  </p:cSld>
+  <p:clrMapOvr>
+    <a:masterClrMapping/>
+  </p:clrMapOvr>
+</p:sldLayout>
+</file>
+
+<file path=ppt/slideLayouts/slideLayout12.xml><?xml version="1.0" encoding="utf-8"?>
+<p:sldLayout xmlns:a="http://schemas.openxmlformats.org/drawingml/2006/main" xmlns:r="http://schemas.openxmlformats.org/officeDocument/2006/relationships" xmlns:p="http://schemas.openxmlformats.org/presentationml/2006/main" type="title" preserve="1">
+  <p:cSld name="Title Slide">
+    <p:spTree>
+      <p:nvGrpSpPr>
+        <p:cNvPr id="1" name=""/>
+        <p:cNvGrpSpPr/>
+        <p:nvPr/>
+      </p:nvGrpSpPr>
+      <p:grpSpPr>
+        <a:xfrm>
+          <a:off x="0" y="0"/>
+          <a:ext cx="0" cy="0"/>
+          <a:chOff x="0" y="0"/>
+          <a:chExt cx="0" cy="0"/>
+        </a:xfrm>
+      </p:grpSpPr>
+      <p:sp>
+        <p:nvSpPr>
+          <p:cNvPr id="2" name="Title 1">
+            <a:extLst>
+              <a:ext uri="{FF2B5EF4-FFF2-40B4-BE49-F238E27FC236}">
+                <a16:creationId xmlns:a16="http://schemas.microsoft.com/office/drawing/2014/main" id="{2B6C0C14-993A-4260-ABBA-8EFA2D6B2204}"/>
+              </a:ext>
+            </a:extLst>
+          </p:cNvPr>
+          <p:cNvSpPr>
+            <a:spLocks noGrp="1"/>
+          </p:cNvSpPr>
+          <p:nvPr>
+            <p:ph type="ctrTitle"/>
+          </p:nvPr>
+        </p:nvSpPr>
+        <p:spPr>
+          <a:xfrm>
+            <a:off x="1524000" y="1122363"/>
+            <a:ext cx="9144000" cy="2387600"/>
+          </a:xfrm>
+        </p:spPr>
+        <p:txBody>
+          <a:bodyPr anchor="b"/>
+          <a:lstStyle>
+            <a:lvl1pPr algn="ctr">
+              <a:defRPr sz="6000"/>
+            </a:lvl1pPr>
+          </a:lstStyle>
+          <a:p>
+            <a:r>
+              <a:rPr lang="en-US"/>
+              <a:t>Click to edit Master title style</a:t>
+            </a:r>
+          </a:p>
+        </p:txBody>
+      </p:sp>
+      <p:sp>
+        <p:nvSpPr>
+          <p:cNvPr id="3" name="Subtitle 2">
+            <a:extLst>
+              <a:ext uri="{FF2B5EF4-FFF2-40B4-BE49-F238E27FC236}">
+                <a16:creationId xmlns:a16="http://schemas.microsoft.com/office/drawing/2014/main" id="{9052A162-72B3-4EE9-AC85-4FD2AEEAD5A1}"/>
+              </a:ext>
+            </a:extLst>
+          </p:cNvPr>
+          <p:cNvSpPr>
+            <a:spLocks noGrp="1"/>
+          </p:cNvSpPr>
+          <p:nvPr>
+            <p:ph type="subTitle" idx="1"/>
+          </p:nvPr>
+        </p:nvSpPr>
+        <p:spPr>
+          <a:xfrm>
+            <a:off x="1524000" y="3602038"/>
+            <a:ext cx="9144000" cy="1655762"/>
+          </a:xfrm>
+        </p:spPr>
+        <p:txBody>
+          <a:bodyPr/>
+          <a:lstStyle>
+            <a:lvl1pPr marL="0" indent="0" algn="ctr">
+              <a:buNone/>
+              <a:defRPr sz="2400"/>
+            </a:lvl1pPr>
+            <a:lvl2pPr marL="457200" indent="0" algn="ctr">
+              <a:buNone/>
+              <a:defRPr sz="2000"/>
+            </a:lvl2pPr>
+            <a:lvl3pPr marL="914400" indent="0" algn="ctr">
+              <a:buNone/>
+              <a:defRPr sz="1800"/>
+            </a:lvl3pPr>
+            <a:lvl4pPr marL="1371600" indent="0" algn="ctr">
+              <a:buNone/>
+              <a:defRPr sz="1600"/>
+            </a:lvl4pPr>
+            <a:lvl5pPr marL="1828800" indent="0" algn="ctr">
+              <a:buNone/>
+              <a:defRPr sz="1600"/>
+            </a:lvl5pPr>
+            <a:lvl6pPr marL="2286000" indent="0" algn="ctr">
+              <a:buNone/>
+              <a:defRPr sz="1600"/>
+            </a:lvl6pPr>
+            <a:lvl7pPr marL="2743200" indent="0" algn="ctr">
+              <a:buNone/>
+              <a:defRPr sz="1600"/>
+            </a:lvl7pPr>
+            <a:lvl8pPr marL="3200400" indent="0" algn="ctr">
+              <a:buNone/>
+              <a:defRPr sz="1600"/>
+            </a:lvl8pPr>
+            <a:lvl9pPr marL="3657600" indent="0" algn="ctr">
+              <a:buNone/>
+              <a:defRPr sz="1600"/>
+            </a:lvl9pPr>
+          </a:lstStyle>
+          <a:p>
+            <a:r>
+              <a:rPr lang="en-US"/>
+              <a:t>Click to edit Master subtitle style</a:t>
+            </a:r>
+          </a:p>
+        </p:txBody>
+      </p:sp>
+      <p:sp>
+        <p:nvSpPr>
+          <p:cNvPr id="4" name="Date Placeholder 3">
+            <a:extLst>
+              <a:ext uri="{FF2B5EF4-FFF2-40B4-BE49-F238E27FC236}">
+                <a16:creationId xmlns:a16="http://schemas.microsoft.com/office/drawing/2014/main" id="{D258579E-85B0-444D-A1EE-B840B664FA1D}"/>
+              </a:ext>
+            </a:extLst>
+          </p:cNvPr>
+          <p:cNvSpPr>
+            <a:spLocks noGrp="1"/>
+          </p:cNvSpPr>
+          <p:nvPr>
+            <p:ph type="dt" sz="half" idx="10"/>
+          </p:nvPr>
+        </p:nvSpPr>
+        <p:spPr/>
+        <p:txBody>
+          <a:bodyPr/>
+          <a:lstStyle/>
+          <a:p>
+            <a:pPr marL="0" marR="0" lvl="0" indent="0" algn="l" defTabSz="914400" rtl="0" eaLnBrk="1" fontAlgn="auto" latinLnBrk="0" hangingPunct="1">
+              <a:lnSpc>
+                <a:spcPct val="100000"/>
+              </a:lnSpc>
+              <a:spcBef>
+                <a:spcPts val="0"/>
+              </a:spcBef>
+              <a:spcAft>
+                <a:spcPts val="0"/>
+              </a:spcAft>
+              <a:buClrTx/>
+              <a:buSzTx/>
+              <a:buFontTx/>
+              <a:buNone/>
+              <a:tabLst/>
+              <a:defRPr/>
+            </a:pPr>
+            <a:fld id="{28011FB5-E0AE-4AAE-BD24-AFDB37E499CA}" type="datetimeFigureOut">
+              <a:rPr kumimoji="0" lang="en-US" sz="1200" b="0" i="0" u="none" strike="noStrike" kern="1200" cap="none" spc="0" normalizeH="0" baseline="0" noProof="0" smtClean="0">
+                <a:ln>
+                  <a:noFill/>
+                </a:ln>
+                <a:solidFill>
+                  <a:prstClr val="black">
+                    <a:tint val="75000"/>
+                  </a:prstClr>
+                </a:solidFill>
+                <a:effectLst/>
+                <a:uLnTx/>
+                <a:uFillTx/>
+                <a:latin typeface="Calibri" panose="020F0502020204030204"/>
+                <a:ea typeface="+mn-ea"/>
+                <a:cs typeface="+mn-cs"/>
+              </a:rPr>
+              <a:pPr marL="0" marR="0" lvl="0" indent="0" algn="l" defTabSz="914400" rtl="0" eaLnBrk="1" fontAlgn="auto" latinLnBrk="0" hangingPunct="1">
+                <a:lnSpc>
+                  <a:spcPct val="100000"/>
+                </a:lnSpc>
+                <a:spcBef>
+                  <a:spcPts val="0"/>
+                </a:spcBef>
+                <a:spcAft>
+                  <a:spcPts val="0"/>
+                </a:spcAft>
+                <a:buClrTx/>
+                <a:buSzTx/>
+                <a:buFontTx/>
+                <a:buNone/>
+                <a:tabLst/>
+                <a:defRPr/>
+              </a:pPr>
+              <a:t>6/15/2022</a:t>
+            </a:fld>
+            <a:endParaRPr kumimoji="0" lang="en-US" sz="1200" b="0" i="0" u="none" strike="noStrike" kern="1200" cap="none" spc="0" normalizeH="0" baseline="0" noProof="0">
+              <a:ln>
+                <a:noFill/>
+              </a:ln>
+              <a:solidFill>
+                <a:prstClr val="black">
+                  <a:tint val="75000"/>
+                </a:prstClr>
+              </a:solidFill>
+              <a:effectLst/>
+              <a:uLnTx/>
+              <a:uFillTx/>
+              <a:latin typeface="Calibri" panose="020F0502020204030204"/>
+              <a:ea typeface="+mn-ea"/>
+              <a:cs typeface="+mn-cs"/>
+            </a:endParaRPr>
+          </a:p>
+        </p:txBody>
+      </p:sp>
+      <p:sp>
+        <p:nvSpPr>
+          <p:cNvPr id="5" name="Footer Placeholder 4">
+            <a:extLst>
+              <a:ext uri="{FF2B5EF4-FFF2-40B4-BE49-F238E27FC236}">
+                <a16:creationId xmlns:a16="http://schemas.microsoft.com/office/drawing/2014/main" id="{07A75836-071D-48F6-AE74-061701D9E014}"/>
+              </a:ext>
+            </a:extLst>
+          </p:cNvPr>
+          <p:cNvSpPr>
+            <a:spLocks noGrp="1"/>
+          </p:cNvSpPr>
+          <p:nvPr>
+            <p:ph type="ftr" sz="quarter" idx="11"/>
+          </p:nvPr>
+        </p:nvSpPr>
+        <p:spPr/>
+        <p:txBody>
+          <a:bodyPr/>
+          <a:lstStyle/>
+          <a:p>
+            <a:pPr marL="0" marR="0" lvl="0" indent="0" algn="ctr" defTabSz="914400" rtl="0" eaLnBrk="1" fontAlgn="auto" latinLnBrk="0" hangingPunct="1">
+              <a:lnSpc>
+                <a:spcPct val="100000"/>
+              </a:lnSpc>
+              <a:spcBef>
+                <a:spcPts val="0"/>
+              </a:spcBef>
+              <a:spcAft>
+                <a:spcPts val="0"/>
+              </a:spcAft>
+              <a:buClrTx/>
+              <a:buSzTx/>
+              <a:buFontTx/>
+              <a:buNone/>
+              <a:tabLst/>
+              <a:defRPr/>
+            </a:pPr>
+            <a:endParaRPr kumimoji="0" lang="en-US" sz="1200" b="0" i="0" u="none" strike="noStrike" kern="1200" cap="none" spc="0" normalizeH="0" baseline="0" noProof="0">
+              <a:ln>
+                <a:noFill/>
+              </a:ln>
+              <a:solidFill>
+                <a:prstClr val="black">
+                  <a:tint val="75000"/>
+                </a:prstClr>
+              </a:solidFill>
+              <a:effectLst/>
+              <a:uLnTx/>
+              <a:uFillTx/>
+              <a:latin typeface="Calibri" panose="020F0502020204030204"/>
+              <a:ea typeface="+mn-ea"/>
+              <a:cs typeface="+mn-cs"/>
+            </a:endParaRPr>
+          </a:p>
+        </p:txBody>
+      </p:sp>
+      <p:sp>
+        <p:nvSpPr>
+          <p:cNvPr id="6" name="Slide Number Placeholder 5">
+            <a:extLst>
+              <a:ext uri="{FF2B5EF4-FFF2-40B4-BE49-F238E27FC236}">
+                <a16:creationId xmlns:a16="http://schemas.microsoft.com/office/drawing/2014/main" id="{A2C55042-E349-459B-BBBF-EEB87FDF00DD}"/>
+              </a:ext>
+            </a:extLst>
+          </p:cNvPr>
+          <p:cNvSpPr>
+            <a:spLocks noGrp="1"/>
+          </p:cNvSpPr>
+          <p:nvPr>
+            <p:ph type="sldNum" sz="quarter" idx="12"/>
+          </p:nvPr>
+        </p:nvSpPr>
+        <p:spPr/>
+        <p:txBody>
+          <a:bodyPr/>
+          <a:lstStyle/>
+          <a:p>
+            <a:pPr marL="0" marR="0" lvl="0" indent="0" algn="r" defTabSz="914400" rtl="0" eaLnBrk="1" fontAlgn="auto" latinLnBrk="0" hangingPunct="1">
+              <a:lnSpc>
+                <a:spcPct val="100000"/>
+              </a:lnSpc>
+              <a:spcBef>
+                <a:spcPts val="0"/>
+              </a:spcBef>
+              <a:spcAft>
+                <a:spcPts val="0"/>
+              </a:spcAft>
+              <a:buClrTx/>
+              <a:buSzTx/>
+              <a:buFontTx/>
+              <a:buNone/>
+              <a:tabLst/>
+              <a:defRPr/>
+            </a:pPr>
+            <a:fld id="{FD9B6D51-9EBD-47DE-829E-A5D861248231}" type="slidenum">
+              <a:rPr kumimoji="0" lang="en-US" sz="1200" b="0" i="0" u="none" strike="noStrike" kern="1200" cap="none" spc="0" normalizeH="0" baseline="0" noProof="0" smtClean="0">
+                <a:ln>
+                  <a:noFill/>
+                </a:ln>
+                <a:solidFill>
+                  <a:prstClr val="black">
+                    <a:tint val="75000"/>
+                  </a:prstClr>
+                </a:solidFill>
+                <a:effectLst/>
+                <a:uLnTx/>
+                <a:uFillTx/>
+                <a:latin typeface="Calibri" panose="020F0502020204030204"/>
+                <a:ea typeface="+mn-ea"/>
+                <a:cs typeface="+mn-cs"/>
+              </a:rPr>
+              <a:pPr marL="0" marR="0" lvl="0" indent="0" algn="r" defTabSz="914400" rtl="0" eaLnBrk="1" fontAlgn="auto" latinLnBrk="0" hangingPunct="1">
+                <a:lnSpc>
+                  <a:spcPct val="100000"/>
+                </a:lnSpc>
+                <a:spcBef>
+                  <a:spcPts val="0"/>
+                </a:spcBef>
+                <a:spcAft>
+                  <a:spcPts val="0"/>
+                </a:spcAft>
+                <a:buClrTx/>
+                <a:buSzTx/>
+                <a:buFontTx/>
+                <a:buNone/>
+                <a:tabLst/>
+                <a:defRPr/>
+              </a:pPr>
+              <a:t>‹#›</a:t>
+            </a:fld>
+            <a:endParaRPr kumimoji="0" lang="en-US" sz="1200" b="0" i="0" u="none" strike="noStrike" kern="1200" cap="none" spc="0" normalizeH="0" baseline="0" noProof="0">
+              <a:ln>
+                <a:noFill/>
+              </a:ln>
+              <a:solidFill>
+                <a:prstClr val="black">
+                  <a:tint val="75000"/>
+                </a:prstClr>
+              </a:solidFill>
+              <a:effectLst/>
+              <a:uLnTx/>
+              <a:uFillTx/>
+              <a:latin typeface="Calibri" panose="020F0502020204030204"/>
+              <a:ea typeface="+mn-ea"/>
+              <a:cs typeface="+mn-cs"/>
+            </a:endParaRPr>
+          </a:p>
+        </p:txBody>
+      </p:sp>
+    </p:spTree>
+    <p:extLst>
+      <p:ext uri="{BB962C8B-B14F-4D97-AF65-F5344CB8AC3E}">
+        <p14:creationId xmlns:p14="http://schemas.microsoft.com/office/powerpoint/2010/main" val="2069560798"/>
+      </p:ext>
+    </p:extLst>
+  </p:cSld>
+  <p:clrMapOvr>
+    <a:masterClrMapping/>
+  </p:clrMapOvr>
+</p:sldLayout>
+</file>
+
+<file path=ppt/slideLayouts/slideLayout13.xml><?xml version="1.0" encoding="utf-8"?>
+<p:sldLayout xmlns:a="http://schemas.openxmlformats.org/drawingml/2006/main" xmlns:r="http://schemas.openxmlformats.org/officeDocument/2006/relationships" xmlns:p="http://schemas.openxmlformats.org/presentationml/2006/main" type="obj" preserve="1">
+  <p:cSld name="Title and Content">
+    <p:spTree>
+      <p:nvGrpSpPr>
+        <p:cNvPr id="1" name=""/>
+        <p:cNvGrpSpPr/>
+        <p:nvPr/>
+      </p:nvGrpSpPr>
+      <p:grpSpPr>
+        <a:xfrm>
+          <a:off x="0" y="0"/>
+          <a:ext cx="0" cy="0"/>
+          <a:chOff x="0" y="0"/>
+          <a:chExt cx="0" cy="0"/>
+        </a:xfrm>
+      </p:grpSpPr>
+      <p:sp>
+        <p:nvSpPr>
+          <p:cNvPr id="2" name="Title 1">
+            <a:extLst>
+              <a:ext uri="{FF2B5EF4-FFF2-40B4-BE49-F238E27FC236}">
+                <a16:creationId xmlns:a16="http://schemas.microsoft.com/office/drawing/2014/main" id="{94BB4160-EC06-411D-9203-00551F74883B}"/>
+              </a:ext>
+            </a:extLst>
+          </p:cNvPr>
+          <p:cNvSpPr>
+            <a:spLocks noGrp="1"/>
+          </p:cNvSpPr>
+          <p:nvPr>
+            <p:ph type="title"/>
+          </p:nvPr>
+        </p:nvSpPr>
+        <p:spPr/>
+        <p:txBody>
+          <a:bodyPr/>
+          <a:lstStyle/>
+          <a:p>
+            <a:r>
+              <a:rPr lang="en-US"/>
+              <a:t>Click to edit Master title style</a:t>
+            </a:r>
+          </a:p>
+        </p:txBody>
+      </p:sp>
+      <p:sp>
+        <p:nvSpPr>
+          <p:cNvPr id="3" name="Content Placeholder 2">
+            <a:extLst>
+              <a:ext uri="{FF2B5EF4-FFF2-40B4-BE49-F238E27FC236}">
+                <a16:creationId xmlns:a16="http://schemas.microsoft.com/office/drawing/2014/main" id="{F74F96A6-0E9E-4BA6-94CF-EDD196F9E740}"/>
+              </a:ext>
+            </a:extLst>
+          </p:cNvPr>
+          <p:cNvSpPr>
+            <a:spLocks noGrp="1"/>
+          </p:cNvSpPr>
+          <p:nvPr>
+            <p:ph idx="1"/>
+          </p:nvPr>
+        </p:nvSpPr>
+        <p:spPr/>
+        <p:txBody>
+          <a:bodyPr/>
+          <a:lstStyle/>
+          <a:p>
+            <a:pPr lvl="0"/>
+            <a:r>
+              <a:rPr lang="en-US"/>
+              <a:t>Click to edit Master text styles</a:t>
+            </a:r>
+          </a:p>
+          <a:p>
+            <a:pPr lvl="1"/>
+            <a:r>
+              <a:rPr lang="en-US"/>
+              <a:t>Second level</a:t>
+            </a:r>
+          </a:p>
+          <a:p>
+            <a:pPr lvl="2"/>
+            <a:r>
+              <a:rPr lang="en-US"/>
+              <a:t>Third level</a:t>
+            </a:r>
+          </a:p>
+          <a:p>
+            <a:pPr lvl="3"/>
+            <a:r>
+              <a:rPr lang="en-US"/>
+              <a:t>Fourth level</a:t>
+            </a:r>
+          </a:p>
+          <a:p>
+            <a:pPr lvl="4"/>
+            <a:r>
+              <a:rPr lang="en-US"/>
+              <a:t>Fifth level</a:t>
+            </a:r>
+          </a:p>
+        </p:txBody>
+      </p:sp>
+      <p:sp>
+        <p:nvSpPr>
+          <p:cNvPr id="4" name="Date Placeholder 3">
+            <a:extLst>
+              <a:ext uri="{FF2B5EF4-FFF2-40B4-BE49-F238E27FC236}">
+                <a16:creationId xmlns:a16="http://schemas.microsoft.com/office/drawing/2014/main" id="{76C94A0D-E287-411F-821E-415AF4702A5E}"/>
+              </a:ext>
+            </a:extLst>
+          </p:cNvPr>
+          <p:cNvSpPr>
+            <a:spLocks noGrp="1"/>
+          </p:cNvSpPr>
+          <p:nvPr>
+            <p:ph type="dt" sz="half" idx="10"/>
+          </p:nvPr>
+        </p:nvSpPr>
+        <p:spPr/>
+        <p:txBody>
+          <a:bodyPr/>
+          <a:lstStyle/>
+          <a:p>
+            <a:pPr marL="0" marR="0" lvl="0" indent="0" algn="l" defTabSz="914400" rtl="0" eaLnBrk="1" fontAlgn="auto" latinLnBrk="0" hangingPunct="1">
+              <a:lnSpc>
+                <a:spcPct val="100000"/>
+              </a:lnSpc>
+              <a:spcBef>
+                <a:spcPts val="0"/>
+              </a:spcBef>
+              <a:spcAft>
+                <a:spcPts val="0"/>
+              </a:spcAft>
+              <a:buClrTx/>
+              <a:buSzTx/>
+              <a:buFontTx/>
+              <a:buNone/>
+              <a:tabLst/>
+              <a:defRPr/>
+            </a:pPr>
+            <a:fld id="{28011FB5-E0AE-4AAE-BD24-AFDB37E499CA}" type="datetimeFigureOut">
+              <a:rPr kumimoji="0" lang="en-US" sz="1200" b="0" i="0" u="none" strike="noStrike" kern="1200" cap="none" spc="0" normalizeH="0" baseline="0" noProof="0" smtClean="0">
+                <a:ln>
+                  <a:noFill/>
+                </a:ln>
+                <a:solidFill>
+                  <a:prstClr val="black">
+                    <a:tint val="75000"/>
+                  </a:prstClr>
+                </a:solidFill>
+                <a:effectLst/>
+                <a:uLnTx/>
+                <a:uFillTx/>
+                <a:latin typeface="Calibri" panose="020F0502020204030204"/>
+                <a:ea typeface="+mn-ea"/>
+                <a:cs typeface="+mn-cs"/>
+              </a:rPr>
+              <a:pPr marL="0" marR="0" lvl="0" indent="0" algn="l" defTabSz="914400" rtl="0" eaLnBrk="1" fontAlgn="auto" latinLnBrk="0" hangingPunct="1">
+                <a:lnSpc>
+                  <a:spcPct val="100000"/>
+                </a:lnSpc>
+                <a:spcBef>
+                  <a:spcPts val="0"/>
+                </a:spcBef>
+                <a:spcAft>
+                  <a:spcPts val="0"/>
+                </a:spcAft>
+                <a:buClrTx/>
+                <a:buSzTx/>
+                <a:buFontTx/>
+                <a:buNone/>
+                <a:tabLst/>
+                <a:defRPr/>
+              </a:pPr>
+              <a:t>6/15/2022</a:t>
+            </a:fld>
+            <a:endParaRPr kumimoji="0" lang="en-US" sz="1200" b="0" i="0" u="none" strike="noStrike" kern="1200" cap="none" spc="0" normalizeH="0" baseline="0" noProof="0">
+              <a:ln>
+                <a:noFill/>
+              </a:ln>
+              <a:solidFill>
+                <a:prstClr val="black">
+                  <a:tint val="75000"/>
+                </a:prstClr>
+              </a:solidFill>
+              <a:effectLst/>
+              <a:uLnTx/>
+              <a:uFillTx/>
+              <a:latin typeface="Calibri" panose="020F0502020204030204"/>
+              <a:ea typeface="+mn-ea"/>
+              <a:cs typeface="+mn-cs"/>
+            </a:endParaRPr>
+          </a:p>
+        </p:txBody>
+      </p:sp>
+      <p:sp>
+        <p:nvSpPr>
+          <p:cNvPr id="5" name="Footer Placeholder 4">
+            <a:extLst>
+              <a:ext uri="{FF2B5EF4-FFF2-40B4-BE49-F238E27FC236}">
+                <a16:creationId xmlns:a16="http://schemas.microsoft.com/office/drawing/2014/main" id="{765E5E4B-0CD2-4FE9-AC13-125BEA35E590}"/>
+              </a:ext>
+            </a:extLst>
+          </p:cNvPr>
+          <p:cNvSpPr>
+            <a:spLocks noGrp="1"/>
+          </p:cNvSpPr>
+          <p:nvPr>
+            <p:ph type="ftr" sz="quarter" idx="11"/>
+          </p:nvPr>
+        </p:nvSpPr>
+        <p:spPr/>
+        <p:txBody>
+          <a:bodyPr/>
+          <a:lstStyle/>
+          <a:p>
+            <a:pPr marL="0" marR="0" lvl="0" indent="0" algn="ctr" defTabSz="914400" rtl="0" eaLnBrk="1" fontAlgn="auto" latinLnBrk="0" hangingPunct="1">
+              <a:lnSpc>
+                <a:spcPct val="100000"/>
+              </a:lnSpc>
+              <a:spcBef>
+                <a:spcPts val="0"/>
+              </a:spcBef>
+              <a:spcAft>
+                <a:spcPts val="0"/>
+              </a:spcAft>
+              <a:buClrTx/>
+              <a:buSzTx/>
+              <a:buFontTx/>
+              <a:buNone/>
+              <a:tabLst/>
+              <a:defRPr/>
+            </a:pPr>
+            <a:endParaRPr kumimoji="0" lang="en-US" sz="1200" b="0" i="0" u="none" strike="noStrike" kern="1200" cap="none" spc="0" normalizeH="0" baseline="0" noProof="0">
+              <a:ln>
+                <a:noFill/>
+              </a:ln>
+              <a:solidFill>
+                <a:prstClr val="black">
+                  <a:tint val="75000"/>
+                </a:prstClr>
+              </a:solidFill>
+              <a:effectLst/>
+              <a:uLnTx/>
+              <a:uFillTx/>
+              <a:latin typeface="Calibri" panose="020F0502020204030204"/>
+              <a:ea typeface="+mn-ea"/>
+              <a:cs typeface="+mn-cs"/>
+            </a:endParaRPr>
+          </a:p>
+        </p:txBody>
+      </p:sp>
+      <p:sp>
+        <p:nvSpPr>
+          <p:cNvPr id="6" name="Slide Number Placeholder 5">
+            <a:extLst>
+              <a:ext uri="{FF2B5EF4-FFF2-40B4-BE49-F238E27FC236}">
+                <a16:creationId xmlns:a16="http://schemas.microsoft.com/office/drawing/2014/main" id="{EC0546BE-E41A-4B87-AA43-8679B19B0522}"/>
+              </a:ext>
+            </a:extLst>
+          </p:cNvPr>
+          <p:cNvSpPr>
+            <a:spLocks noGrp="1"/>
+          </p:cNvSpPr>
+          <p:nvPr>
+            <p:ph type="sldNum" sz="quarter" idx="12"/>
+          </p:nvPr>
+        </p:nvSpPr>
+        <p:spPr/>
+        <p:txBody>
+          <a:bodyPr/>
+          <a:lstStyle/>
+          <a:p>
+            <a:pPr marL="0" marR="0" lvl="0" indent="0" algn="r" defTabSz="914400" rtl="0" eaLnBrk="1" fontAlgn="auto" latinLnBrk="0" hangingPunct="1">
+              <a:lnSpc>
+                <a:spcPct val="100000"/>
+              </a:lnSpc>
+              <a:spcBef>
+                <a:spcPts val="0"/>
+              </a:spcBef>
+              <a:spcAft>
+                <a:spcPts val="0"/>
+              </a:spcAft>
+              <a:buClrTx/>
+              <a:buSzTx/>
+              <a:buFontTx/>
+              <a:buNone/>
+              <a:tabLst/>
+              <a:defRPr/>
+            </a:pPr>
+            <a:fld id="{FD9B6D51-9EBD-47DE-829E-A5D861248231}" type="slidenum">
+              <a:rPr kumimoji="0" lang="en-US" sz="1200" b="0" i="0" u="none" strike="noStrike" kern="1200" cap="none" spc="0" normalizeH="0" baseline="0" noProof="0" smtClean="0">
+                <a:ln>
+                  <a:noFill/>
+                </a:ln>
+                <a:solidFill>
+                  <a:prstClr val="black">
+                    <a:tint val="75000"/>
+                  </a:prstClr>
+                </a:solidFill>
+                <a:effectLst/>
+                <a:uLnTx/>
+                <a:uFillTx/>
+                <a:latin typeface="Calibri" panose="020F0502020204030204"/>
+                <a:ea typeface="+mn-ea"/>
+                <a:cs typeface="+mn-cs"/>
+              </a:rPr>
+              <a:pPr marL="0" marR="0" lvl="0" indent="0" algn="r" defTabSz="914400" rtl="0" eaLnBrk="1" fontAlgn="auto" latinLnBrk="0" hangingPunct="1">
+                <a:lnSpc>
+                  <a:spcPct val="100000"/>
+                </a:lnSpc>
+                <a:spcBef>
+                  <a:spcPts val="0"/>
+                </a:spcBef>
+                <a:spcAft>
+                  <a:spcPts val="0"/>
+                </a:spcAft>
+                <a:buClrTx/>
+                <a:buSzTx/>
+                <a:buFontTx/>
+                <a:buNone/>
+                <a:tabLst/>
+                <a:defRPr/>
+              </a:pPr>
+              <a:t>‹#›</a:t>
+            </a:fld>
+            <a:endParaRPr kumimoji="0" lang="en-US" sz="1200" b="0" i="0" u="none" strike="noStrike" kern="1200" cap="none" spc="0" normalizeH="0" baseline="0" noProof="0">
+              <a:ln>
+                <a:noFill/>
+              </a:ln>
+              <a:solidFill>
+                <a:prstClr val="black">
+                  <a:tint val="75000"/>
+                </a:prstClr>
+              </a:solidFill>
+              <a:effectLst/>
+              <a:uLnTx/>
+              <a:uFillTx/>
+              <a:latin typeface="Calibri" panose="020F0502020204030204"/>
+              <a:ea typeface="+mn-ea"/>
+              <a:cs typeface="+mn-cs"/>
+            </a:endParaRPr>
+          </a:p>
+        </p:txBody>
+      </p:sp>
+    </p:spTree>
+    <p:extLst>
+      <p:ext uri="{BB962C8B-B14F-4D97-AF65-F5344CB8AC3E}">
+        <p14:creationId xmlns:p14="http://schemas.microsoft.com/office/powerpoint/2010/main" val="3969464322"/>
+      </p:ext>
+    </p:extLst>
+  </p:cSld>
+  <p:clrMapOvr>
+    <a:masterClrMapping/>
+  </p:clrMapOvr>
+</p:sldLayout>
+</file>
+
+<file path=ppt/slideLayouts/slideLayout14.xml><?xml version="1.0" encoding="utf-8"?>
+<p:sldLayout xmlns:a="http://schemas.openxmlformats.org/drawingml/2006/main" xmlns:r="http://schemas.openxmlformats.org/officeDocument/2006/relationships" xmlns:p="http://schemas.openxmlformats.org/presentationml/2006/main" type="secHead" preserve="1">
+  <p:cSld name="Section Header">
+    <p:spTree>
+      <p:nvGrpSpPr>
+        <p:cNvPr id="1" name=""/>
+        <p:cNvGrpSpPr/>
+        <p:nvPr/>
+      </p:nvGrpSpPr>
+      <p:grpSpPr>
+        <a:xfrm>
+          <a:off x="0" y="0"/>
+          <a:ext cx="0" cy="0"/>
+          <a:chOff x="0" y="0"/>
+          <a:chExt cx="0" cy="0"/>
+        </a:xfrm>
+      </p:grpSpPr>
+      <p:sp>
+        <p:nvSpPr>
+          <p:cNvPr id="2" name="Title 1">
+            <a:extLst>
+              <a:ext uri="{FF2B5EF4-FFF2-40B4-BE49-F238E27FC236}">
+                <a16:creationId xmlns:a16="http://schemas.microsoft.com/office/drawing/2014/main" id="{B48D1986-B45C-459F-9A44-3C2A2E2EB18A}"/>
+              </a:ext>
+            </a:extLst>
+          </p:cNvPr>
+          <p:cNvSpPr>
+            <a:spLocks noGrp="1"/>
+          </p:cNvSpPr>
+          <p:nvPr>
+            <p:ph type="title"/>
+          </p:nvPr>
+        </p:nvSpPr>
+        <p:spPr>
+          <a:xfrm>
+            <a:off x="831850" y="1709738"/>
+            <a:ext cx="10515600" cy="2852737"/>
+          </a:xfrm>
+        </p:spPr>
+        <p:txBody>
+          <a:bodyPr anchor="b"/>
+          <a:lstStyle>
+            <a:lvl1pPr>
+              <a:defRPr sz="6000"/>
+            </a:lvl1pPr>
+          </a:lstStyle>
+          <a:p>
+            <a:r>
+              <a:rPr lang="en-US"/>
+              <a:t>Click to edit Master title style</a:t>
+            </a:r>
+          </a:p>
+        </p:txBody>
+      </p:sp>
+      <p:sp>
+        <p:nvSpPr>
+          <p:cNvPr id="3" name="Text Placeholder 2">
+            <a:extLst>
+              <a:ext uri="{FF2B5EF4-FFF2-40B4-BE49-F238E27FC236}">
+                <a16:creationId xmlns:a16="http://schemas.microsoft.com/office/drawing/2014/main" id="{2C6FB946-B2E1-48F4-8320-21DD632A8961}"/>
+              </a:ext>
+            </a:extLst>
+          </p:cNvPr>
+          <p:cNvSpPr>
+            <a:spLocks noGrp="1"/>
+          </p:cNvSpPr>
+          <p:nvPr>
+            <p:ph type="body" idx="1"/>
+          </p:nvPr>
+        </p:nvSpPr>
+        <p:spPr>
+          <a:xfrm>
+            <a:off x="831850" y="4589463"/>
+            <a:ext cx="10515600" cy="1500187"/>
+          </a:xfrm>
+        </p:spPr>
+        <p:txBody>
+          <a:bodyPr/>
+          <a:lstStyle>
+            <a:lvl1pPr marL="0" indent="0">
+              <a:buNone/>
+              <a:defRPr sz="2400">
+                <a:solidFill>
+                  <a:schemeClr val="tx1">
+                    <a:tint val="75000"/>
+                  </a:schemeClr>
+                </a:solidFill>
+              </a:defRPr>
+            </a:lvl1pPr>
+            <a:lvl2pPr marL="457200" indent="0">
+              <a:buNone/>
+              <a:defRPr sz="2000">
+                <a:solidFill>
+                  <a:schemeClr val="tx1">
+                    <a:tint val="75000"/>
+                  </a:schemeClr>
+                </a:solidFill>
+              </a:defRPr>
+            </a:lvl2pPr>
+            <a:lvl3pPr marL="914400" indent="0">
+              <a:buNone/>
+              <a:defRPr sz="1800">
+                <a:solidFill>
+                  <a:schemeClr val="tx1">
+                    <a:tint val="75000"/>
+                  </a:schemeClr>
+                </a:solidFill>
+              </a:defRPr>
+            </a:lvl3pPr>
+            <a:lvl4pPr marL="1371600" indent="0">
+              <a:buNone/>
+              <a:defRPr sz="1600">
+                <a:solidFill>
+                  <a:schemeClr val="tx1">
+                    <a:tint val="75000"/>
+                  </a:schemeClr>
+                </a:solidFill>
+              </a:defRPr>
+            </a:lvl4pPr>
+            <a:lvl5pPr marL="1828800" indent="0">
+              <a:buNone/>
+              <a:defRPr sz="1600">
+                <a:solidFill>
+                  <a:schemeClr val="tx1">
+                    <a:tint val="75000"/>
+                  </a:schemeClr>
+                </a:solidFill>
+              </a:defRPr>
+            </a:lvl5pPr>
+            <a:lvl6pPr marL="2286000" indent="0">
+              <a:buNone/>
+              <a:defRPr sz="1600">
+                <a:solidFill>
+                  <a:schemeClr val="tx1">
+                    <a:tint val="75000"/>
+                  </a:schemeClr>
+                </a:solidFill>
+              </a:defRPr>
+            </a:lvl6pPr>
+            <a:lvl7pPr marL="2743200" indent="0">
+              <a:buNone/>
+              <a:defRPr sz="1600">
+                <a:solidFill>
+                  <a:schemeClr val="tx1">
+                    <a:tint val="75000"/>
+                  </a:schemeClr>
+                </a:solidFill>
+              </a:defRPr>
+            </a:lvl7pPr>
+            <a:lvl8pPr marL="3200400" indent="0">
+              <a:buNone/>
+              <a:defRPr sz="1600">
+                <a:solidFill>
+                  <a:schemeClr val="tx1">
+                    <a:tint val="75000"/>
+                  </a:schemeClr>
+                </a:solidFill>
+              </a:defRPr>
+            </a:lvl8pPr>
+            <a:lvl9pPr marL="3657600" indent="0">
+              <a:buNone/>
+              <a:defRPr sz="1600">
+                <a:solidFill>
+                  <a:schemeClr val="tx1">
+                    <a:tint val="75000"/>
+                  </a:schemeClr>
+                </a:solidFill>
+              </a:defRPr>
+            </a:lvl9pPr>
+          </a:lstStyle>
+          <a:p>
+            <a:pPr lvl="0"/>
+            <a:r>
+              <a:rPr lang="en-US"/>
+              <a:t>Click to edit Master text styles</a:t>
+            </a:r>
+          </a:p>
+        </p:txBody>
+      </p:sp>
+      <p:sp>
+        <p:nvSpPr>
+          <p:cNvPr id="4" name="Date Placeholder 3">
+            <a:extLst>
+              <a:ext uri="{FF2B5EF4-FFF2-40B4-BE49-F238E27FC236}">
+                <a16:creationId xmlns:a16="http://schemas.microsoft.com/office/drawing/2014/main" id="{C9B50A09-48ED-42E4-91C6-2B05F43621D1}"/>
+              </a:ext>
+            </a:extLst>
+          </p:cNvPr>
+          <p:cNvSpPr>
+            <a:spLocks noGrp="1"/>
+          </p:cNvSpPr>
+          <p:nvPr>
+            <p:ph type="dt" sz="half" idx="10"/>
+          </p:nvPr>
+        </p:nvSpPr>
+        <p:spPr/>
+        <p:txBody>
+          <a:bodyPr/>
+          <a:lstStyle/>
+          <a:p>
+            <a:pPr marL="0" marR="0" lvl="0" indent="0" algn="l" defTabSz="914400" rtl="0" eaLnBrk="1" fontAlgn="auto" latinLnBrk="0" hangingPunct="1">
+              <a:lnSpc>
+                <a:spcPct val="100000"/>
+              </a:lnSpc>
+              <a:spcBef>
+                <a:spcPts val="0"/>
+              </a:spcBef>
+              <a:spcAft>
+                <a:spcPts val="0"/>
+              </a:spcAft>
+              <a:buClrTx/>
+              <a:buSzTx/>
+              <a:buFontTx/>
+              <a:buNone/>
+              <a:tabLst/>
+              <a:defRPr/>
+            </a:pPr>
+            <a:fld id="{28011FB5-E0AE-4AAE-BD24-AFDB37E499CA}" type="datetimeFigureOut">
+              <a:rPr kumimoji="0" lang="en-US" sz="1200" b="0" i="0" u="none" strike="noStrike" kern="1200" cap="none" spc="0" normalizeH="0" baseline="0" noProof="0" smtClean="0">
+                <a:ln>
+                  <a:noFill/>
+                </a:ln>
+                <a:solidFill>
+                  <a:prstClr val="black">
+                    <a:tint val="75000"/>
+                  </a:prstClr>
+                </a:solidFill>
+                <a:effectLst/>
+                <a:uLnTx/>
+                <a:uFillTx/>
+                <a:latin typeface="Calibri" panose="020F0502020204030204"/>
+                <a:ea typeface="+mn-ea"/>
+                <a:cs typeface="+mn-cs"/>
+              </a:rPr>
+              <a:pPr marL="0" marR="0" lvl="0" indent="0" algn="l" defTabSz="914400" rtl="0" eaLnBrk="1" fontAlgn="auto" latinLnBrk="0" hangingPunct="1">
+                <a:lnSpc>
+                  <a:spcPct val="100000"/>
+                </a:lnSpc>
+                <a:spcBef>
+                  <a:spcPts val="0"/>
+                </a:spcBef>
+                <a:spcAft>
+                  <a:spcPts val="0"/>
+                </a:spcAft>
+                <a:buClrTx/>
+                <a:buSzTx/>
+                <a:buFontTx/>
+                <a:buNone/>
+                <a:tabLst/>
+                <a:defRPr/>
+              </a:pPr>
+              <a:t>6/15/2022</a:t>
+            </a:fld>
+            <a:endParaRPr kumimoji="0" lang="en-US" sz="1200" b="0" i="0" u="none" strike="noStrike" kern="1200" cap="none" spc="0" normalizeH="0" baseline="0" noProof="0">
+              <a:ln>
+                <a:noFill/>
+              </a:ln>
+              <a:solidFill>
+                <a:prstClr val="black">
+                  <a:tint val="75000"/>
+                </a:prstClr>
+              </a:solidFill>
+              <a:effectLst/>
+              <a:uLnTx/>
+              <a:uFillTx/>
+              <a:latin typeface="Calibri" panose="020F0502020204030204"/>
+              <a:ea typeface="+mn-ea"/>
+              <a:cs typeface="+mn-cs"/>
+            </a:endParaRPr>
+          </a:p>
+        </p:txBody>
+      </p:sp>
+      <p:sp>
+        <p:nvSpPr>
+          <p:cNvPr id="5" name="Footer Placeholder 4">
+            <a:extLst>
+              <a:ext uri="{FF2B5EF4-FFF2-40B4-BE49-F238E27FC236}">
+                <a16:creationId xmlns:a16="http://schemas.microsoft.com/office/drawing/2014/main" id="{B8B5E370-2A4F-4FAB-96F0-0784782574B8}"/>
+              </a:ext>
+            </a:extLst>
+          </p:cNvPr>
+          <p:cNvSpPr>
+            <a:spLocks noGrp="1"/>
+          </p:cNvSpPr>
+          <p:nvPr>
+            <p:ph type="ftr" sz="quarter" idx="11"/>
+          </p:nvPr>
+        </p:nvSpPr>
+        <p:spPr/>
+        <p:txBody>
+          <a:bodyPr/>
+          <a:lstStyle/>
+          <a:p>
+            <a:pPr marL="0" marR="0" lvl="0" indent="0" algn="ctr" defTabSz="914400" rtl="0" eaLnBrk="1" fontAlgn="auto" latinLnBrk="0" hangingPunct="1">
+              <a:lnSpc>
+                <a:spcPct val="100000"/>
+              </a:lnSpc>
+              <a:spcBef>
+                <a:spcPts val="0"/>
+              </a:spcBef>
+              <a:spcAft>
+                <a:spcPts val="0"/>
+              </a:spcAft>
+              <a:buClrTx/>
+              <a:buSzTx/>
+              <a:buFontTx/>
+              <a:buNone/>
+              <a:tabLst/>
+              <a:defRPr/>
+            </a:pPr>
+            <a:endParaRPr kumimoji="0" lang="en-US" sz="1200" b="0" i="0" u="none" strike="noStrike" kern="1200" cap="none" spc="0" normalizeH="0" baseline="0" noProof="0">
+              <a:ln>
+                <a:noFill/>
+              </a:ln>
+              <a:solidFill>
+                <a:prstClr val="black">
+                  <a:tint val="75000"/>
+                </a:prstClr>
+              </a:solidFill>
+              <a:effectLst/>
+              <a:uLnTx/>
+              <a:uFillTx/>
+              <a:latin typeface="Calibri" panose="020F0502020204030204"/>
+              <a:ea typeface="+mn-ea"/>
+              <a:cs typeface="+mn-cs"/>
+            </a:endParaRPr>
+          </a:p>
+        </p:txBody>
+      </p:sp>
+      <p:sp>
+        <p:nvSpPr>
+          <p:cNvPr id="6" name="Slide Number Placeholder 5">
+            <a:extLst>
+              <a:ext uri="{FF2B5EF4-FFF2-40B4-BE49-F238E27FC236}">
+                <a16:creationId xmlns:a16="http://schemas.microsoft.com/office/drawing/2014/main" id="{F1BF1FFC-D271-46DA-9278-CA5354FBF4D2}"/>
+              </a:ext>
+            </a:extLst>
+          </p:cNvPr>
+          <p:cNvSpPr>
+            <a:spLocks noGrp="1"/>
+          </p:cNvSpPr>
+          <p:nvPr>
+            <p:ph type="sldNum" sz="quarter" idx="12"/>
+          </p:nvPr>
+        </p:nvSpPr>
+        <p:spPr/>
+        <p:txBody>
+          <a:bodyPr/>
+          <a:lstStyle/>
+          <a:p>
+            <a:pPr marL="0" marR="0" lvl="0" indent="0" algn="r" defTabSz="914400" rtl="0" eaLnBrk="1" fontAlgn="auto" latinLnBrk="0" hangingPunct="1">
+              <a:lnSpc>
+                <a:spcPct val="100000"/>
+              </a:lnSpc>
+              <a:spcBef>
+                <a:spcPts val="0"/>
+              </a:spcBef>
+              <a:spcAft>
+                <a:spcPts val="0"/>
+              </a:spcAft>
+              <a:buClrTx/>
+              <a:buSzTx/>
+              <a:buFontTx/>
+              <a:buNone/>
+              <a:tabLst/>
+              <a:defRPr/>
+            </a:pPr>
+            <a:fld id="{FD9B6D51-9EBD-47DE-829E-A5D861248231}" type="slidenum">
+              <a:rPr kumimoji="0" lang="en-US" sz="1200" b="0" i="0" u="none" strike="noStrike" kern="1200" cap="none" spc="0" normalizeH="0" baseline="0" noProof="0" smtClean="0">
+                <a:ln>
+                  <a:noFill/>
+                </a:ln>
+                <a:solidFill>
+                  <a:prstClr val="black">
+                    <a:tint val="75000"/>
+                  </a:prstClr>
+                </a:solidFill>
+                <a:effectLst/>
+                <a:uLnTx/>
+                <a:uFillTx/>
+                <a:latin typeface="Calibri" panose="020F0502020204030204"/>
+                <a:ea typeface="+mn-ea"/>
+                <a:cs typeface="+mn-cs"/>
+              </a:rPr>
+              <a:pPr marL="0" marR="0" lvl="0" indent="0" algn="r" defTabSz="914400" rtl="0" eaLnBrk="1" fontAlgn="auto" latinLnBrk="0" hangingPunct="1">
+                <a:lnSpc>
+                  <a:spcPct val="100000"/>
+                </a:lnSpc>
+                <a:spcBef>
+                  <a:spcPts val="0"/>
+                </a:spcBef>
+                <a:spcAft>
+                  <a:spcPts val="0"/>
+                </a:spcAft>
+                <a:buClrTx/>
+                <a:buSzTx/>
+                <a:buFontTx/>
+                <a:buNone/>
+                <a:tabLst/>
+                <a:defRPr/>
+              </a:pPr>
+              <a:t>‹#›</a:t>
+            </a:fld>
+            <a:endParaRPr kumimoji="0" lang="en-US" sz="1200" b="0" i="0" u="none" strike="noStrike" kern="1200" cap="none" spc="0" normalizeH="0" baseline="0" noProof="0">
+              <a:ln>
+                <a:noFill/>
+              </a:ln>
+              <a:solidFill>
+                <a:prstClr val="black">
+                  <a:tint val="75000"/>
+                </a:prstClr>
+              </a:solidFill>
+              <a:effectLst/>
+              <a:uLnTx/>
+              <a:uFillTx/>
+              <a:latin typeface="Calibri" panose="020F0502020204030204"/>
+              <a:ea typeface="+mn-ea"/>
+              <a:cs typeface="+mn-cs"/>
+            </a:endParaRPr>
+          </a:p>
+        </p:txBody>
+      </p:sp>
+    </p:spTree>
+    <p:extLst>
+      <p:ext uri="{BB962C8B-B14F-4D97-AF65-F5344CB8AC3E}">
+        <p14:creationId xmlns:p14="http://schemas.microsoft.com/office/powerpoint/2010/main" val="1656821190"/>
+      </p:ext>
+    </p:extLst>
+  </p:cSld>
+  <p:clrMapOvr>
+    <a:masterClrMapping/>
+  </p:clrMapOvr>
+</p:sldLayout>
+</file>
+
+<file path=ppt/slideLayouts/slideLayout15.xml><?xml version="1.0" encoding="utf-8"?>
+<p:sldLayout xmlns:a="http://schemas.openxmlformats.org/drawingml/2006/main" xmlns:r="http://schemas.openxmlformats.org/officeDocument/2006/relationships" xmlns:p="http://schemas.openxmlformats.org/presentationml/2006/main" type="twoObj" preserve="1">
+  <p:cSld name="Two Content">
+    <p:spTree>
+      <p:nvGrpSpPr>
+        <p:cNvPr id="1" name=""/>
+        <p:cNvGrpSpPr/>
+        <p:nvPr/>
+      </p:nvGrpSpPr>
+      <p:grpSpPr>
+        <a:xfrm>
+          <a:off x="0" y="0"/>
+          <a:ext cx="0" cy="0"/>
+          <a:chOff x="0" y="0"/>
+          <a:chExt cx="0" cy="0"/>
+        </a:xfrm>
+      </p:grpSpPr>
+      <p:sp>
+        <p:nvSpPr>
+          <p:cNvPr id="2" name="Title 1">
+            <a:extLst>
+              <a:ext uri="{FF2B5EF4-FFF2-40B4-BE49-F238E27FC236}">
+                <a16:creationId xmlns:a16="http://schemas.microsoft.com/office/drawing/2014/main" id="{1DD6C307-DF80-4C71-890A-8ED2934AAD4A}"/>
+              </a:ext>
+            </a:extLst>
+          </p:cNvPr>
+          <p:cNvSpPr>
+            <a:spLocks noGrp="1"/>
+          </p:cNvSpPr>
+          <p:nvPr>
+            <p:ph type="title"/>
+          </p:nvPr>
+        </p:nvSpPr>
+        <p:spPr/>
+        <p:txBody>
+          <a:bodyPr/>
+          <a:lstStyle/>
+          <a:p>
+            <a:r>
+              <a:rPr lang="en-US"/>
+              <a:t>Click to edit Master title style</a:t>
+            </a:r>
+          </a:p>
+        </p:txBody>
+      </p:sp>
+      <p:sp>
+        <p:nvSpPr>
+          <p:cNvPr id="3" name="Content Placeholder 2">
+            <a:extLst>
+              <a:ext uri="{FF2B5EF4-FFF2-40B4-BE49-F238E27FC236}">
+                <a16:creationId xmlns:a16="http://schemas.microsoft.com/office/drawing/2014/main" id="{CD497A0A-A86F-462B-A593-59852544ECA4}"/>
+              </a:ext>
+            </a:extLst>
+          </p:cNvPr>
+          <p:cNvSpPr>
+            <a:spLocks noGrp="1"/>
+          </p:cNvSpPr>
+          <p:nvPr>
+            <p:ph sz="half" idx="1"/>
+          </p:nvPr>
+        </p:nvSpPr>
+        <p:spPr>
+          <a:xfrm>
+            <a:off x="838200" y="1825625"/>
+            <a:ext cx="5181600" cy="4351338"/>
+          </a:xfrm>
+        </p:spPr>
+        <p:txBody>
+          <a:bodyPr/>
+          <a:lstStyle/>
+          <a:p>
+            <a:pPr lvl="0"/>
+            <a:r>
+              <a:rPr lang="en-US"/>
+              <a:t>Click to edit Master text styles</a:t>
+            </a:r>
+          </a:p>
+          <a:p>
+            <a:pPr lvl="1"/>
+            <a:r>
+              <a:rPr lang="en-US"/>
+              <a:t>Second level</a:t>
+            </a:r>
+          </a:p>
+          <a:p>
+            <a:pPr lvl="2"/>
+            <a:r>
+              <a:rPr lang="en-US"/>
+              <a:t>Third level</a:t>
+            </a:r>
+          </a:p>
+          <a:p>
+            <a:pPr lvl="3"/>
+            <a:r>
+              <a:rPr lang="en-US"/>
+              <a:t>Fourth level</a:t>
+            </a:r>
+          </a:p>
+          <a:p>
+            <a:pPr lvl="4"/>
+            <a:r>
+              <a:rPr lang="en-US"/>
+              <a:t>Fifth level</a:t>
+            </a:r>
+          </a:p>
+        </p:txBody>
+      </p:sp>
+      <p:sp>
+        <p:nvSpPr>
+          <p:cNvPr id="4" name="Content Placeholder 3">
+            <a:extLst>
+              <a:ext uri="{FF2B5EF4-FFF2-40B4-BE49-F238E27FC236}">
+                <a16:creationId xmlns:a16="http://schemas.microsoft.com/office/drawing/2014/main" id="{47987510-D721-47F9-921D-9112C0D5DD29}"/>
+              </a:ext>
+            </a:extLst>
+          </p:cNvPr>
+          <p:cNvSpPr>
+            <a:spLocks noGrp="1"/>
+          </p:cNvSpPr>
+          <p:nvPr>
+            <p:ph sz="half" idx="2"/>
+          </p:nvPr>
+        </p:nvSpPr>
+        <p:spPr>
+          <a:xfrm>
+            <a:off x="6172200" y="1825625"/>
+            <a:ext cx="5181600" cy="4351338"/>
+          </a:xfrm>
+        </p:spPr>
+        <p:txBody>
+          <a:bodyPr/>
+          <a:lstStyle/>
+          <a:p>
+            <a:pPr lvl="0"/>
+            <a:r>
+              <a:rPr lang="en-US"/>
+              <a:t>Click to edit Master text styles</a:t>
+            </a:r>
+          </a:p>
+          <a:p>
+            <a:pPr lvl="1"/>
+            <a:r>
+              <a:rPr lang="en-US"/>
+              <a:t>Second level</a:t>
+            </a:r>
+          </a:p>
+          <a:p>
+            <a:pPr lvl="2"/>
+            <a:r>
+              <a:rPr lang="en-US"/>
+              <a:t>Third level</a:t>
+            </a:r>
+          </a:p>
+          <a:p>
+            <a:pPr lvl="3"/>
+            <a:r>
+              <a:rPr lang="en-US"/>
+              <a:t>Fourth level</a:t>
+            </a:r>
+          </a:p>
+          <a:p>
+            <a:pPr lvl="4"/>
+            <a:r>
+              <a:rPr lang="en-US"/>
+              <a:t>Fifth level</a:t>
+            </a:r>
+          </a:p>
+        </p:txBody>
+      </p:sp>
+      <p:sp>
+        <p:nvSpPr>
+          <p:cNvPr id="5" name="Date Placeholder 4">
+            <a:extLst>
+              <a:ext uri="{FF2B5EF4-FFF2-40B4-BE49-F238E27FC236}">
+                <a16:creationId xmlns:a16="http://schemas.microsoft.com/office/drawing/2014/main" id="{80660670-7E9C-4487-95E4-65037C52D665}"/>
+              </a:ext>
+            </a:extLst>
+          </p:cNvPr>
+          <p:cNvSpPr>
+            <a:spLocks noGrp="1"/>
+          </p:cNvSpPr>
+          <p:nvPr>
+            <p:ph type="dt" sz="half" idx="10"/>
+          </p:nvPr>
+        </p:nvSpPr>
+        <p:spPr/>
+        <p:txBody>
+          <a:bodyPr/>
+          <a:lstStyle/>
+          <a:p>
+            <a:pPr marL="0" marR="0" lvl="0" indent="0" algn="l" defTabSz="914400" rtl="0" eaLnBrk="1" fontAlgn="auto" latinLnBrk="0" hangingPunct="1">
+              <a:lnSpc>
+                <a:spcPct val="100000"/>
+              </a:lnSpc>
+              <a:spcBef>
+                <a:spcPts val="0"/>
+              </a:spcBef>
+              <a:spcAft>
+                <a:spcPts val="0"/>
+              </a:spcAft>
+              <a:buClrTx/>
+              <a:buSzTx/>
+              <a:buFontTx/>
+              <a:buNone/>
+              <a:tabLst/>
+              <a:defRPr/>
+            </a:pPr>
+            <a:fld id="{28011FB5-E0AE-4AAE-BD24-AFDB37E499CA}" type="datetimeFigureOut">
+              <a:rPr kumimoji="0" lang="en-US" sz="1200" b="0" i="0" u="none" strike="noStrike" kern="1200" cap="none" spc="0" normalizeH="0" baseline="0" noProof="0" smtClean="0">
+                <a:ln>
+                  <a:noFill/>
+                </a:ln>
+                <a:solidFill>
+                  <a:prstClr val="black">
+                    <a:tint val="75000"/>
+                  </a:prstClr>
+                </a:solidFill>
+                <a:effectLst/>
+                <a:uLnTx/>
+                <a:uFillTx/>
+                <a:latin typeface="Calibri" panose="020F0502020204030204"/>
+                <a:ea typeface="+mn-ea"/>
+                <a:cs typeface="+mn-cs"/>
+              </a:rPr>
+              <a:pPr marL="0" marR="0" lvl="0" indent="0" algn="l" defTabSz="914400" rtl="0" eaLnBrk="1" fontAlgn="auto" latinLnBrk="0" hangingPunct="1">
+                <a:lnSpc>
+                  <a:spcPct val="100000"/>
+                </a:lnSpc>
+                <a:spcBef>
+                  <a:spcPts val="0"/>
+                </a:spcBef>
+                <a:spcAft>
+                  <a:spcPts val="0"/>
+                </a:spcAft>
+                <a:buClrTx/>
+                <a:buSzTx/>
+                <a:buFontTx/>
+                <a:buNone/>
+                <a:tabLst/>
+                <a:defRPr/>
+              </a:pPr>
+              <a:t>6/15/2022</a:t>
+            </a:fld>
+            <a:endParaRPr kumimoji="0" lang="en-US" sz="1200" b="0" i="0" u="none" strike="noStrike" kern="1200" cap="none" spc="0" normalizeH="0" baseline="0" noProof="0">
+              <a:ln>
+                <a:noFill/>
+              </a:ln>
+              <a:solidFill>
+                <a:prstClr val="black">
+                  <a:tint val="75000"/>
+                </a:prstClr>
+              </a:solidFill>
+              <a:effectLst/>
+              <a:uLnTx/>
+              <a:uFillTx/>
+              <a:latin typeface="Calibri" panose="020F0502020204030204"/>
+              <a:ea typeface="+mn-ea"/>
+              <a:cs typeface="+mn-cs"/>
+            </a:endParaRPr>
+          </a:p>
+        </p:txBody>
+      </p:sp>
+      <p:sp>
+        <p:nvSpPr>
+          <p:cNvPr id="6" name="Footer Placeholder 5">
+            <a:extLst>
+              <a:ext uri="{FF2B5EF4-FFF2-40B4-BE49-F238E27FC236}">
+                <a16:creationId xmlns:a16="http://schemas.microsoft.com/office/drawing/2014/main" id="{DCBB3151-8533-4973-AFAF-1AEA74D87EFE}"/>
+              </a:ext>
+            </a:extLst>
+          </p:cNvPr>
+          <p:cNvSpPr>
+            <a:spLocks noGrp="1"/>
+          </p:cNvSpPr>
+          <p:nvPr>
+            <p:ph type="ftr" sz="quarter" idx="11"/>
+          </p:nvPr>
+        </p:nvSpPr>
+        <p:spPr/>
+        <p:txBody>
+          <a:bodyPr/>
+          <a:lstStyle/>
+          <a:p>
+            <a:pPr marL="0" marR="0" lvl="0" indent="0" algn="ctr" defTabSz="914400" rtl="0" eaLnBrk="1" fontAlgn="auto" latinLnBrk="0" hangingPunct="1">
+              <a:lnSpc>
+                <a:spcPct val="100000"/>
+              </a:lnSpc>
+              <a:spcBef>
+                <a:spcPts val="0"/>
+              </a:spcBef>
+              <a:spcAft>
+                <a:spcPts val="0"/>
+              </a:spcAft>
+              <a:buClrTx/>
+              <a:buSzTx/>
+              <a:buFontTx/>
+              <a:buNone/>
+              <a:tabLst/>
+              <a:defRPr/>
+            </a:pPr>
+            <a:endParaRPr kumimoji="0" lang="en-US" sz="1200" b="0" i="0" u="none" strike="noStrike" kern="1200" cap="none" spc="0" normalizeH="0" baseline="0" noProof="0">
+              <a:ln>
+                <a:noFill/>
+              </a:ln>
+              <a:solidFill>
+                <a:prstClr val="black">
+                  <a:tint val="75000"/>
+                </a:prstClr>
+              </a:solidFill>
+              <a:effectLst/>
+              <a:uLnTx/>
+              <a:uFillTx/>
+              <a:latin typeface="Calibri" panose="020F0502020204030204"/>
+              <a:ea typeface="+mn-ea"/>
+              <a:cs typeface="+mn-cs"/>
+            </a:endParaRPr>
+          </a:p>
+        </p:txBody>
+      </p:sp>
+      <p:sp>
+        <p:nvSpPr>
+          <p:cNvPr id="7" name="Slide Number Placeholder 6">
+            <a:extLst>
+              <a:ext uri="{FF2B5EF4-FFF2-40B4-BE49-F238E27FC236}">
+                <a16:creationId xmlns:a16="http://schemas.microsoft.com/office/drawing/2014/main" id="{349D5D35-EB30-4655-901C-36A76DA6772D}"/>
+              </a:ext>
+            </a:extLst>
+          </p:cNvPr>
+          <p:cNvSpPr>
+            <a:spLocks noGrp="1"/>
+          </p:cNvSpPr>
+          <p:nvPr>
+            <p:ph type="sldNum" sz="quarter" idx="12"/>
+          </p:nvPr>
+        </p:nvSpPr>
+        <p:spPr/>
+        <p:txBody>
+          <a:bodyPr/>
+          <a:lstStyle/>
+          <a:p>
+            <a:pPr marL="0" marR="0" lvl="0" indent="0" algn="r" defTabSz="914400" rtl="0" eaLnBrk="1" fontAlgn="auto" latinLnBrk="0" hangingPunct="1">
+              <a:lnSpc>
+                <a:spcPct val="100000"/>
+              </a:lnSpc>
+              <a:spcBef>
+                <a:spcPts val="0"/>
+              </a:spcBef>
+              <a:spcAft>
+                <a:spcPts val="0"/>
+              </a:spcAft>
+              <a:buClrTx/>
+              <a:buSzTx/>
+              <a:buFontTx/>
+              <a:buNone/>
+              <a:tabLst/>
+              <a:defRPr/>
+            </a:pPr>
+            <a:fld id="{FD9B6D51-9EBD-47DE-829E-A5D861248231}" type="slidenum">
+              <a:rPr kumimoji="0" lang="en-US" sz="1200" b="0" i="0" u="none" strike="noStrike" kern="1200" cap="none" spc="0" normalizeH="0" baseline="0" noProof="0" smtClean="0">
+                <a:ln>
+                  <a:noFill/>
+                </a:ln>
+                <a:solidFill>
+                  <a:prstClr val="black">
+                    <a:tint val="75000"/>
+                  </a:prstClr>
+                </a:solidFill>
+                <a:effectLst/>
+                <a:uLnTx/>
+                <a:uFillTx/>
+                <a:latin typeface="Calibri" panose="020F0502020204030204"/>
+                <a:ea typeface="+mn-ea"/>
+                <a:cs typeface="+mn-cs"/>
+              </a:rPr>
+              <a:pPr marL="0" marR="0" lvl="0" indent="0" algn="r" defTabSz="914400" rtl="0" eaLnBrk="1" fontAlgn="auto" latinLnBrk="0" hangingPunct="1">
+                <a:lnSpc>
+                  <a:spcPct val="100000"/>
+                </a:lnSpc>
+                <a:spcBef>
+                  <a:spcPts val="0"/>
+                </a:spcBef>
+                <a:spcAft>
+                  <a:spcPts val="0"/>
+                </a:spcAft>
+                <a:buClrTx/>
+                <a:buSzTx/>
+                <a:buFontTx/>
+                <a:buNone/>
+                <a:tabLst/>
+                <a:defRPr/>
+              </a:pPr>
+              <a:t>‹#›</a:t>
+            </a:fld>
+            <a:endParaRPr kumimoji="0" lang="en-US" sz="1200" b="0" i="0" u="none" strike="noStrike" kern="1200" cap="none" spc="0" normalizeH="0" baseline="0" noProof="0">
+              <a:ln>
+                <a:noFill/>
+              </a:ln>
+              <a:solidFill>
+                <a:prstClr val="black">
+                  <a:tint val="75000"/>
+                </a:prstClr>
+              </a:solidFill>
+              <a:effectLst/>
+              <a:uLnTx/>
+              <a:uFillTx/>
+              <a:latin typeface="Calibri" panose="020F0502020204030204"/>
+              <a:ea typeface="+mn-ea"/>
+              <a:cs typeface="+mn-cs"/>
+            </a:endParaRPr>
+          </a:p>
+        </p:txBody>
+      </p:sp>
+    </p:spTree>
+    <p:extLst>
+      <p:ext uri="{BB962C8B-B14F-4D97-AF65-F5344CB8AC3E}">
+        <p14:creationId xmlns:p14="http://schemas.microsoft.com/office/powerpoint/2010/main" val="2799151647"/>
+      </p:ext>
+    </p:extLst>
+  </p:cSld>
+  <p:clrMapOvr>
+    <a:masterClrMapping/>
+  </p:clrMapOvr>
+</p:sldLayout>
+</file>
+
+<file path=ppt/slideLayouts/slideLayout16.xml><?xml version="1.0" encoding="utf-8"?>
+<p:sldLayout xmlns:a="http://schemas.openxmlformats.org/drawingml/2006/main" xmlns:r="http://schemas.openxmlformats.org/officeDocument/2006/relationships" xmlns:p="http://schemas.openxmlformats.org/presentationml/2006/main" type="twoTxTwoObj" preserve="1">
+  <p:cSld name="Comparison">
+    <p:spTree>
+      <p:nvGrpSpPr>
+        <p:cNvPr id="1" name=""/>
+        <p:cNvGrpSpPr/>
+        <p:nvPr/>
+      </p:nvGrpSpPr>
+      <p:grpSpPr>
+        <a:xfrm>
+          <a:off x="0" y="0"/>
+          <a:ext cx="0" cy="0"/>
+          <a:chOff x="0" y="0"/>
+          <a:chExt cx="0" cy="0"/>
+        </a:xfrm>
+      </p:grpSpPr>
+      <p:sp>
+        <p:nvSpPr>
+          <p:cNvPr id="2" name="Title 1">
+            <a:extLst>
+              <a:ext uri="{FF2B5EF4-FFF2-40B4-BE49-F238E27FC236}">
+                <a16:creationId xmlns:a16="http://schemas.microsoft.com/office/drawing/2014/main" id="{E802F7A7-12BD-4DFE-B355-78524F4869C8}"/>
+              </a:ext>
+            </a:extLst>
+          </p:cNvPr>
+          <p:cNvSpPr>
+            <a:spLocks noGrp="1"/>
+          </p:cNvSpPr>
+          <p:nvPr>
+            <p:ph type="title"/>
+          </p:nvPr>
+        </p:nvSpPr>
+        <p:spPr>
+          <a:xfrm>
+            <a:off x="839788" y="365125"/>
+            <a:ext cx="10515600" cy="1325563"/>
+          </a:xfrm>
+        </p:spPr>
+        <p:txBody>
+          <a:bodyPr/>
+          <a:lstStyle/>
+          <a:p>
+            <a:r>
+              <a:rPr lang="en-US"/>
+              <a:t>Click to edit Master title style</a:t>
+            </a:r>
+          </a:p>
+        </p:txBody>
+      </p:sp>
+      <p:sp>
+        <p:nvSpPr>
+          <p:cNvPr id="3" name="Text Placeholder 2">
+            <a:extLst>
+              <a:ext uri="{FF2B5EF4-FFF2-40B4-BE49-F238E27FC236}">
+                <a16:creationId xmlns:a16="http://schemas.microsoft.com/office/drawing/2014/main" id="{8AE3C109-91BC-49B1-AA6F-A86DB2CC94FE}"/>
+              </a:ext>
+            </a:extLst>
+          </p:cNvPr>
+          <p:cNvSpPr>
+            <a:spLocks noGrp="1"/>
+          </p:cNvSpPr>
+          <p:nvPr>
+            <p:ph type="body" idx="1"/>
+          </p:nvPr>
+        </p:nvSpPr>
+        <p:spPr>
+          <a:xfrm>
+            <a:off x="839788" y="1681163"/>
+            <a:ext cx="5157787" cy="823912"/>
+          </a:xfrm>
+        </p:spPr>
+        <p:txBody>
+          <a:bodyPr anchor="b"/>
+          <a:lstStyle>
+            <a:lvl1pPr marL="0" indent="0">
+              <a:buNone/>
+              <a:defRPr sz="2400" b="1"/>
+            </a:lvl1pPr>
+            <a:lvl2pPr marL="457200" indent="0">
+              <a:buNone/>
+              <a:defRPr sz="2000" b="1"/>
+            </a:lvl2pPr>
+            <a:lvl3pPr marL="914400" indent="0">
+              <a:buNone/>
+              <a:defRPr sz="1800" b="1"/>
+            </a:lvl3pPr>
+            <a:lvl4pPr marL="1371600" indent="0">
+              <a:buNone/>
+              <a:defRPr sz="1600" b="1"/>
+            </a:lvl4pPr>
+            <a:lvl5pPr marL="1828800" indent="0">
+              <a:buNone/>
+              <a:defRPr sz="1600" b="1"/>
+            </a:lvl5pPr>
+            <a:lvl6pPr marL="2286000" indent="0">
+              <a:buNone/>
+              <a:defRPr sz="1600" b="1"/>
+            </a:lvl6pPr>
+            <a:lvl7pPr marL="2743200" indent="0">
+              <a:buNone/>
+              <a:defRPr sz="1600" b="1"/>
+            </a:lvl7pPr>
+            <a:lvl8pPr marL="3200400" indent="0">
+              <a:buNone/>
+              <a:defRPr sz="1600" b="1"/>
+            </a:lvl8pPr>
+            <a:lvl9pPr marL="3657600" indent="0">
+              <a:buNone/>
+              <a:defRPr sz="1600" b="1"/>
+            </a:lvl9pPr>
+          </a:lstStyle>
+          <a:p>
+            <a:pPr lvl="0"/>
+            <a:r>
+              <a:rPr lang="en-US"/>
+              <a:t>Click to edit Master text styles</a:t>
+            </a:r>
+          </a:p>
+        </p:txBody>
+      </p:sp>
+      <p:sp>
+        <p:nvSpPr>
+          <p:cNvPr id="4" name="Content Placeholder 3">
+            <a:extLst>
+              <a:ext uri="{FF2B5EF4-FFF2-40B4-BE49-F238E27FC236}">
+                <a16:creationId xmlns:a16="http://schemas.microsoft.com/office/drawing/2014/main" id="{F48E0ED5-34B8-43DB-8284-48B7FB5F2865}"/>
+              </a:ext>
+            </a:extLst>
+          </p:cNvPr>
+          <p:cNvSpPr>
+            <a:spLocks noGrp="1"/>
+          </p:cNvSpPr>
+          <p:nvPr>
+            <p:ph sz="half" idx="2"/>
+          </p:nvPr>
+        </p:nvSpPr>
+        <p:spPr>
+          <a:xfrm>
+            <a:off x="839788" y="2505075"/>
+            <a:ext cx="5157787" cy="3684588"/>
+          </a:xfrm>
+        </p:spPr>
+        <p:txBody>
+          <a:bodyPr/>
+          <a:lstStyle/>
+          <a:p>
+            <a:pPr lvl="0"/>
+            <a:r>
+              <a:rPr lang="en-US"/>
+              <a:t>Click to edit Master text styles</a:t>
+            </a:r>
+          </a:p>
+          <a:p>
+            <a:pPr lvl="1"/>
+            <a:r>
+              <a:rPr lang="en-US"/>
+              <a:t>Second level</a:t>
+            </a:r>
+          </a:p>
+          <a:p>
+            <a:pPr lvl="2"/>
+            <a:r>
+              <a:rPr lang="en-US"/>
+              <a:t>Third level</a:t>
+            </a:r>
+          </a:p>
+          <a:p>
+            <a:pPr lvl="3"/>
+            <a:r>
+              <a:rPr lang="en-US"/>
+              <a:t>Fourth level</a:t>
+            </a:r>
+          </a:p>
+          <a:p>
+            <a:pPr lvl="4"/>
+            <a:r>
+              <a:rPr lang="en-US"/>
+              <a:t>Fifth level</a:t>
+            </a:r>
+          </a:p>
+        </p:txBody>
+      </p:sp>
+      <p:sp>
+        <p:nvSpPr>
+          <p:cNvPr id="5" name="Text Placeholder 4">
+            <a:extLst>
+              <a:ext uri="{FF2B5EF4-FFF2-40B4-BE49-F238E27FC236}">
+                <a16:creationId xmlns:a16="http://schemas.microsoft.com/office/drawing/2014/main" id="{4C5F3615-EC35-43A6-9792-65E925AB2D6B}"/>
+              </a:ext>
+            </a:extLst>
+          </p:cNvPr>
+          <p:cNvSpPr>
+            <a:spLocks noGrp="1"/>
+          </p:cNvSpPr>
+          <p:nvPr>
+            <p:ph type="body" sz="quarter" idx="3"/>
+          </p:nvPr>
+        </p:nvSpPr>
+        <p:spPr>
+          <a:xfrm>
+            <a:off x="6172200" y="1681163"/>
+            <a:ext cx="5183188" cy="823912"/>
+          </a:xfrm>
+        </p:spPr>
+        <p:txBody>
+          <a:bodyPr anchor="b"/>
+          <a:lstStyle>
+            <a:lvl1pPr marL="0" indent="0">
+              <a:buNone/>
+              <a:defRPr sz="2400" b="1"/>
+            </a:lvl1pPr>
+            <a:lvl2pPr marL="457200" indent="0">
+              <a:buNone/>
+              <a:defRPr sz="2000" b="1"/>
+            </a:lvl2pPr>
+            <a:lvl3pPr marL="914400" indent="0">
+              <a:buNone/>
+              <a:defRPr sz="1800" b="1"/>
+            </a:lvl3pPr>
+            <a:lvl4pPr marL="1371600" indent="0">
+              <a:buNone/>
+              <a:defRPr sz="1600" b="1"/>
+            </a:lvl4pPr>
+            <a:lvl5pPr marL="1828800" indent="0">
+              <a:buNone/>
+              <a:defRPr sz="1600" b="1"/>
+            </a:lvl5pPr>
+            <a:lvl6pPr marL="2286000" indent="0">
+              <a:buNone/>
+              <a:defRPr sz="1600" b="1"/>
+            </a:lvl6pPr>
+            <a:lvl7pPr marL="2743200" indent="0">
+              <a:buNone/>
+              <a:defRPr sz="1600" b="1"/>
+            </a:lvl7pPr>
+            <a:lvl8pPr marL="3200400" indent="0">
+              <a:buNone/>
+              <a:defRPr sz="1600" b="1"/>
+            </a:lvl8pPr>
+            <a:lvl9pPr marL="3657600" indent="0">
+              <a:buNone/>
+              <a:defRPr sz="1600" b="1"/>
+            </a:lvl9pPr>
+          </a:lstStyle>
+          <a:p>
+            <a:pPr lvl="0"/>
+            <a:r>
+              <a:rPr lang="en-US"/>
+              <a:t>Click to edit Master text styles</a:t>
+            </a:r>
+          </a:p>
+        </p:txBody>
+      </p:sp>
+      <p:sp>
+        <p:nvSpPr>
+          <p:cNvPr id="6" name="Content Placeholder 5">
+            <a:extLst>
+              <a:ext uri="{FF2B5EF4-FFF2-40B4-BE49-F238E27FC236}">
+                <a16:creationId xmlns:a16="http://schemas.microsoft.com/office/drawing/2014/main" id="{2122A347-3A2B-4FBB-AB9D-70A7CAA1D751}"/>
+              </a:ext>
+            </a:extLst>
+          </p:cNvPr>
+          <p:cNvSpPr>
+            <a:spLocks noGrp="1"/>
+          </p:cNvSpPr>
+          <p:nvPr>
+            <p:ph sz="quarter" idx="4"/>
+          </p:nvPr>
+        </p:nvSpPr>
+        <p:spPr>
+          <a:xfrm>
+            <a:off x="6172200" y="2505075"/>
+            <a:ext cx="5183188" cy="3684588"/>
+          </a:xfrm>
+        </p:spPr>
+        <p:txBody>
+          <a:bodyPr/>
+          <a:lstStyle/>
+          <a:p>
+            <a:pPr lvl="0"/>
+            <a:r>
+              <a:rPr lang="en-US"/>
+              <a:t>Click to edit Master text styles</a:t>
+            </a:r>
+          </a:p>
+          <a:p>
+            <a:pPr lvl="1"/>
+            <a:r>
+              <a:rPr lang="en-US"/>
+              <a:t>Second level</a:t>
+            </a:r>
+          </a:p>
+          <a:p>
+            <a:pPr lvl="2"/>
+            <a:r>
+              <a:rPr lang="en-US"/>
+              <a:t>Third level</a:t>
+            </a:r>
+          </a:p>
+          <a:p>
+            <a:pPr lvl="3"/>
+            <a:r>
+              <a:rPr lang="en-US"/>
+              <a:t>Fourth level</a:t>
+            </a:r>
+          </a:p>
+          <a:p>
+            <a:pPr lvl="4"/>
+            <a:r>
+              <a:rPr lang="en-US"/>
+              <a:t>Fifth level</a:t>
+            </a:r>
+          </a:p>
+        </p:txBody>
+      </p:sp>
+      <p:sp>
+        <p:nvSpPr>
+          <p:cNvPr id="7" name="Date Placeholder 6">
+            <a:extLst>
+              <a:ext uri="{FF2B5EF4-FFF2-40B4-BE49-F238E27FC236}">
+                <a16:creationId xmlns:a16="http://schemas.microsoft.com/office/drawing/2014/main" id="{9A39266A-976F-45B0-863A-95645E6476B3}"/>
+              </a:ext>
+            </a:extLst>
+          </p:cNvPr>
+          <p:cNvSpPr>
+            <a:spLocks noGrp="1"/>
+          </p:cNvSpPr>
+          <p:nvPr>
+            <p:ph type="dt" sz="half" idx="10"/>
+          </p:nvPr>
+        </p:nvSpPr>
+        <p:spPr/>
+        <p:txBody>
+          <a:bodyPr/>
+          <a:lstStyle/>
+          <a:p>
+            <a:pPr marL="0" marR="0" lvl="0" indent="0" algn="l" defTabSz="914400" rtl="0" eaLnBrk="1" fontAlgn="auto" latinLnBrk="0" hangingPunct="1">
+              <a:lnSpc>
+                <a:spcPct val="100000"/>
+              </a:lnSpc>
+              <a:spcBef>
+                <a:spcPts val="0"/>
+              </a:spcBef>
+              <a:spcAft>
+                <a:spcPts val="0"/>
+              </a:spcAft>
+              <a:buClrTx/>
+              <a:buSzTx/>
+              <a:buFontTx/>
+              <a:buNone/>
+              <a:tabLst/>
+              <a:defRPr/>
+            </a:pPr>
+            <a:fld id="{28011FB5-E0AE-4AAE-BD24-AFDB37E499CA}" type="datetimeFigureOut">
+              <a:rPr kumimoji="0" lang="en-US" sz="1200" b="0" i="0" u="none" strike="noStrike" kern="1200" cap="none" spc="0" normalizeH="0" baseline="0" noProof="0" smtClean="0">
+                <a:ln>
+                  <a:noFill/>
+                </a:ln>
+                <a:solidFill>
+                  <a:prstClr val="black">
+                    <a:tint val="75000"/>
+                  </a:prstClr>
+                </a:solidFill>
+                <a:effectLst/>
+                <a:uLnTx/>
+                <a:uFillTx/>
+                <a:latin typeface="Calibri" panose="020F0502020204030204"/>
+                <a:ea typeface="+mn-ea"/>
+                <a:cs typeface="+mn-cs"/>
+              </a:rPr>
+              <a:pPr marL="0" marR="0" lvl="0" indent="0" algn="l" defTabSz="914400" rtl="0" eaLnBrk="1" fontAlgn="auto" latinLnBrk="0" hangingPunct="1">
+                <a:lnSpc>
+                  <a:spcPct val="100000"/>
+                </a:lnSpc>
+                <a:spcBef>
+                  <a:spcPts val="0"/>
+                </a:spcBef>
+                <a:spcAft>
+                  <a:spcPts val="0"/>
+                </a:spcAft>
+                <a:buClrTx/>
+                <a:buSzTx/>
+                <a:buFontTx/>
+                <a:buNone/>
+                <a:tabLst/>
+                <a:defRPr/>
+              </a:pPr>
+              <a:t>6/15/2022</a:t>
+            </a:fld>
+            <a:endParaRPr kumimoji="0" lang="en-US" sz="1200" b="0" i="0" u="none" strike="noStrike" kern="1200" cap="none" spc="0" normalizeH="0" baseline="0" noProof="0">
+              <a:ln>
+                <a:noFill/>
+              </a:ln>
+              <a:solidFill>
+                <a:prstClr val="black">
+                  <a:tint val="75000"/>
+                </a:prstClr>
+              </a:solidFill>
+              <a:effectLst/>
+              <a:uLnTx/>
+              <a:uFillTx/>
+              <a:latin typeface="Calibri" panose="020F0502020204030204"/>
+              <a:ea typeface="+mn-ea"/>
+              <a:cs typeface="+mn-cs"/>
+            </a:endParaRPr>
+          </a:p>
+        </p:txBody>
+      </p:sp>
+      <p:sp>
+        <p:nvSpPr>
+          <p:cNvPr id="8" name="Footer Placeholder 7">
+            <a:extLst>
+              <a:ext uri="{FF2B5EF4-FFF2-40B4-BE49-F238E27FC236}">
+                <a16:creationId xmlns:a16="http://schemas.microsoft.com/office/drawing/2014/main" id="{852DB5FC-7DD3-4A0C-81FE-43C182D3AB18}"/>
+              </a:ext>
+            </a:extLst>
+          </p:cNvPr>
+          <p:cNvSpPr>
+            <a:spLocks noGrp="1"/>
+          </p:cNvSpPr>
+          <p:nvPr>
+            <p:ph type="ftr" sz="quarter" idx="11"/>
+          </p:nvPr>
+        </p:nvSpPr>
+        <p:spPr/>
+        <p:txBody>
+          <a:bodyPr/>
+          <a:lstStyle/>
+          <a:p>
+            <a:pPr marL="0" marR="0" lvl="0" indent="0" algn="ctr" defTabSz="914400" rtl="0" eaLnBrk="1" fontAlgn="auto" latinLnBrk="0" hangingPunct="1">
+              <a:lnSpc>
+                <a:spcPct val="100000"/>
+              </a:lnSpc>
+              <a:spcBef>
+                <a:spcPts val="0"/>
+              </a:spcBef>
+              <a:spcAft>
+                <a:spcPts val="0"/>
+              </a:spcAft>
+              <a:buClrTx/>
+              <a:buSzTx/>
+              <a:buFontTx/>
+              <a:buNone/>
+              <a:tabLst/>
+              <a:defRPr/>
+            </a:pPr>
+            <a:endParaRPr kumimoji="0" lang="en-US" sz="1200" b="0" i="0" u="none" strike="noStrike" kern="1200" cap="none" spc="0" normalizeH="0" baseline="0" noProof="0">
+              <a:ln>
+                <a:noFill/>
+              </a:ln>
+              <a:solidFill>
+                <a:prstClr val="black">
+                  <a:tint val="75000"/>
+                </a:prstClr>
+              </a:solidFill>
+              <a:effectLst/>
+              <a:uLnTx/>
+              <a:uFillTx/>
+              <a:latin typeface="Calibri" panose="020F0502020204030204"/>
+              <a:ea typeface="+mn-ea"/>
+              <a:cs typeface="+mn-cs"/>
+            </a:endParaRPr>
+          </a:p>
+        </p:txBody>
+      </p:sp>
+      <p:sp>
+        <p:nvSpPr>
+          <p:cNvPr id="9" name="Slide Number Placeholder 8">
+            <a:extLst>
+              <a:ext uri="{FF2B5EF4-FFF2-40B4-BE49-F238E27FC236}">
+                <a16:creationId xmlns:a16="http://schemas.microsoft.com/office/drawing/2014/main" id="{0EE2A370-40A7-40D3-AC8C-535C3618F4F7}"/>
+              </a:ext>
+            </a:extLst>
+          </p:cNvPr>
+          <p:cNvSpPr>
+            <a:spLocks noGrp="1"/>
+          </p:cNvSpPr>
+          <p:nvPr>
+            <p:ph type="sldNum" sz="quarter" idx="12"/>
+          </p:nvPr>
+        </p:nvSpPr>
+        <p:spPr/>
+        <p:txBody>
+          <a:bodyPr/>
+          <a:lstStyle/>
+          <a:p>
+            <a:pPr marL="0" marR="0" lvl="0" indent="0" algn="r" defTabSz="914400" rtl="0" eaLnBrk="1" fontAlgn="auto" latinLnBrk="0" hangingPunct="1">
+              <a:lnSpc>
+                <a:spcPct val="100000"/>
+              </a:lnSpc>
+              <a:spcBef>
+                <a:spcPts val="0"/>
+              </a:spcBef>
+              <a:spcAft>
+                <a:spcPts val="0"/>
+              </a:spcAft>
+              <a:buClrTx/>
+              <a:buSzTx/>
+              <a:buFontTx/>
+              <a:buNone/>
+              <a:tabLst/>
+              <a:defRPr/>
+            </a:pPr>
+            <a:fld id="{FD9B6D51-9EBD-47DE-829E-A5D861248231}" type="slidenum">
+              <a:rPr kumimoji="0" lang="en-US" sz="1200" b="0" i="0" u="none" strike="noStrike" kern="1200" cap="none" spc="0" normalizeH="0" baseline="0" noProof="0" smtClean="0">
+                <a:ln>
+                  <a:noFill/>
+                </a:ln>
+                <a:solidFill>
+                  <a:prstClr val="black">
+                    <a:tint val="75000"/>
+                  </a:prstClr>
+                </a:solidFill>
+                <a:effectLst/>
+                <a:uLnTx/>
+                <a:uFillTx/>
+                <a:latin typeface="Calibri" panose="020F0502020204030204"/>
+                <a:ea typeface="+mn-ea"/>
+                <a:cs typeface="+mn-cs"/>
+              </a:rPr>
+              <a:pPr marL="0" marR="0" lvl="0" indent="0" algn="r" defTabSz="914400" rtl="0" eaLnBrk="1" fontAlgn="auto" latinLnBrk="0" hangingPunct="1">
+                <a:lnSpc>
+                  <a:spcPct val="100000"/>
+                </a:lnSpc>
+                <a:spcBef>
+                  <a:spcPts val="0"/>
+                </a:spcBef>
+                <a:spcAft>
+                  <a:spcPts val="0"/>
+                </a:spcAft>
+                <a:buClrTx/>
+                <a:buSzTx/>
+                <a:buFontTx/>
+                <a:buNone/>
+                <a:tabLst/>
+                <a:defRPr/>
+              </a:pPr>
+              <a:t>‹#›</a:t>
+            </a:fld>
+            <a:endParaRPr kumimoji="0" lang="en-US" sz="1200" b="0" i="0" u="none" strike="noStrike" kern="1200" cap="none" spc="0" normalizeH="0" baseline="0" noProof="0">
+              <a:ln>
+                <a:noFill/>
+              </a:ln>
+              <a:solidFill>
+                <a:prstClr val="black">
+                  <a:tint val="75000"/>
+                </a:prstClr>
+              </a:solidFill>
+              <a:effectLst/>
+              <a:uLnTx/>
+              <a:uFillTx/>
+              <a:latin typeface="Calibri" panose="020F0502020204030204"/>
+              <a:ea typeface="+mn-ea"/>
+              <a:cs typeface="+mn-cs"/>
+            </a:endParaRPr>
+          </a:p>
+        </p:txBody>
+      </p:sp>
+    </p:spTree>
+    <p:extLst>
+      <p:ext uri="{BB962C8B-B14F-4D97-AF65-F5344CB8AC3E}">
+        <p14:creationId xmlns:p14="http://schemas.microsoft.com/office/powerpoint/2010/main" val="2659883854"/>
+      </p:ext>
+    </p:extLst>
+  </p:cSld>
+  <p:clrMapOvr>
+    <a:masterClrMapping/>
+  </p:clrMapOvr>
+</p:sldLayout>
+</file>
+
+<file path=ppt/slideLayouts/slideLayout17.xml><?xml version="1.0" encoding="utf-8"?>
+<p:sldLayout xmlns:a="http://schemas.openxmlformats.org/drawingml/2006/main" xmlns:r="http://schemas.openxmlformats.org/officeDocument/2006/relationships" xmlns:p="http://schemas.openxmlformats.org/presentationml/2006/main" type="titleOnly" preserve="1">
+  <p:cSld name="Title Only">
+    <p:spTree>
+      <p:nvGrpSpPr>
+        <p:cNvPr id="1" name=""/>
+        <p:cNvGrpSpPr/>
+        <p:nvPr/>
+      </p:nvGrpSpPr>
+      <p:grpSpPr>
+        <a:xfrm>
+          <a:off x="0" y="0"/>
+          <a:ext cx="0" cy="0"/>
+          <a:chOff x="0" y="0"/>
+          <a:chExt cx="0" cy="0"/>
+        </a:xfrm>
+      </p:grpSpPr>
+      <p:sp>
+        <p:nvSpPr>
+          <p:cNvPr id="2" name="Title 1">
+            <a:extLst>
+              <a:ext uri="{FF2B5EF4-FFF2-40B4-BE49-F238E27FC236}">
+                <a16:creationId xmlns:a16="http://schemas.microsoft.com/office/drawing/2014/main" id="{4962C222-DCA6-40D6-8E5B-3338F9D0D12F}"/>
+              </a:ext>
+            </a:extLst>
+          </p:cNvPr>
+          <p:cNvSpPr>
+            <a:spLocks noGrp="1"/>
+          </p:cNvSpPr>
+          <p:nvPr>
+            <p:ph type="title"/>
+          </p:nvPr>
+        </p:nvSpPr>
+        <p:spPr/>
+        <p:txBody>
+          <a:bodyPr/>
+          <a:lstStyle/>
+          <a:p>
+            <a:r>
+              <a:rPr lang="en-US"/>
+              <a:t>Click to edit Master title style</a:t>
+            </a:r>
+          </a:p>
+        </p:txBody>
+      </p:sp>
+      <p:sp>
+        <p:nvSpPr>
+          <p:cNvPr id="3" name="Date Placeholder 2">
+            <a:extLst>
+              <a:ext uri="{FF2B5EF4-FFF2-40B4-BE49-F238E27FC236}">
+                <a16:creationId xmlns:a16="http://schemas.microsoft.com/office/drawing/2014/main" id="{4141A623-90D3-4445-BED2-01F33D1AF504}"/>
+              </a:ext>
+            </a:extLst>
+          </p:cNvPr>
+          <p:cNvSpPr>
+            <a:spLocks noGrp="1"/>
+          </p:cNvSpPr>
+          <p:nvPr>
+            <p:ph type="dt" sz="half" idx="10"/>
+          </p:nvPr>
+        </p:nvSpPr>
+        <p:spPr/>
+        <p:txBody>
+          <a:bodyPr/>
+          <a:lstStyle/>
+          <a:p>
+            <a:pPr marL="0" marR="0" lvl="0" indent="0" algn="l" defTabSz="914400" rtl="0" eaLnBrk="1" fontAlgn="auto" latinLnBrk="0" hangingPunct="1">
+              <a:lnSpc>
+                <a:spcPct val="100000"/>
+              </a:lnSpc>
+              <a:spcBef>
+                <a:spcPts val="0"/>
+              </a:spcBef>
+              <a:spcAft>
+                <a:spcPts val="0"/>
+              </a:spcAft>
+              <a:buClrTx/>
+              <a:buSzTx/>
+              <a:buFontTx/>
+              <a:buNone/>
+              <a:tabLst/>
+              <a:defRPr/>
+            </a:pPr>
+            <a:fld id="{28011FB5-E0AE-4AAE-BD24-AFDB37E499CA}" type="datetimeFigureOut">
+              <a:rPr kumimoji="0" lang="en-US" sz="1200" b="0" i="0" u="none" strike="noStrike" kern="1200" cap="none" spc="0" normalizeH="0" baseline="0" noProof="0" smtClean="0">
+                <a:ln>
+                  <a:noFill/>
+                </a:ln>
+                <a:solidFill>
+                  <a:prstClr val="black">
+                    <a:tint val="75000"/>
+                  </a:prstClr>
+                </a:solidFill>
+                <a:effectLst/>
+                <a:uLnTx/>
+                <a:uFillTx/>
+                <a:latin typeface="Calibri" panose="020F0502020204030204"/>
+                <a:ea typeface="+mn-ea"/>
+                <a:cs typeface="+mn-cs"/>
+              </a:rPr>
+              <a:pPr marL="0" marR="0" lvl="0" indent="0" algn="l" defTabSz="914400" rtl="0" eaLnBrk="1" fontAlgn="auto" latinLnBrk="0" hangingPunct="1">
+                <a:lnSpc>
+                  <a:spcPct val="100000"/>
+                </a:lnSpc>
+                <a:spcBef>
+                  <a:spcPts val="0"/>
+                </a:spcBef>
+                <a:spcAft>
+                  <a:spcPts val="0"/>
+                </a:spcAft>
+                <a:buClrTx/>
+                <a:buSzTx/>
+                <a:buFontTx/>
+                <a:buNone/>
+                <a:tabLst/>
+                <a:defRPr/>
+              </a:pPr>
+              <a:t>6/15/2022</a:t>
+            </a:fld>
+            <a:endParaRPr kumimoji="0" lang="en-US" sz="1200" b="0" i="0" u="none" strike="noStrike" kern="1200" cap="none" spc="0" normalizeH="0" baseline="0" noProof="0">
+              <a:ln>
+                <a:noFill/>
+              </a:ln>
+              <a:solidFill>
+                <a:prstClr val="black">
+                  <a:tint val="75000"/>
+                </a:prstClr>
+              </a:solidFill>
+              <a:effectLst/>
+              <a:uLnTx/>
+              <a:uFillTx/>
+              <a:latin typeface="Calibri" panose="020F0502020204030204"/>
+              <a:ea typeface="+mn-ea"/>
+              <a:cs typeface="+mn-cs"/>
+            </a:endParaRPr>
+          </a:p>
+        </p:txBody>
+      </p:sp>
+      <p:sp>
+        <p:nvSpPr>
+          <p:cNvPr id="4" name="Footer Placeholder 3">
+            <a:extLst>
+              <a:ext uri="{FF2B5EF4-FFF2-40B4-BE49-F238E27FC236}">
+                <a16:creationId xmlns:a16="http://schemas.microsoft.com/office/drawing/2014/main" id="{D109FFC4-415F-4559-A405-805FF1B9D436}"/>
+              </a:ext>
+            </a:extLst>
+          </p:cNvPr>
+          <p:cNvSpPr>
+            <a:spLocks noGrp="1"/>
+          </p:cNvSpPr>
+          <p:nvPr>
+            <p:ph type="ftr" sz="quarter" idx="11"/>
+          </p:nvPr>
+        </p:nvSpPr>
+        <p:spPr/>
+        <p:txBody>
+          <a:bodyPr/>
+          <a:lstStyle/>
+          <a:p>
+            <a:pPr marL="0" marR="0" lvl="0" indent="0" algn="ctr" defTabSz="914400" rtl="0" eaLnBrk="1" fontAlgn="auto" latinLnBrk="0" hangingPunct="1">
+              <a:lnSpc>
+                <a:spcPct val="100000"/>
+              </a:lnSpc>
+              <a:spcBef>
+                <a:spcPts val="0"/>
+              </a:spcBef>
+              <a:spcAft>
+                <a:spcPts val="0"/>
+              </a:spcAft>
+              <a:buClrTx/>
+              <a:buSzTx/>
+              <a:buFontTx/>
+              <a:buNone/>
+              <a:tabLst/>
+              <a:defRPr/>
+            </a:pPr>
+            <a:endParaRPr kumimoji="0" lang="en-US" sz="1200" b="0" i="0" u="none" strike="noStrike" kern="1200" cap="none" spc="0" normalizeH="0" baseline="0" noProof="0">
+              <a:ln>
+                <a:noFill/>
+              </a:ln>
+              <a:solidFill>
+                <a:prstClr val="black">
+                  <a:tint val="75000"/>
+                </a:prstClr>
+              </a:solidFill>
+              <a:effectLst/>
+              <a:uLnTx/>
+              <a:uFillTx/>
+              <a:latin typeface="Calibri" panose="020F0502020204030204"/>
+              <a:ea typeface="+mn-ea"/>
+              <a:cs typeface="+mn-cs"/>
+            </a:endParaRPr>
+          </a:p>
+        </p:txBody>
+      </p:sp>
+      <p:sp>
+        <p:nvSpPr>
+          <p:cNvPr id="5" name="Slide Number Placeholder 4">
+            <a:extLst>
+              <a:ext uri="{FF2B5EF4-FFF2-40B4-BE49-F238E27FC236}">
+                <a16:creationId xmlns:a16="http://schemas.microsoft.com/office/drawing/2014/main" id="{85557383-F787-4B05-A969-C042F6D53EF6}"/>
+              </a:ext>
+            </a:extLst>
+          </p:cNvPr>
+          <p:cNvSpPr>
+            <a:spLocks noGrp="1"/>
+          </p:cNvSpPr>
+          <p:nvPr>
+            <p:ph type="sldNum" sz="quarter" idx="12"/>
+          </p:nvPr>
+        </p:nvSpPr>
+        <p:spPr/>
+        <p:txBody>
+          <a:bodyPr/>
+          <a:lstStyle/>
+          <a:p>
+            <a:pPr marL="0" marR="0" lvl="0" indent="0" algn="r" defTabSz="914400" rtl="0" eaLnBrk="1" fontAlgn="auto" latinLnBrk="0" hangingPunct="1">
+              <a:lnSpc>
+                <a:spcPct val="100000"/>
+              </a:lnSpc>
+              <a:spcBef>
+                <a:spcPts val="0"/>
+              </a:spcBef>
+              <a:spcAft>
+                <a:spcPts val="0"/>
+              </a:spcAft>
+              <a:buClrTx/>
+              <a:buSzTx/>
+              <a:buFontTx/>
+              <a:buNone/>
+              <a:tabLst/>
+              <a:defRPr/>
+            </a:pPr>
+            <a:fld id="{FD9B6D51-9EBD-47DE-829E-A5D861248231}" type="slidenum">
+              <a:rPr kumimoji="0" lang="en-US" sz="1200" b="0" i="0" u="none" strike="noStrike" kern="1200" cap="none" spc="0" normalizeH="0" baseline="0" noProof="0" smtClean="0">
+                <a:ln>
+                  <a:noFill/>
+                </a:ln>
+                <a:solidFill>
+                  <a:prstClr val="black">
+                    <a:tint val="75000"/>
+                  </a:prstClr>
+                </a:solidFill>
+                <a:effectLst/>
+                <a:uLnTx/>
+                <a:uFillTx/>
+                <a:latin typeface="Calibri" panose="020F0502020204030204"/>
+                <a:ea typeface="+mn-ea"/>
+                <a:cs typeface="+mn-cs"/>
+              </a:rPr>
+              <a:pPr marL="0" marR="0" lvl="0" indent="0" algn="r" defTabSz="914400" rtl="0" eaLnBrk="1" fontAlgn="auto" latinLnBrk="0" hangingPunct="1">
+                <a:lnSpc>
+                  <a:spcPct val="100000"/>
+                </a:lnSpc>
+                <a:spcBef>
+                  <a:spcPts val="0"/>
+                </a:spcBef>
+                <a:spcAft>
+                  <a:spcPts val="0"/>
+                </a:spcAft>
+                <a:buClrTx/>
+                <a:buSzTx/>
+                <a:buFontTx/>
+                <a:buNone/>
+                <a:tabLst/>
+                <a:defRPr/>
+              </a:pPr>
+              <a:t>‹#›</a:t>
+            </a:fld>
+            <a:endParaRPr kumimoji="0" lang="en-US" sz="1200" b="0" i="0" u="none" strike="noStrike" kern="1200" cap="none" spc="0" normalizeH="0" baseline="0" noProof="0">
+              <a:ln>
+                <a:noFill/>
+              </a:ln>
+              <a:solidFill>
+                <a:prstClr val="black">
+                  <a:tint val="75000"/>
+                </a:prstClr>
+              </a:solidFill>
+              <a:effectLst/>
+              <a:uLnTx/>
+              <a:uFillTx/>
+              <a:latin typeface="Calibri" panose="020F0502020204030204"/>
+              <a:ea typeface="+mn-ea"/>
+              <a:cs typeface="+mn-cs"/>
+            </a:endParaRPr>
+          </a:p>
+        </p:txBody>
+      </p:sp>
+    </p:spTree>
+    <p:extLst>
+      <p:ext uri="{BB962C8B-B14F-4D97-AF65-F5344CB8AC3E}">
+        <p14:creationId xmlns:p14="http://schemas.microsoft.com/office/powerpoint/2010/main" val="3307993055"/>
+      </p:ext>
+    </p:extLst>
+  </p:cSld>
+  <p:clrMapOvr>
+    <a:masterClrMapping/>
+  </p:clrMapOvr>
+</p:sldLayout>
+</file>
+
+<file path=ppt/slideLayouts/slideLayout18.xml><?xml version="1.0" encoding="utf-8"?>
+<p:sldLayout xmlns:a="http://schemas.openxmlformats.org/drawingml/2006/main" xmlns:r="http://schemas.openxmlformats.org/officeDocument/2006/relationships" xmlns:p="http://schemas.openxmlformats.org/presentationml/2006/main" type="blank" preserve="1">
+  <p:cSld name="Blank">
+    <p:spTree>
+      <p:nvGrpSpPr>
+        <p:cNvPr id="1" name=""/>
+        <p:cNvGrpSpPr/>
+        <p:nvPr/>
+      </p:nvGrpSpPr>
+      <p:grpSpPr>
+        <a:xfrm>
+          <a:off x="0" y="0"/>
+          <a:ext cx="0" cy="0"/>
+          <a:chOff x="0" y="0"/>
+          <a:chExt cx="0" cy="0"/>
+        </a:xfrm>
+      </p:grpSpPr>
+      <p:sp>
+        <p:nvSpPr>
+          <p:cNvPr id="2" name="Date Placeholder 1">
+            <a:extLst>
+              <a:ext uri="{FF2B5EF4-FFF2-40B4-BE49-F238E27FC236}">
+                <a16:creationId xmlns:a16="http://schemas.microsoft.com/office/drawing/2014/main" id="{F5206523-9EF5-46AA-B3C6-363E8A66FAB9}"/>
+              </a:ext>
+            </a:extLst>
+          </p:cNvPr>
+          <p:cNvSpPr>
+            <a:spLocks noGrp="1"/>
+          </p:cNvSpPr>
+          <p:nvPr>
+            <p:ph type="dt" sz="half" idx="10"/>
+          </p:nvPr>
+        </p:nvSpPr>
+        <p:spPr/>
+        <p:txBody>
+          <a:bodyPr/>
+          <a:lstStyle/>
+          <a:p>
+            <a:pPr marL="0" marR="0" lvl="0" indent="0" algn="l" defTabSz="914400" rtl="0" eaLnBrk="1" fontAlgn="auto" latinLnBrk="0" hangingPunct="1">
+              <a:lnSpc>
+                <a:spcPct val="100000"/>
+              </a:lnSpc>
+              <a:spcBef>
+                <a:spcPts val="0"/>
+              </a:spcBef>
+              <a:spcAft>
+                <a:spcPts val="0"/>
+              </a:spcAft>
+              <a:buClrTx/>
+              <a:buSzTx/>
+              <a:buFontTx/>
+              <a:buNone/>
+              <a:tabLst/>
+              <a:defRPr/>
+            </a:pPr>
+            <a:fld id="{28011FB5-E0AE-4AAE-BD24-AFDB37E499CA}" type="datetimeFigureOut">
+              <a:rPr kumimoji="0" lang="en-US" sz="1200" b="0" i="0" u="none" strike="noStrike" kern="1200" cap="none" spc="0" normalizeH="0" baseline="0" noProof="0" smtClean="0">
+                <a:ln>
+                  <a:noFill/>
+                </a:ln>
+                <a:solidFill>
+                  <a:prstClr val="black">
+                    <a:tint val="75000"/>
+                  </a:prstClr>
+                </a:solidFill>
+                <a:effectLst/>
+                <a:uLnTx/>
+                <a:uFillTx/>
+                <a:latin typeface="Calibri" panose="020F0502020204030204"/>
+                <a:ea typeface="+mn-ea"/>
+                <a:cs typeface="+mn-cs"/>
+              </a:rPr>
+              <a:pPr marL="0" marR="0" lvl="0" indent="0" algn="l" defTabSz="914400" rtl="0" eaLnBrk="1" fontAlgn="auto" latinLnBrk="0" hangingPunct="1">
+                <a:lnSpc>
+                  <a:spcPct val="100000"/>
+                </a:lnSpc>
+                <a:spcBef>
+                  <a:spcPts val="0"/>
+                </a:spcBef>
+                <a:spcAft>
+                  <a:spcPts val="0"/>
+                </a:spcAft>
+                <a:buClrTx/>
+                <a:buSzTx/>
+                <a:buFontTx/>
+                <a:buNone/>
+                <a:tabLst/>
+                <a:defRPr/>
+              </a:pPr>
+              <a:t>6/15/2022</a:t>
+            </a:fld>
+            <a:endParaRPr kumimoji="0" lang="en-US" sz="1200" b="0" i="0" u="none" strike="noStrike" kern="1200" cap="none" spc="0" normalizeH="0" baseline="0" noProof="0">
+              <a:ln>
+                <a:noFill/>
+              </a:ln>
+              <a:solidFill>
+                <a:prstClr val="black">
+                  <a:tint val="75000"/>
+                </a:prstClr>
+              </a:solidFill>
+              <a:effectLst/>
+              <a:uLnTx/>
+              <a:uFillTx/>
+              <a:latin typeface="Calibri" panose="020F0502020204030204"/>
+              <a:ea typeface="+mn-ea"/>
+              <a:cs typeface="+mn-cs"/>
+            </a:endParaRPr>
+          </a:p>
+        </p:txBody>
+      </p:sp>
+      <p:sp>
+        <p:nvSpPr>
+          <p:cNvPr id="3" name="Footer Placeholder 2">
+            <a:extLst>
+              <a:ext uri="{FF2B5EF4-FFF2-40B4-BE49-F238E27FC236}">
+                <a16:creationId xmlns:a16="http://schemas.microsoft.com/office/drawing/2014/main" id="{54AF3FD0-D8E6-4189-91ED-3AEFCFABEAFE}"/>
+              </a:ext>
+            </a:extLst>
+          </p:cNvPr>
+          <p:cNvSpPr>
+            <a:spLocks noGrp="1"/>
+          </p:cNvSpPr>
+          <p:nvPr>
+            <p:ph type="ftr" sz="quarter" idx="11"/>
+          </p:nvPr>
+        </p:nvSpPr>
+        <p:spPr/>
+        <p:txBody>
+          <a:bodyPr/>
+          <a:lstStyle/>
+          <a:p>
+            <a:pPr marL="0" marR="0" lvl="0" indent="0" algn="ctr" defTabSz="914400" rtl="0" eaLnBrk="1" fontAlgn="auto" latinLnBrk="0" hangingPunct="1">
+              <a:lnSpc>
+                <a:spcPct val="100000"/>
+              </a:lnSpc>
+              <a:spcBef>
+                <a:spcPts val="0"/>
+              </a:spcBef>
+              <a:spcAft>
+                <a:spcPts val="0"/>
+              </a:spcAft>
+              <a:buClrTx/>
+              <a:buSzTx/>
+              <a:buFontTx/>
+              <a:buNone/>
+              <a:tabLst/>
+              <a:defRPr/>
+            </a:pPr>
+            <a:endParaRPr kumimoji="0" lang="en-US" sz="1200" b="0" i="0" u="none" strike="noStrike" kern="1200" cap="none" spc="0" normalizeH="0" baseline="0" noProof="0">
+              <a:ln>
+                <a:noFill/>
+              </a:ln>
+              <a:solidFill>
+                <a:prstClr val="black">
+                  <a:tint val="75000"/>
+                </a:prstClr>
+              </a:solidFill>
+              <a:effectLst/>
+              <a:uLnTx/>
+              <a:uFillTx/>
+              <a:latin typeface="Calibri" panose="020F0502020204030204"/>
+              <a:ea typeface="+mn-ea"/>
+              <a:cs typeface="+mn-cs"/>
+            </a:endParaRPr>
+          </a:p>
+        </p:txBody>
+      </p:sp>
+      <p:sp>
+        <p:nvSpPr>
+          <p:cNvPr id="4" name="Slide Number Placeholder 3">
+            <a:extLst>
+              <a:ext uri="{FF2B5EF4-FFF2-40B4-BE49-F238E27FC236}">
+                <a16:creationId xmlns:a16="http://schemas.microsoft.com/office/drawing/2014/main" id="{2B17EA06-DCDE-4607-9E30-CBC3CB399429}"/>
+              </a:ext>
+            </a:extLst>
+          </p:cNvPr>
+          <p:cNvSpPr>
+            <a:spLocks noGrp="1"/>
+          </p:cNvSpPr>
+          <p:nvPr>
+            <p:ph type="sldNum" sz="quarter" idx="12"/>
+          </p:nvPr>
+        </p:nvSpPr>
+        <p:spPr/>
+        <p:txBody>
+          <a:bodyPr/>
+          <a:lstStyle/>
+          <a:p>
+            <a:pPr marL="0" marR="0" lvl="0" indent="0" algn="r" defTabSz="914400" rtl="0" eaLnBrk="1" fontAlgn="auto" latinLnBrk="0" hangingPunct="1">
+              <a:lnSpc>
+                <a:spcPct val="100000"/>
+              </a:lnSpc>
+              <a:spcBef>
+                <a:spcPts val="0"/>
+              </a:spcBef>
+              <a:spcAft>
+                <a:spcPts val="0"/>
+              </a:spcAft>
+              <a:buClrTx/>
+              <a:buSzTx/>
+              <a:buFontTx/>
+              <a:buNone/>
+              <a:tabLst/>
+              <a:defRPr/>
+            </a:pPr>
+            <a:fld id="{FD9B6D51-9EBD-47DE-829E-A5D861248231}" type="slidenum">
+              <a:rPr kumimoji="0" lang="en-US" sz="1200" b="0" i="0" u="none" strike="noStrike" kern="1200" cap="none" spc="0" normalizeH="0" baseline="0" noProof="0" smtClean="0">
+                <a:ln>
+                  <a:noFill/>
+                </a:ln>
+                <a:solidFill>
+                  <a:prstClr val="black">
+                    <a:tint val="75000"/>
+                  </a:prstClr>
+                </a:solidFill>
+                <a:effectLst/>
+                <a:uLnTx/>
+                <a:uFillTx/>
+                <a:latin typeface="Calibri" panose="020F0502020204030204"/>
+                <a:ea typeface="+mn-ea"/>
+                <a:cs typeface="+mn-cs"/>
+              </a:rPr>
+              <a:pPr marL="0" marR="0" lvl="0" indent="0" algn="r" defTabSz="914400" rtl="0" eaLnBrk="1" fontAlgn="auto" latinLnBrk="0" hangingPunct="1">
+                <a:lnSpc>
+                  <a:spcPct val="100000"/>
+                </a:lnSpc>
+                <a:spcBef>
+                  <a:spcPts val="0"/>
+                </a:spcBef>
+                <a:spcAft>
+                  <a:spcPts val="0"/>
+                </a:spcAft>
+                <a:buClrTx/>
+                <a:buSzTx/>
+                <a:buFontTx/>
+                <a:buNone/>
+                <a:tabLst/>
+                <a:defRPr/>
+              </a:pPr>
+              <a:t>‹#›</a:t>
+            </a:fld>
+            <a:endParaRPr kumimoji="0" lang="en-US" sz="1200" b="0" i="0" u="none" strike="noStrike" kern="1200" cap="none" spc="0" normalizeH="0" baseline="0" noProof="0">
+              <a:ln>
+                <a:noFill/>
+              </a:ln>
+              <a:solidFill>
+                <a:prstClr val="black">
+                  <a:tint val="75000"/>
+                </a:prstClr>
+              </a:solidFill>
+              <a:effectLst/>
+              <a:uLnTx/>
+              <a:uFillTx/>
+              <a:latin typeface="Calibri" panose="020F0502020204030204"/>
+              <a:ea typeface="+mn-ea"/>
+              <a:cs typeface="+mn-cs"/>
+            </a:endParaRPr>
+          </a:p>
+        </p:txBody>
+      </p:sp>
+    </p:spTree>
+    <p:extLst>
+      <p:ext uri="{BB962C8B-B14F-4D97-AF65-F5344CB8AC3E}">
+        <p14:creationId xmlns:p14="http://schemas.microsoft.com/office/powerpoint/2010/main" val="4260801905"/>
+      </p:ext>
+    </p:extLst>
+  </p:cSld>
+  <p:clrMapOvr>
+    <a:masterClrMapping/>
+  </p:clrMapOvr>
+</p:sldLayout>
+</file>
+
+<file path=ppt/slideLayouts/slideLayout19.xml><?xml version="1.0" encoding="utf-8"?>
+<p:sldLayout xmlns:a="http://schemas.openxmlformats.org/drawingml/2006/main" xmlns:r="http://schemas.openxmlformats.org/officeDocument/2006/relationships" xmlns:p="http://schemas.openxmlformats.org/presentationml/2006/main" type="objTx" preserve="1">
+  <p:cSld name="Content with Caption">
+    <p:spTree>
+      <p:nvGrpSpPr>
+        <p:cNvPr id="1" name=""/>
+        <p:cNvGrpSpPr/>
+        <p:nvPr/>
+      </p:nvGrpSpPr>
+      <p:grpSpPr>
+        <a:xfrm>
+          <a:off x="0" y="0"/>
+          <a:ext cx="0" cy="0"/>
+          <a:chOff x="0" y="0"/>
+          <a:chExt cx="0" cy="0"/>
+        </a:xfrm>
+      </p:grpSpPr>
+      <p:sp>
+        <p:nvSpPr>
+          <p:cNvPr id="2" name="Title 1">
+            <a:extLst>
+              <a:ext uri="{FF2B5EF4-FFF2-40B4-BE49-F238E27FC236}">
+                <a16:creationId xmlns:a16="http://schemas.microsoft.com/office/drawing/2014/main" id="{62778E72-157D-43C7-882B-A997156DDD32}"/>
+              </a:ext>
+            </a:extLst>
+          </p:cNvPr>
+          <p:cNvSpPr>
+            <a:spLocks noGrp="1"/>
+          </p:cNvSpPr>
+          <p:nvPr>
+            <p:ph type="title"/>
+          </p:nvPr>
+        </p:nvSpPr>
+        <p:spPr>
+          <a:xfrm>
+            <a:off x="839788" y="457200"/>
+            <a:ext cx="3932237" cy="1600200"/>
+          </a:xfrm>
+        </p:spPr>
+        <p:txBody>
+          <a:bodyPr anchor="b"/>
+          <a:lstStyle>
+            <a:lvl1pPr>
+              <a:defRPr sz="3200"/>
+            </a:lvl1pPr>
+          </a:lstStyle>
+          <a:p>
+            <a:r>
+              <a:rPr lang="en-US"/>
+              <a:t>Click to edit Master title style</a:t>
+            </a:r>
+          </a:p>
+        </p:txBody>
+      </p:sp>
+      <p:sp>
+        <p:nvSpPr>
+          <p:cNvPr id="3" name="Content Placeholder 2">
+            <a:extLst>
+              <a:ext uri="{FF2B5EF4-FFF2-40B4-BE49-F238E27FC236}">
+                <a16:creationId xmlns:a16="http://schemas.microsoft.com/office/drawing/2014/main" id="{864601C4-D89F-4FE1-9713-8544255B22BC}"/>
+              </a:ext>
+            </a:extLst>
+          </p:cNvPr>
+          <p:cNvSpPr>
+            <a:spLocks noGrp="1"/>
+          </p:cNvSpPr>
+          <p:nvPr>
+            <p:ph idx="1"/>
+          </p:nvPr>
+        </p:nvSpPr>
+        <p:spPr>
+          <a:xfrm>
+            <a:off x="5183188" y="987425"/>
+            <a:ext cx="6172200" cy="4873625"/>
+          </a:xfrm>
+        </p:spPr>
+        <p:txBody>
+          <a:bodyPr/>
+          <a:lstStyle>
+            <a:lvl1pPr>
+              <a:defRPr sz="3200"/>
+            </a:lvl1pPr>
+            <a:lvl2pPr>
+              <a:defRPr sz="2800"/>
+            </a:lvl2pPr>
+            <a:lvl3pPr>
+              <a:defRPr sz="2400"/>
+            </a:lvl3pPr>
+            <a:lvl4pPr>
+              <a:defRPr sz="2000"/>
+            </a:lvl4pPr>
+            <a:lvl5pPr>
+              <a:defRPr sz="2000"/>
+            </a:lvl5pPr>
+            <a:lvl6pPr>
+              <a:defRPr sz="2000"/>
+            </a:lvl6pPr>
+            <a:lvl7pPr>
+              <a:defRPr sz="2000"/>
+            </a:lvl7pPr>
+            <a:lvl8pPr>
+              <a:defRPr sz="2000"/>
+            </a:lvl8pPr>
+            <a:lvl9pPr>
+              <a:defRPr sz="2000"/>
+            </a:lvl9pPr>
+          </a:lstStyle>
+          <a:p>
+            <a:pPr lvl="0"/>
+            <a:r>
+              <a:rPr lang="en-US"/>
+              <a:t>Click to edit Master text styles</a:t>
+            </a:r>
+          </a:p>
+          <a:p>
+            <a:pPr lvl="1"/>
+            <a:r>
+              <a:rPr lang="en-US"/>
+              <a:t>Second level</a:t>
+            </a:r>
+          </a:p>
+          <a:p>
+            <a:pPr lvl="2"/>
+            <a:r>
+              <a:rPr lang="en-US"/>
+              <a:t>Third level</a:t>
+            </a:r>
+          </a:p>
+          <a:p>
+            <a:pPr lvl="3"/>
+            <a:r>
+              <a:rPr lang="en-US"/>
+              <a:t>Fourth level</a:t>
+            </a:r>
+          </a:p>
+          <a:p>
+            <a:pPr lvl="4"/>
+            <a:r>
+              <a:rPr lang="en-US"/>
+              <a:t>Fifth level</a:t>
+            </a:r>
+          </a:p>
+        </p:txBody>
+      </p:sp>
+      <p:sp>
+        <p:nvSpPr>
+          <p:cNvPr id="4" name="Text Placeholder 3">
+            <a:extLst>
+              <a:ext uri="{FF2B5EF4-FFF2-40B4-BE49-F238E27FC236}">
+                <a16:creationId xmlns:a16="http://schemas.microsoft.com/office/drawing/2014/main" id="{93EC70C7-7960-4531-927D-04F49A2483BD}"/>
+              </a:ext>
+            </a:extLst>
+          </p:cNvPr>
+          <p:cNvSpPr>
+            <a:spLocks noGrp="1"/>
+          </p:cNvSpPr>
+          <p:nvPr>
+            <p:ph type="body" sz="half" idx="2"/>
+          </p:nvPr>
+        </p:nvSpPr>
+        <p:spPr>
+          <a:xfrm>
+            <a:off x="839788" y="2057400"/>
+            <a:ext cx="3932237" cy="3811588"/>
+          </a:xfrm>
+        </p:spPr>
+        <p:txBody>
+          <a:bodyPr/>
+          <a:lstStyle>
+            <a:lvl1pPr marL="0" indent="0">
+              <a:buNone/>
+              <a:defRPr sz="1600"/>
+            </a:lvl1pPr>
+            <a:lvl2pPr marL="457200" indent="0">
+              <a:buNone/>
+              <a:defRPr sz="1400"/>
+            </a:lvl2pPr>
+            <a:lvl3pPr marL="914400" indent="0">
+              <a:buNone/>
+              <a:defRPr sz="1200"/>
+            </a:lvl3pPr>
+            <a:lvl4pPr marL="1371600" indent="0">
+              <a:buNone/>
+              <a:defRPr sz="1000"/>
+            </a:lvl4pPr>
+            <a:lvl5pPr marL="1828800" indent="0">
+              <a:buNone/>
+              <a:defRPr sz="1000"/>
+            </a:lvl5pPr>
+            <a:lvl6pPr marL="2286000" indent="0">
+              <a:buNone/>
+              <a:defRPr sz="1000"/>
+            </a:lvl6pPr>
+            <a:lvl7pPr marL="2743200" indent="0">
+              <a:buNone/>
+              <a:defRPr sz="1000"/>
+            </a:lvl7pPr>
+            <a:lvl8pPr marL="3200400" indent="0">
+              <a:buNone/>
+              <a:defRPr sz="1000"/>
+            </a:lvl8pPr>
+            <a:lvl9pPr marL="3657600" indent="0">
+              <a:buNone/>
+              <a:defRPr sz="1000"/>
+            </a:lvl9pPr>
+          </a:lstStyle>
+          <a:p>
+            <a:pPr lvl="0"/>
+            <a:r>
+              <a:rPr lang="en-US"/>
+              <a:t>Click to edit Master text styles</a:t>
+            </a:r>
+          </a:p>
+        </p:txBody>
+      </p:sp>
+      <p:sp>
+        <p:nvSpPr>
+          <p:cNvPr id="5" name="Date Placeholder 4">
+            <a:extLst>
+              <a:ext uri="{FF2B5EF4-FFF2-40B4-BE49-F238E27FC236}">
+                <a16:creationId xmlns:a16="http://schemas.microsoft.com/office/drawing/2014/main" id="{8CB7C09B-BBE1-4CE1-88CA-C5980413FDBD}"/>
+              </a:ext>
+            </a:extLst>
+          </p:cNvPr>
+          <p:cNvSpPr>
+            <a:spLocks noGrp="1"/>
+          </p:cNvSpPr>
+          <p:nvPr>
+            <p:ph type="dt" sz="half" idx="10"/>
+          </p:nvPr>
+        </p:nvSpPr>
+        <p:spPr/>
+        <p:txBody>
+          <a:bodyPr/>
+          <a:lstStyle/>
+          <a:p>
+            <a:pPr marL="0" marR="0" lvl="0" indent="0" algn="l" defTabSz="914400" rtl="0" eaLnBrk="1" fontAlgn="auto" latinLnBrk="0" hangingPunct="1">
+              <a:lnSpc>
+                <a:spcPct val="100000"/>
+              </a:lnSpc>
+              <a:spcBef>
+                <a:spcPts val="0"/>
+              </a:spcBef>
+              <a:spcAft>
+                <a:spcPts val="0"/>
+              </a:spcAft>
+              <a:buClrTx/>
+              <a:buSzTx/>
+              <a:buFontTx/>
+              <a:buNone/>
+              <a:tabLst/>
+              <a:defRPr/>
+            </a:pPr>
+            <a:fld id="{28011FB5-E0AE-4AAE-BD24-AFDB37E499CA}" type="datetimeFigureOut">
+              <a:rPr kumimoji="0" lang="en-US" sz="1200" b="0" i="0" u="none" strike="noStrike" kern="1200" cap="none" spc="0" normalizeH="0" baseline="0" noProof="0" smtClean="0">
+                <a:ln>
+                  <a:noFill/>
+                </a:ln>
+                <a:solidFill>
+                  <a:prstClr val="black">
+                    <a:tint val="75000"/>
+                  </a:prstClr>
+                </a:solidFill>
+                <a:effectLst/>
+                <a:uLnTx/>
+                <a:uFillTx/>
+                <a:latin typeface="Calibri" panose="020F0502020204030204"/>
+                <a:ea typeface="+mn-ea"/>
+                <a:cs typeface="+mn-cs"/>
+              </a:rPr>
+              <a:pPr marL="0" marR="0" lvl="0" indent="0" algn="l" defTabSz="914400" rtl="0" eaLnBrk="1" fontAlgn="auto" latinLnBrk="0" hangingPunct="1">
+                <a:lnSpc>
+                  <a:spcPct val="100000"/>
+                </a:lnSpc>
+                <a:spcBef>
+                  <a:spcPts val="0"/>
+                </a:spcBef>
+                <a:spcAft>
+                  <a:spcPts val="0"/>
+                </a:spcAft>
+                <a:buClrTx/>
+                <a:buSzTx/>
+                <a:buFontTx/>
+                <a:buNone/>
+                <a:tabLst/>
+                <a:defRPr/>
+              </a:pPr>
+              <a:t>6/15/2022</a:t>
+            </a:fld>
+            <a:endParaRPr kumimoji="0" lang="en-US" sz="1200" b="0" i="0" u="none" strike="noStrike" kern="1200" cap="none" spc="0" normalizeH="0" baseline="0" noProof="0">
+              <a:ln>
+                <a:noFill/>
+              </a:ln>
+              <a:solidFill>
+                <a:prstClr val="black">
+                  <a:tint val="75000"/>
+                </a:prstClr>
+              </a:solidFill>
+              <a:effectLst/>
+              <a:uLnTx/>
+              <a:uFillTx/>
+              <a:latin typeface="Calibri" panose="020F0502020204030204"/>
+              <a:ea typeface="+mn-ea"/>
+              <a:cs typeface="+mn-cs"/>
+            </a:endParaRPr>
+          </a:p>
+        </p:txBody>
+      </p:sp>
+      <p:sp>
+        <p:nvSpPr>
+          <p:cNvPr id="6" name="Footer Placeholder 5">
+            <a:extLst>
+              <a:ext uri="{FF2B5EF4-FFF2-40B4-BE49-F238E27FC236}">
+                <a16:creationId xmlns:a16="http://schemas.microsoft.com/office/drawing/2014/main" id="{BF585529-F900-4B04-8B89-75D46E8563FA}"/>
+              </a:ext>
+            </a:extLst>
+          </p:cNvPr>
+          <p:cNvSpPr>
+            <a:spLocks noGrp="1"/>
+          </p:cNvSpPr>
+          <p:nvPr>
+            <p:ph type="ftr" sz="quarter" idx="11"/>
+          </p:nvPr>
+        </p:nvSpPr>
+        <p:spPr/>
+        <p:txBody>
+          <a:bodyPr/>
+          <a:lstStyle/>
+          <a:p>
+            <a:pPr marL="0" marR="0" lvl="0" indent="0" algn="ctr" defTabSz="914400" rtl="0" eaLnBrk="1" fontAlgn="auto" latinLnBrk="0" hangingPunct="1">
+              <a:lnSpc>
+                <a:spcPct val="100000"/>
+              </a:lnSpc>
+              <a:spcBef>
+                <a:spcPts val="0"/>
+              </a:spcBef>
+              <a:spcAft>
+                <a:spcPts val="0"/>
+              </a:spcAft>
+              <a:buClrTx/>
+              <a:buSzTx/>
+              <a:buFontTx/>
+              <a:buNone/>
+              <a:tabLst/>
+              <a:defRPr/>
+            </a:pPr>
+            <a:endParaRPr kumimoji="0" lang="en-US" sz="1200" b="0" i="0" u="none" strike="noStrike" kern="1200" cap="none" spc="0" normalizeH="0" baseline="0" noProof="0">
+              <a:ln>
+                <a:noFill/>
+              </a:ln>
+              <a:solidFill>
+                <a:prstClr val="black">
+                  <a:tint val="75000"/>
+                </a:prstClr>
+              </a:solidFill>
+              <a:effectLst/>
+              <a:uLnTx/>
+              <a:uFillTx/>
+              <a:latin typeface="Calibri" panose="020F0502020204030204"/>
+              <a:ea typeface="+mn-ea"/>
+              <a:cs typeface="+mn-cs"/>
+            </a:endParaRPr>
+          </a:p>
+        </p:txBody>
+      </p:sp>
+      <p:sp>
+        <p:nvSpPr>
+          <p:cNvPr id="7" name="Slide Number Placeholder 6">
+            <a:extLst>
+              <a:ext uri="{FF2B5EF4-FFF2-40B4-BE49-F238E27FC236}">
+                <a16:creationId xmlns:a16="http://schemas.microsoft.com/office/drawing/2014/main" id="{8C450C86-E0C9-4B6F-A55E-B90276A2C007}"/>
+              </a:ext>
+            </a:extLst>
+          </p:cNvPr>
+          <p:cNvSpPr>
+            <a:spLocks noGrp="1"/>
+          </p:cNvSpPr>
+          <p:nvPr>
+            <p:ph type="sldNum" sz="quarter" idx="12"/>
+          </p:nvPr>
+        </p:nvSpPr>
+        <p:spPr/>
+        <p:txBody>
+          <a:bodyPr/>
+          <a:lstStyle/>
+          <a:p>
+            <a:pPr marL="0" marR="0" lvl="0" indent="0" algn="r" defTabSz="914400" rtl="0" eaLnBrk="1" fontAlgn="auto" latinLnBrk="0" hangingPunct="1">
+              <a:lnSpc>
+                <a:spcPct val="100000"/>
+              </a:lnSpc>
+              <a:spcBef>
+                <a:spcPts val="0"/>
+              </a:spcBef>
+              <a:spcAft>
+                <a:spcPts val="0"/>
+              </a:spcAft>
+              <a:buClrTx/>
+              <a:buSzTx/>
+              <a:buFontTx/>
+              <a:buNone/>
+              <a:tabLst/>
+              <a:defRPr/>
+            </a:pPr>
+            <a:fld id="{FD9B6D51-9EBD-47DE-829E-A5D861248231}" type="slidenum">
+              <a:rPr kumimoji="0" lang="en-US" sz="1200" b="0" i="0" u="none" strike="noStrike" kern="1200" cap="none" spc="0" normalizeH="0" baseline="0" noProof="0" smtClean="0">
+                <a:ln>
+                  <a:noFill/>
+                </a:ln>
+                <a:solidFill>
+                  <a:prstClr val="black">
+                    <a:tint val="75000"/>
+                  </a:prstClr>
+                </a:solidFill>
+                <a:effectLst/>
+                <a:uLnTx/>
+                <a:uFillTx/>
+                <a:latin typeface="Calibri" panose="020F0502020204030204"/>
+                <a:ea typeface="+mn-ea"/>
+                <a:cs typeface="+mn-cs"/>
+              </a:rPr>
+              <a:pPr marL="0" marR="0" lvl="0" indent="0" algn="r" defTabSz="914400" rtl="0" eaLnBrk="1" fontAlgn="auto" latinLnBrk="0" hangingPunct="1">
+                <a:lnSpc>
+                  <a:spcPct val="100000"/>
+                </a:lnSpc>
+                <a:spcBef>
+                  <a:spcPts val="0"/>
+                </a:spcBef>
+                <a:spcAft>
+                  <a:spcPts val="0"/>
+                </a:spcAft>
+                <a:buClrTx/>
+                <a:buSzTx/>
+                <a:buFontTx/>
+                <a:buNone/>
+                <a:tabLst/>
+                <a:defRPr/>
+              </a:pPr>
+              <a:t>‹#›</a:t>
+            </a:fld>
+            <a:endParaRPr kumimoji="0" lang="en-US" sz="1200" b="0" i="0" u="none" strike="noStrike" kern="1200" cap="none" spc="0" normalizeH="0" baseline="0" noProof="0">
+              <a:ln>
+                <a:noFill/>
+              </a:ln>
+              <a:solidFill>
+                <a:prstClr val="black">
+                  <a:tint val="75000"/>
+                </a:prstClr>
+              </a:solidFill>
+              <a:effectLst/>
+              <a:uLnTx/>
+              <a:uFillTx/>
+              <a:latin typeface="Calibri" panose="020F0502020204030204"/>
+              <a:ea typeface="+mn-ea"/>
+              <a:cs typeface="+mn-cs"/>
+            </a:endParaRPr>
+          </a:p>
+        </p:txBody>
+      </p:sp>
+    </p:spTree>
+    <p:extLst>
+      <p:ext uri="{BB962C8B-B14F-4D97-AF65-F5344CB8AC3E}">
+        <p14:creationId xmlns:p14="http://schemas.microsoft.com/office/powerpoint/2010/main" val="2174052363"/>
       </p:ext>
     </p:extLst>
   </p:cSld>
@@ -1120,7 +4487,7 @@
           <a:p>
             <a:fld id="{A646C12D-D5B8-4D66-B448-19D900C892EF}" type="datetime1">
               <a:rPr lang="ru-RU" smtClean="0"/>
-              <a:t>03.06.2022</a:t>
+              <a:t>15.06.2022</a:t>
             </a:fld>
             <a:endParaRPr lang="ru-RU"/>
           </a:p>
@@ -1172,6 +4539,1180 @@
     <p:extLst>
       <p:ext uri="{BB962C8B-B14F-4D97-AF65-F5344CB8AC3E}">
         <p14:creationId xmlns:p14="http://schemas.microsoft.com/office/powerpoint/2010/main" val="3969864304"/>
+      </p:ext>
+    </p:extLst>
+  </p:cSld>
+  <p:clrMapOvr>
+    <a:masterClrMapping/>
+  </p:clrMapOvr>
+</p:sldLayout>
+</file>
+
+<file path=ppt/slideLayouts/slideLayout20.xml><?xml version="1.0" encoding="utf-8"?>
+<p:sldLayout xmlns:a="http://schemas.openxmlformats.org/drawingml/2006/main" xmlns:r="http://schemas.openxmlformats.org/officeDocument/2006/relationships" xmlns:p="http://schemas.openxmlformats.org/presentationml/2006/main" type="picTx" preserve="1">
+  <p:cSld name="Picture with Caption">
+    <p:spTree>
+      <p:nvGrpSpPr>
+        <p:cNvPr id="1" name=""/>
+        <p:cNvGrpSpPr/>
+        <p:nvPr/>
+      </p:nvGrpSpPr>
+      <p:grpSpPr>
+        <a:xfrm>
+          <a:off x="0" y="0"/>
+          <a:ext cx="0" cy="0"/>
+          <a:chOff x="0" y="0"/>
+          <a:chExt cx="0" cy="0"/>
+        </a:xfrm>
+      </p:grpSpPr>
+      <p:sp>
+        <p:nvSpPr>
+          <p:cNvPr id="2" name="Title 1">
+            <a:extLst>
+              <a:ext uri="{FF2B5EF4-FFF2-40B4-BE49-F238E27FC236}">
+                <a16:creationId xmlns:a16="http://schemas.microsoft.com/office/drawing/2014/main" id="{F5D2F383-8185-43A0-885D-0F9B1442F7F5}"/>
+              </a:ext>
+            </a:extLst>
+          </p:cNvPr>
+          <p:cNvSpPr>
+            <a:spLocks noGrp="1"/>
+          </p:cNvSpPr>
+          <p:nvPr>
+            <p:ph type="title"/>
+          </p:nvPr>
+        </p:nvSpPr>
+        <p:spPr>
+          <a:xfrm>
+            <a:off x="839788" y="457200"/>
+            <a:ext cx="3932237" cy="1600200"/>
+          </a:xfrm>
+        </p:spPr>
+        <p:txBody>
+          <a:bodyPr anchor="b"/>
+          <a:lstStyle>
+            <a:lvl1pPr>
+              <a:defRPr sz="3200"/>
+            </a:lvl1pPr>
+          </a:lstStyle>
+          <a:p>
+            <a:r>
+              <a:rPr lang="en-US"/>
+              <a:t>Click to edit Master title style</a:t>
+            </a:r>
+          </a:p>
+        </p:txBody>
+      </p:sp>
+      <p:sp>
+        <p:nvSpPr>
+          <p:cNvPr id="3" name="Picture Placeholder 2">
+            <a:extLst>
+              <a:ext uri="{FF2B5EF4-FFF2-40B4-BE49-F238E27FC236}">
+                <a16:creationId xmlns:a16="http://schemas.microsoft.com/office/drawing/2014/main" id="{274F1F63-6845-4BBE-A717-B77F4B0ECEDC}"/>
+              </a:ext>
+            </a:extLst>
+          </p:cNvPr>
+          <p:cNvSpPr>
+            <a:spLocks noGrp="1"/>
+          </p:cNvSpPr>
+          <p:nvPr>
+            <p:ph type="pic" idx="1"/>
+          </p:nvPr>
+        </p:nvSpPr>
+        <p:spPr>
+          <a:xfrm>
+            <a:off x="5183188" y="987425"/>
+            <a:ext cx="6172200" cy="4873625"/>
+          </a:xfrm>
+        </p:spPr>
+        <p:txBody>
+          <a:bodyPr/>
+          <a:lstStyle>
+            <a:lvl1pPr marL="0" indent="0">
+              <a:buNone/>
+              <a:defRPr sz="3200"/>
+            </a:lvl1pPr>
+            <a:lvl2pPr marL="457200" indent="0">
+              <a:buNone/>
+              <a:defRPr sz="2800"/>
+            </a:lvl2pPr>
+            <a:lvl3pPr marL="914400" indent="0">
+              <a:buNone/>
+              <a:defRPr sz="2400"/>
+            </a:lvl3pPr>
+            <a:lvl4pPr marL="1371600" indent="0">
+              <a:buNone/>
+              <a:defRPr sz="2000"/>
+            </a:lvl4pPr>
+            <a:lvl5pPr marL="1828800" indent="0">
+              <a:buNone/>
+              <a:defRPr sz="2000"/>
+            </a:lvl5pPr>
+            <a:lvl6pPr marL="2286000" indent="0">
+              <a:buNone/>
+              <a:defRPr sz="2000"/>
+            </a:lvl6pPr>
+            <a:lvl7pPr marL="2743200" indent="0">
+              <a:buNone/>
+              <a:defRPr sz="2000"/>
+            </a:lvl7pPr>
+            <a:lvl8pPr marL="3200400" indent="0">
+              <a:buNone/>
+              <a:defRPr sz="2000"/>
+            </a:lvl8pPr>
+            <a:lvl9pPr marL="3657600" indent="0">
+              <a:buNone/>
+              <a:defRPr sz="2000"/>
+            </a:lvl9pPr>
+          </a:lstStyle>
+          <a:p>
+            <a:endParaRPr lang="en-US"/>
+          </a:p>
+        </p:txBody>
+      </p:sp>
+      <p:sp>
+        <p:nvSpPr>
+          <p:cNvPr id="4" name="Text Placeholder 3">
+            <a:extLst>
+              <a:ext uri="{FF2B5EF4-FFF2-40B4-BE49-F238E27FC236}">
+                <a16:creationId xmlns:a16="http://schemas.microsoft.com/office/drawing/2014/main" id="{5B199315-8103-4309-BA1E-D5D7A9C54257}"/>
+              </a:ext>
+            </a:extLst>
+          </p:cNvPr>
+          <p:cNvSpPr>
+            <a:spLocks noGrp="1"/>
+          </p:cNvSpPr>
+          <p:nvPr>
+            <p:ph type="body" sz="half" idx="2"/>
+          </p:nvPr>
+        </p:nvSpPr>
+        <p:spPr>
+          <a:xfrm>
+            <a:off x="839788" y="2057400"/>
+            <a:ext cx="3932237" cy="3811588"/>
+          </a:xfrm>
+        </p:spPr>
+        <p:txBody>
+          <a:bodyPr/>
+          <a:lstStyle>
+            <a:lvl1pPr marL="0" indent="0">
+              <a:buNone/>
+              <a:defRPr sz="1600"/>
+            </a:lvl1pPr>
+            <a:lvl2pPr marL="457200" indent="0">
+              <a:buNone/>
+              <a:defRPr sz="1400"/>
+            </a:lvl2pPr>
+            <a:lvl3pPr marL="914400" indent="0">
+              <a:buNone/>
+              <a:defRPr sz="1200"/>
+            </a:lvl3pPr>
+            <a:lvl4pPr marL="1371600" indent="0">
+              <a:buNone/>
+              <a:defRPr sz="1000"/>
+            </a:lvl4pPr>
+            <a:lvl5pPr marL="1828800" indent="0">
+              <a:buNone/>
+              <a:defRPr sz="1000"/>
+            </a:lvl5pPr>
+            <a:lvl6pPr marL="2286000" indent="0">
+              <a:buNone/>
+              <a:defRPr sz="1000"/>
+            </a:lvl6pPr>
+            <a:lvl7pPr marL="2743200" indent="0">
+              <a:buNone/>
+              <a:defRPr sz="1000"/>
+            </a:lvl7pPr>
+            <a:lvl8pPr marL="3200400" indent="0">
+              <a:buNone/>
+              <a:defRPr sz="1000"/>
+            </a:lvl8pPr>
+            <a:lvl9pPr marL="3657600" indent="0">
+              <a:buNone/>
+              <a:defRPr sz="1000"/>
+            </a:lvl9pPr>
+          </a:lstStyle>
+          <a:p>
+            <a:pPr lvl="0"/>
+            <a:r>
+              <a:rPr lang="en-US"/>
+              <a:t>Click to edit Master text styles</a:t>
+            </a:r>
+          </a:p>
+        </p:txBody>
+      </p:sp>
+      <p:sp>
+        <p:nvSpPr>
+          <p:cNvPr id="5" name="Date Placeholder 4">
+            <a:extLst>
+              <a:ext uri="{FF2B5EF4-FFF2-40B4-BE49-F238E27FC236}">
+                <a16:creationId xmlns:a16="http://schemas.microsoft.com/office/drawing/2014/main" id="{78DF9B96-5386-46A6-962D-BCACD4B76757}"/>
+              </a:ext>
+            </a:extLst>
+          </p:cNvPr>
+          <p:cNvSpPr>
+            <a:spLocks noGrp="1"/>
+          </p:cNvSpPr>
+          <p:nvPr>
+            <p:ph type="dt" sz="half" idx="10"/>
+          </p:nvPr>
+        </p:nvSpPr>
+        <p:spPr/>
+        <p:txBody>
+          <a:bodyPr/>
+          <a:lstStyle/>
+          <a:p>
+            <a:pPr marL="0" marR="0" lvl="0" indent="0" algn="l" defTabSz="914400" rtl="0" eaLnBrk="1" fontAlgn="auto" latinLnBrk="0" hangingPunct="1">
+              <a:lnSpc>
+                <a:spcPct val="100000"/>
+              </a:lnSpc>
+              <a:spcBef>
+                <a:spcPts val="0"/>
+              </a:spcBef>
+              <a:spcAft>
+                <a:spcPts val="0"/>
+              </a:spcAft>
+              <a:buClrTx/>
+              <a:buSzTx/>
+              <a:buFontTx/>
+              <a:buNone/>
+              <a:tabLst/>
+              <a:defRPr/>
+            </a:pPr>
+            <a:fld id="{28011FB5-E0AE-4AAE-BD24-AFDB37E499CA}" type="datetimeFigureOut">
+              <a:rPr kumimoji="0" lang="en-US" sz="1200" b="0" i="0" u="none" strike="noStrike" kern="1200" cap="none" spc="0" normalizeH="0" baseline="0" noProof="0" smtClean="0">
+                <a:ln>
+                  <a:noFill/>
+                </a:ln>
+                <a:solidFill>
+                  <a:prstClr val="black">
+                    <a:tint val="75000"/>
+                  </a:prstClr>
+                </a:solidFill>
+                <a:effectLst/>
+                <a:uLnTx/>
+                <a:uFillTx/>
+                <a:latin typeface="Calibri" panose="020F0502020204030204"/>
+                <a:ea typeface="+mn-ea"/>
+                <a:cs typeface="+mn-cs"/>
+              </a:rPr>
+              <a:pPr marL="0" marR="0" lvl="0" indent="0" algn="l" defTabSz="914400" rtl="0" eaLnBrk="1" fontAlgn="auto" latinLnBrk="0" hangingPunct="1">
+                <a:lnSpc>
+                  <a:spcPct val="100000"/>
+                </a:lnSpc>
+                <a:spcBef>
+                  <a:spcPts val="0"/>
+                </a:spcBef>
+                <a:spcAft>
+                  <a:spcPts val="0"/>
+                </a:spcAft>
+                <a:buClrTx/>
+                <a:buSzTx/>
+                <a:buFontTx/>
+                <a:buNone/>
+                <a:tabLst/>
+                <a:defRPr/>
+              </a:pPr>
+              <a:t>6/15/2022</a:t>
+            </a:fld>
+            <a:endParaRPr kumimoji="0" lang="en-US" sz="1200" b="0" i="0" u="none" strike="noStrike" kern="1200" cap="none" spc="0" normalizeH="0" baseline="0" noProof="0">
+              <a:ln>
+                <a:noFill/>
+              </a:ln>
+              <a:solidFill>
+                <a:prstClr val="black">
+                  <a:tint val="75000"/>
+                </a:prstClr>
+              </a:solidFill>
+              <a:effectLst/>
+              <a:uLnTx/>
+              <a:uFillTx/>
+              <a:latin typeface="Calibri" panose="020F0502020204030204"/>
+              <a:ea typeface="+mn-ea"/>
+              <a:cs typeface="+mn-cs"/>
+            </a:endParaRPr>
+          </a:p>
+        </p:txBody>
+      </p:sp>
+      <p:sp>
+        <p:nvSpPr>
+          <p:cNvPr id="6" name="Footer Placeholder 5">
+            <a:extLst>
+              <a:ext uri="{FF2B5EF4-FFF2-40B4-BE49-F238E27FC236}">
+                <a16:creationId xmlns:a16="http://schemas.microsoft.com/office/drawing/2014/main" id="{99333504-4F21-4D75-AB1D-5C6EB76CCC9B}"/>
+              </a:ext>
+            </a:extLst>
+          </p:cNvPr>
+          <p:cNvSpPr>
+            <a:spLocks noGrp="1"/>
+          </p:cNvSpPr>
+          <p:nvPr>
+            <p:ph type="ftr" sz="quarter" idx="11"/>
+          </p:nvPr>
+        </p:nvSpPr>
+        <p:spPr/>
+        <p:txBody>
+          <a:bodyPr/>
+          <a:lstStyle/>
+          <a:p>
+            <a:pPr marL="0" marR="0" lvl="0" indent="0" algn="ctr" defTabSz="914400" rtl="0" eaLnBrk="1" fontAlgn="auto" latinLnBrk="0" hangingPunct="1">
+              <a:lnSpc>
+                <a:spcPct val="100000"/>
+              </a:lnSpc>
+              <a:spcBef>
+                <a:spcPts val="0"/>
+              </a:spcBef>
+              <a:spcAft>
+                <a:spcPts val="0"/>
+              </a:spcAft>
+              <a:buClrTx/>
+              <a:buSzTx/>
+              <a:buFontTx/>
+              <a:buNone/>
+              <a:tabLst/>
+              <a:defRPr/>
+            </a:pPr>
+            <a:endParaRPr kumimoji="0" lang="en-US" sz="1200" b="0" i="0" u="none" strike="noStrike" kern="1200" cap="none" spc="0" normalizeH="0" baseline="0" noProof="0">
+              <a:ln>
+                <a:noFill/>
+              </a:ln>
+              <a:solidFill>
+                <a:prstClr val="black">
+                  <a:tint val="75000"/>
+                </a:prstClr>
+              </a:solidFill>
+              <a:effectLst/>
+              <a:uLnTx/>
+              <a:uFillTx/>
+              <a:latin typeface="Calibri" panose="020F0502020204030204"/>
+              <a:ea typeface="+mn-ea"/>
+              <a:cs typeface="+mn-cs"/>
+            </a:endParaRPr>
+          </a:p>
+        </p:txBody>
+      </p:sp>
+      <p:sp>
+        <p:nvSpPr>
+          <p:cNvPr id="7" name="Slide Number Placeholder 6">
+            <a:extLst>
+              <a:ext uri="{FF2B5EF4-FFF2-40B4-BE49-F238E27FC236}">
+                <a16:creationId xmlns:a16="http://schemas.microsoft.com/office/drawing/2014/main" id="{0FB38A5F-45C4-4146-88B9-1F07C56FC98E}"/>
+              </a:ext>
+            </a:extLst>
+          </p:cNvPr>
+          <p:cNvSpPr>
+            <a:spLocks noGrp="1"/>
+          </p:cNvSpPr>
+          <p:nvPr>
+            <p:ph type="sldNum" sz="quarter" idx="12"/>
+          </p:nvPr>
+        </p:nvSpPr>
+        <p:spPr/>
+        <p:txBody>
+          <a:bodyPr/>
+          <a:lstStyle/>
+          <a:p>
+            <a:pPr marL="0" marR="0" lvl="0" indent="0" algn="r" defTabSz="914400" rtl="0" eaLnBrk="1" fontAlgn="auto" latinLnBrk="0" hangingPunct="1">
+              <a:lnSpc>
+                <a:spcPct val="100000"/>
+              </a:lnSpc>
+              <a:spcBef>
+                <a:spcPts val="0"/>
+              </a:spcBef>
+              <a:spcAft>
+                <a:spcPts val="0"/>
+              </a:spcAft>
+              <a:buClrTx/>
+              <a:buSzTx/>
+              <a:buFontTx/>
+              <a:buNone/>
+              <a:tabLst/>
+              <a:defRPr/>
+            </a:pPr>
+            <a:fld id="{FD9B6D51-9EBD-47DE-829E-A5D861248231}" type="slidenum">
+              <a:rPr kumimoji="0" lang="en-US" sz="1200" b="0" i="0" u="none" strike="noStrike" kern="1200" cap="none" spc="0" normalizeH="0" baseline="0" noProof="0" smtClean="0">
+                <a:ln>
+                  <a:noFill/>
+                </a:ln>
+                <a:solidFill>
+                  <a:prstClr val="black">
+                    <a:tint val="75000"/>
+                  </a:prstClr>
+                </a:solidFill>
+                <a:effectLst/>
+                <a:uLnTx/>
+                <a:uFillTx/>
+                <a:latin typeface="Calibri" panose="020F0502020204030204"/>
+                <a:ea typeface="+mn-ea"/>
+                <a:cs typeface="+mn-cs"/>
+              </a:rPr>
+              <a:pPr marL="0" marR="0" lvl="0" indent="0" algn="r" defTabSz="914400" rtl="0" eaLnBrk="1" fontAlgn="auto" latinLnBrk="0" hangingPunct="1">
+                <a:lnSpc>
+                  <a:spcPct val="100000"/>
+                </a:lnSpc>
+                <a:spcBef>
+                  <a:spcPts val="0"/>
+                </a:spcBef>
+                <a:spcAft>
+                  <a:spcPts val="0"/>
+                </a:spcAft>
+                <a:buClrTx/>
+                <a:buSzTx/>
+                <a:buFontTx/>
+                <a:buNone/>
+                <a:tabLst/>
+                <a:defRPr/>
+              </a:pPr>
+              <a:t>‹#›</a:t>
+            </a:fld>
+            <a:endParaRPr kumimoji="0" lang="en-US" sz="1200" b="0" i="0" u="none" strike="noStrike" kern="1200" cap="none" spc="0" normalizeH="0" baseline="0" noProof="0">
+              <a:ln>
+                <a:noFill/>
+              </a:ln>
+              <a:solidFill>
+                <a:prstClr val="black">
+                  <a:tint val="75000"/>
+                </a:prstClr>
+              </a:solidFill>
+              <a:effectLst/>
+              <a:uLnTx/>
+              <a:uFillTx/>
+              <a:latin typeface="Calibri" panose="020F0502020204030204"/>
+              <a:ea typeface="+mn-ea"/>
+              <a:cs typeface="+mn-cs"/>
+            </a:endParaRPr>
+          </a:p>
+        </p:txBody>
+      </p:sp>
+    </p:spTree>
+    <p:extLst>
+      <p:ext uri="{BB962C8B-B14F-4D97-AF65-F5344CB8AC3E}">
+        <p14:creationId xmlns:p14="http://schemas.microsoft.com/office/powerpoint/2010/main" val="3376669631"/>
+      </p:ext>
+    </p:extLst>
+  </p:cSld>
+  <p:clrMapOvr>
+    <a:masterClrMapping/>
+  </p:clrMapOvr>
+</p:sldLayout>
+</file>
+
+<file path=ppt/slideLayouts/slideLayout21.xml><?xml version="1.0" encoding="utf-8"?>
+<p:sldLayout xmlns:a="http://schemas.openxmlformats.org/drawingml/2006/main" xmlns:r="http://schemas.openxmlformats.org/officeDocument/2006/relationships" xmlns:p="http://schemas.openxmlformats.org/presentationml/2006/main" type="vertTx" preserve="1">
+  <p:cSld name="Title and Vertical Text">
+    <p:spTree>
+      <p:nvGrpSpPr>
+        <p:cNvPr id="1" name=""/>
+        <p:cNvGrpSpPr/>
+        <p:nvPr/>
+      </p:nvGrpSpPr>
+      <p:grpSpPr>
+        <a:xfrm>
+          <a:off x="0" y="0"/>
+          <a:ext cx="0" cy="0"/>
+          <a:chOff x="0" y="0"/>
+          <a:chExt cx="0" cy="0"/>
+        </a:xfrm>
+      </p:grpSpPr>
+      <p:sp>
+        <p:nvSpPr>
+          <p:cNvPr id="2" name="Title 1">
+            <a:extLst>
+              <a:ext uri="{FF2B5EF4-FFF2-40B4-BE49-F238E27FC236}">
+                <a16:creationId xmlns:a16="http://schemas.microsoft.com/office/drawing/2014/main" id="{1A68BC04-B0AD-40F4-B854-E68E2CA1B7E3}"/>
+              </a:ext>
+            </a:extLst>
+          </p:cNvPr>
+          <p:cNvSpPr>
+            <a:spLocks noGrp="1"/>
+          </p:cNvSpPr>
+          <p:nvPr>
+            <p:ph type="title"/>
+          </p:nvPr>
+        </p:nvSpPr>
+        <p:spPr/>
+        <p:txBody>
+          <a:bodyPr/>
+          <a:lstStyle/>
+          <a:p>
+            <a:r>
+              <a:rPr lang="en-US"/>
+              <a:t>Click to edit Master title style</a:t>
+            </a:r>
+          </a:p>
+        </p:txBody>
+      </p:sp>
+      <p:sp>
+        <p:nvSpPr>
+          <p:cNvPr id="3" name="Vertical Text Placeholder 2">
+            <a:extLst>
+              <a:ext uri="{FF2B5EF4-FFF2-40B4-BE49-F238E27FC236}">
+                <a16:creationId xmlns:a16="http://schemas.microsoft.com/office/drawing/2014/main" id="{96A420FB-4DAB-46CC-9811-C245280DE625}"/>
+              </a:ext>
+            </a:extLst>
+          </p:cNvPr>
+          <p:cNvSpPr>
+            <a:spLocks noGrp="1"/>
+          </p:cNvSpPr>
+          <p:nvPr>
+            <p:ph type="body" orient="vert" idx="1"/>
+          </p:nvPr>
+        </p:nvSpPr>
+        <p:spPr/>
+        <p:txBody>
+          <a:bodyPr vert="eaVert"/>
+          <a:lstStyle/>
+          <a:p>
+            <a:pPr lvl="0"/>
+            <a:r>
+              <a:rPr lang="en-US"/>
+              <a:t>Click to edit Master text styles</a:t>
+            </a:r>
+          </a:p>
+          <a:p>
+            <a:pPr lvl="1"/>
+            <a:r>
+              <a:rPr lang="en-US"/>
+              <a:t>Second level</a:t>
+            </a:r>
+          </a:p>
+          <a:p>
+            <a:pPr lvl="2"/>
+            <a:r>
+              <a:rPr lang="en-US"/>
+              <a:t>Third level</a:t>
+            </a:r>
+          </a:p>
+          <a:p>
+            <a:pPr lvl="3"/>
+            <a:r>
+              <a:rPr lang="en-US"/>
+              <a:t>Fourth level</a:t>
+            </a:r>
+          </a:p>
+          <a:p>
+            <a:pPr lvl="4"/>
+            <a:r>
+              <a:rPr lang="en-US"/>
+              <a:t>Fifth level</a:t>
+            </a:r>
+          </a:p>
+        </p:txBody>
+      </p:sp>
+      <p:sp>
+        <p:nvSpPr>
+          <p:cNvPr id="4" name="Date Placeholder 3">
+            <a:extLst>
+              <a:ext uri="{FF2B5EF4-FFF2-40B4-BE49-F238E27FC236}">
+                <a16:creationId xmlns:a16="http://schemas.microsoft.com/office/drawing/2014/main" id="{A51FB04E-247C-46A3-9FE1-C1E427462840}"/>
+              </a:ext>
+            </a:extLst>
+          </p:cNvPr>
+          <p:cNvSpPr>
+            <a:spLocks noGrp="1"/>
+          </p:cNvSpPr>
+          <p:nvPr>
+            <p:ph type="dt" sz="half" idx="10"/>
+          </p:nvPr>
+        </p:nvSpPr>
+        <p:spPr/>
+        <p:txBody>
+          <a:bodyPr/>
+          <a:lstStyle/>
+          <a:p>
+            <a:pPr marL="0" marR="0" lvl="0" indent="0" algn="l" defTabSz="914400" rtl="0" eaLnBrk="1" fontAlgn="auto" latinLnBrk="0" hangingPunct="1">
+              <a:lnSpc>
+                <a:spcPct val="100000"/>
+              </a:lnSpc>
+              <a:spcBef>
+                <a:spcPts val="0"/>
+              </a:spcBef>
+              <a:spcAft>
+                <a:spcPts val="0"/>
+              </a:spcAft>
+              <a:buClrTx/>
+              <a:buSzTx/>
+              <a:buFontTx/>
+              <a:buNone/>
+              <a:tabLst/>
+              <a:defRPr/>
+            </a:pPr>
+            <a:fld id="{28011FB5-E0AE-4AAE-BD24-AFDB37E499CA}" type="datetimeFigureOut">
+              <a:rPr kumimoji="0" lang="en-US" sz="1200" b="0" i="0" u="none" strike="noStrike" kern="1200" cap="none" spc="0" normalizeH="0" baseline="0" noProof="0" smtClean="0">
+                <a:ln>
+                  <a:noFill/>
+                </a:ln>
+                <a:solidFill>
+                  <a:prstClr val="black">
+                    <a:tint val="75000"/>
+                  </a:prstClr>
+                </a:solidFill>
+                <a:effectLst/>
+                <a:uLnTx/>
+                <a:uFillTx/>
+                <a:latin typeface="Calibri" panose="020F0502020204030204"/>
+                <a:ea typeface="+mn-ea"/>
+                <a:cs typeface="+mn-cs"/>
+              </a:rPr>
+              <a:pPr marL="0" marR="0" lvl="0" indent="0" algn="l" defTabSz="914400" rtl="0" eaLnBrk="1" fontAlgn="auto" latinLnBrk="0" hangingPunct="1">
+                <a:lnSpc>
+                  <a:spcPct val="100000"/>
+                </a:lnSpc>
+                <a:spcBef>
+                  <a:spcPts val="0"/>
+                </a:spcBef>
+                <a:spcAft>
+                  <a:spcPts val="0"/>
+                </a:spcAft>
+                <a:buClrTx/>
+                <a:buSzTx/>
+                <a:buFontTx/>
+                <a:buNone/>
+                <a:tabLst/>
+                <a:defRPr/>
+              </a:pPr>
+              <a:t>6/15/2022</a:t>
+            </a:fld>
+            <a:endParaRPr kumimoji="0" lang="en-US" sz="1200" b="0" i="0" u="none" strike="noStrike" kern="1200" cap="none" spc="0" normalizeH="0" baseline="0" noProof="0">
+              <a:ln>
+                <a:noFill/>
+              </a:ln>
+              <a:solidFill>
+                <a:prstClr val="black">
+                  <a:tint val="75000"/>
+                </a:prstClr>
+              </a:solidFill>
+              <a:effectLst/>
+              <a:uLnTx/>
+              <a:uFillTx/>
+              <a:latin typeface="Calibri" panose="020F0502020204030204"/>
+              <a:ea typeface="+mn-ea"/>
+              <a:cs typeface="+mn-cs"/>
+            </a:endParaRPr>
+          </a:p>
+        </p:txBody>
+      </p:sp>
+      <p:sp>
+        <p:nvSpPr>
+          <p:cNvPr id="5" name="Footer Placeholder 4">
+            <a:extLst>
+              <a:ext uri="{FF2B5EF4-FFF2-40B4-BE49-F238E27FC236}">
+                <a16:creationId xmlns:a16="http://schemas.microsoft.com/office/drawing/2014/main" id="{464BCFE7-C8F0-4879-90D6-520234C4FA58}"/>
+              </a:ext>
+            </a:extLst>
+          </p:cNvPr>
+          <p:cNvSpPr>
+            <a:spLocks noGrp="1"/>
+          </p:cNvSpPr>
+          <p:nvPr>
+            <p:ph type="ftr" sz="quarter" idx="11"/>
+          </p:nvPr>
+        </p:nvSpPr>
+        <p:spPr/>
+        <p:txBody>
+          <a:bodyPr/>
+          <a:lstStyle/>
+          <a:p>
+            <a:pPr marL="0" marR="0" lvl="0" indent="0" algn="ctr" defTabSz="914400" rtl="0" eaLnBrk="1" fontAlgn="auto" latinLnBrk="0" hangingPunct="1">
+              <a:lnSpc>
+                <a:spcPct val="100000"/>
+              </a:lnSpc>
+              <a:spcBef>
+                <a:spcPts val="0"/>
+              </a:spcBef>
+              <a:spcAft>
+                <a:spcPts val="0"/>
+              </a:spcAft>
+              <a:buClrTx/>
+              <a:buSzTx/>
+              <a:buFontTx/>
+              <a:buNone/>
+              <a:tabLst/>
+              <a:defRPr/>
+            </a:pPr>
+            <a:endParaRPr kumimoji="0" lang="en-US" sz="1200" b="0" i="0" u="none" strike="noStrike" kern="1200" cap="none" spc="0" normalizeH="0" baseline="0" noProof="0">
+              <a:ln>
+                <a:noFill/>
+              </a:ln>
+              <a:solidFill>
+                <a:prstClr val="black">
+                  <a:tint val="75000"/>
+                </a:prstClr>
+              </a:solidFill>
+              <a:effectLst/>
+              <a:uLnTx/>
+              <a:uFillTx/>
+              <a:latin typeface="Calibri" panose="020F0502020204030204"/>
+              <a:ea typeface="+mn-ea"/>
+              <a:cs typeface="+mn-cs"/>
+            </a:endParaRPr>
+          </a:p>
+        </p:txBody>
+      </p:sp>
+      <p:sp>
+        <p:nvSpPr>
+          <p:cNvPr id="6" name="Slide Number Placeholder 5">
+            <a:extLst>
+              <a:ext uri="{FF2B5EF4-FFF2-40B4-BE49-F238E27FC236}">
+                <a16:creationId xmlns:a16="http://schemas.microsoft.com/office/drawing/2014/main" id="{277437D8-888F-4E89-9E8E-C5AE44AB4984}"/>
+              </a:ext>
+            </a:extLst>
+          </p:cNvPr>
+          <p:cNvSpPr>
+            <a:spLocks noGrp="1"/>
+          </p:cNvSpPr>
+          <p:nvPr>
+            <p:ph type="sldNum" sz="quarter" idx="12"/>
+          </p:nvPr>
+        </p:nvSpPr>
+        <p:spPr/>
+        <p:txBody>
+          <a:bodyPr/>
+          <a:lstStyle/>
+          <a:p>
+            <a:pPr marL="0" marR="0" lvl="0" indent="0" algn="r" defTabSz="914400" rtl="0" eaLnBrk="1" fontAlgn="auto" latinLnBrk="0" hangingPunct="1">
+              <a:lnSpc>
+                <a:spcPct val="100000"/>
+              </a:lnSpc>
+              <a:spcBef>
+                <a:spcPts val="0"/>
+              </a:spcBef>
+              <a:spcAft>
+                <a:spcPts val="0"/>
+              </a:spcAft>
+              <a:buClrTx/>
+              <a:buSzTx/>
+              <a:buFontTx/>
+              <a:buNone/>
+              <a:tabLst/>
+              <a:defRPr/>
+            </a:pPr>
+            <a:fld id="{FD9B6D51-9EBD-47DE-829E-A5D861248231}" type="slidenum">
+              <a:rPr kumimoji="0" lang="en-US" sz="1200" b="0" i="0" u="none" strike="noStrike" kern="1200" cap="none" spc="0" normalizeH="0" baseline="0" noProof="0" smtClean="0">
+                <a:ln>
+                  <a:noFill/>
+                </a:ln>
+                <a:solidFill>
+                  <a:prstClr val="black">
+                    <a:tint val="75000"/>
+                  </a:prstClr>
+                </a:solidFill>
+                <a:effectLst/>
+                <a:uLnTx/>
+                <a:uFillTx/>
+                <a:latin typeface="Calibri" panose="020F0502020204030204"/>
+                <a:ea typeface="+mn-ea"/>
+                <a:cs typeface="+mn-cs"/>
+              </a:rPr>
+              <a:pPr marL="0" marR="0" lvl="0" indent="0" algn="r" defTabSz="914400" rtl="0" eaLnBrk="1" fontAlgn="auto" latinLnBrk="0" hangingPunct="1">
+                <a:lnSpc>
+                  <a:spcPct val="100000"/>
+                </a:lnSpc>
+                <a:spcBef>
+                  <a:spcPts val="0"/>
+                </a:spcBef>
+                <a:spcAft>
+                  <a:spcPts val="0"/>
+                </a:spcAft>
+                <a:buClrTx/>
+                <a:buSzTx/>
+                <a:buFontTx/>
+                <a:buNone/>
+                <a:tabLst/>
+                <a:defRPr/>
+              </a:pPr>
+              <a:t>‹#›</a:t>
+            </a:fld>
+            <a:endParaRPr kumimoji="0" lang="en-US" sz="1200" b="0" i="0" u="none" strike="noStrike" kern="1200" cap="none" spc="0" normalizeH="0" baseline="0" noProof="0">
+              <a:ln>
+                <a:noFill/>
+              </a:ln>
+              <a:solidFill>
+                <a:prstClr val="black">
+                  <a:tint val="75000"/>
+                </a:prstClr>
+              </a:solidFill>
+              <a:effectLst/>
+              <a:uLnTx/>
+              <a:uFillTx/>
+              <a:latin typeface="Calibri" panose="020F0502020204030204"/>
+              <a:ea typeface="+mn-ea"/>
+              <a:cs typeface="+mn-cs"/>
+            </a:endParaRPr>
+          </a:p>
+        </p:txBody>
+      </p:sp>
+    </p:spTree>
+    <p:extLst>
+      <p:ext uri="{BB962C8B-B14F-4D97-AF65-F5344CB8AC3E}">
+        <p14:creationId xmlns:p14="http://schemas.microsoft.com/office/powerpoint/2010/main" val="2174746645"/>
+      </p:ext>
+    </p:extLst>
+  </p:cSld>
+  <p:clrMapOvr>
+    <a:masterClrMapping/>
+  </p:clrMapOvr>
+</p:sldLayout>
+</file>
+
+<file path=ppt/slideLayouts/slideLayout22.xml><?xml version="1.0" encoding="utf-8"?>
+<p:sldLayout xmlns:a="http://schemas.openxmlformats.org/drawingml/2006/main" xmlns:r="http://schemas.openxmlformats.org/officeDocument/2006/relationships" xmlns:p="http://schemas.openxmlformats.org/presentationml/2006/main" type="vertTitleAndTx" preserve="1">
+  <p:cSld name="Vertical Title and Text">
+    <p:spTree>
+      <p:nvGrpSpPr>
+        <p:cNvPr id="1" name=""/>
+        <p:cNvGrpSpPr/>
+        <p:nvPr/>
+      </p:nvGrpSpPr>
+      <p:grpSpPr>
+        <a:xfrm>
+          <a:off x="0" y="0"/>
+          <a:ext cx="0" cy="0"/>
+          <a:chOff x="0" y="0"/>
+          <a:chExt cx="0" cy="0"/>
+        </a:xfrm>
+      </p:grpSpPr>
+      <p:sp>
+        <p:nvSpPr>
+          <p:cNvPr id="2" name="Vertical Title 1">
+            <a:extLst>
+              <a:ext uri="{FF2B5EF4-FFF2-40B4-BE49-F238E27FC236}">
+                <a16:creationId xmlns:a16="http://schemas.microsoft.com/office/drawing/2014/main" id="{CF7D5D2B-4764-4E61-961E-06138BFC820F}"/>
+              </a:ext>
+            </a:extLst>
+          </p:cNvPr>
+          <p:cNvSpPr>
+            <a:spLocks noGrp="1"/>
+          </p:cNvSpPr>
+          <p:nvPr>
+            <p:ph type="title" orient="vert"/>
+          </p:nvPr>
+        </p:nvSpPr>
+        <p:spPr>
+          <a:xfrm>
+            <a:off x="8724900" y="365125"/>
+            <a:ext cx="2628900" cy="5811838"/>
+          </a:xfrm>
+        </p:spPr>
+        <p:txBody>
+          <a:bodyPr vert="eaVert"/>
+          <a:lstStyle/>
+          <a:p>
+            <a:r>
+              <a:rPr lang="en-US"/>
+              <a:t>Click to edit Master title style</a:t>
+            </a:r>
+          </a:p>
+        </p:txBody>
+      </p:sp>
+      <p:sp>
+        <p:nvSpPr>
+          <p:cNvPr id="3" name="Vertical Text Placeholder 2">
+            <a:extLst>
+              <a:ext uri="{FF2B5EF4-FFF2-40B4-BE49-F238E27FC236}">
+                <a16:creationId xmlns:a16="http://schemas.microsoft.com/office/drawing/2014/main" id="{8E31D12C-1999-467A-BB26-0CC46DBC4FD0}"/>
+              </a:ext>
+            </a:extLst>
+          </p:cNvPr>
+          <p:cNvSpPr>
+            <a:spLocks noGrp="1"/>
+          </p:cNvSpPr>
+          <p:nvPr>
+            <p:ph type="body" orient="vert" idx="1"/>
+          </p:nvPr>
+        </p:nvSpPr>
+        <p:spPr>
+          <a:xfrm>
+            <a:off x="838200" y="365125"/>
+            <a:ext cx="7734300" cy="5811838"/>
+          </a:xfrm>
+        </p:spPr>
+        <p:txBody>
+          <a:bodyPr vert="eaVert"/>
+          <a:lstStyle/>
+          <a:p>
+            <a:pPr lvl="0"/>
+            <a:r>
+              <a:rPr lang="en-US"/>
+              <a:t>Click to edit Master text styles</a:t>
+            </a:r>
+          </a:p>
+          <a:p>
+            <a:pPr lvl="1"/>
+            <a:r>
+              <a:rPr lang="en-US"/>
+              <a:t>Second level</a:t>
+            </a:r>
+          </a:p>
+          <a:p>
+            <a:pPr lvl="2"/>
+            <a:r>
+              <a:rPr lang="en-US"/>
+              <a:t>Third level</a:t>
+            </a:r>
+          </a:p>
+          <a:p>
+            <a:pPr lvl="3"/>
+            <a:r>
+              <a:rPr lang="en-US"/>
+              <a:t>Fourth level</a:t>
+            </a:r>
+          </a:p>
+          <a:p>
+            <a:pPr lvl="4"/>
+            <a:r>
+              <a:rPr lang="en-US"/>
+              <a:t>Fifth level</a:t>
+            </a:r>
+          </a:p>
+        </p:txBody>
+      </p:sp>
+      <p:sp>
+        <p:nvSpPr>
+          <p:cNvPr id="4" name="Date Placeholder 3">
+            <a:extLst>
+              <a:ext uri="{FF2B5EF4-FFF2-40B4-BE49-F238E27FC236}">
+                <a16:creationId xmlns:a16="http://schemas.microsoft.com/office/drawing/2014/main" id="{671EE228-BAD7-42DF-B01E-34F4B59FEEF0}"/>
+              </a:ext>
+            </a:extLst>
+          </p:cNvPr>
+          <p:cNvSpPr>
+            <a:spLocks noGrp="1"/>
+          </p:cNvSpPr>
+          <p:nvPr>
+            <p:ph type="dt" sz="half" idx="10"/>
+          </p:nvPr>
+        </p:nvSpPr>
+        <p:spPr/>
+        <p:txBody>
+          <a:bodyPr/>
+          <a:lstStyle/>
+          <a:p>
+            <a:pPr marL="0" marR="0" lvl="0" indent="0" algn="l" defTabSz="914400" rtl="0" eaLnBrk="1" fontAlgn="auto" latinLnBrk="0" hangingPunct="1">
+              <a:lnSpc>
+                <a:spcPct val="100000"/>
+              </a:lnSpc>
+              <a:spcBef>
+                <a:spcPts val="0"/>
+              </a:spcBef>
+              <a:spcAft>
+                <a:spcPts val="0"/>
+              </a:spcAft>
+              <a:buClrTx/>
+              <a:buSzTx/>
+              <a:buFontTx/>
+              <a:buNone/>
+              <a:tabLst/>
+              <a:defRPr/>
+            </a:pPr>
+            <a:fld id="{28011FB5-E0AE-4AAE-BD24-AFDB37E499CA}" type="datetimeFigureOut">
+              <a:rPr kumimoji="0" lang="en-US" sz="1200" b="0" i="0" u="none" strike="noStrike" kern="1200" cap="none" spc="0" normalizeH="0" baseline="0" noProof="0" smtClean="0">
+                <a:ln>
+                  <a:noFill/>
+                </a:ln>
+                <a:solidFill>
+                  <a:prstClr val="black">
+                    <a:tint val="75000"/>
+                  </a:prstClr>
+                </a:solidFill>
+                <a:effectLst/>
+                <a:uLnTx/>
+                <a:uFillTx/>
+                <a:latin typeface="Calibri" panose="020F0502020204030204"/>
+                <a:ea typeface="+mn-ea"/>
+                <a:cs typeface="+mn-cs"/>
+              </a:rPr>
+              <a:pPr marL="0" marR="0" lvl="0" indent="0" algn="l" defTabSz="914400" rtl="0" eaLnBrk="1" fontAlgn="auto" latinLnBrk="0" hangingPunct="1">
+                <a:lnSpc>
+                  <a:spcPct val="100000"/>
+                </a:lnSpc>
+                <a:spcBef>
+                  <a:spcPts val="0"/>
+                </a:spcBef>
+                <a:spcAft>
+                  <a:spcPts val="0"/>
+                </a:spcAft>
+                <a:buClrTx/>
+                <a:buSzTx/>
+                <a:buFontTx/>
+                <a:buNone/>
+                <a:tabLst/>
+                <a:defRPr/>
+              </a:pPr>
+              <a:t>6/15/2022</a:t>
+            </a:fld>
+            <a:endParaRPr kumimoji="0" lang="en-US" sz="1200" b="0" i="0" u="none" strike="noStrike" kern="1200" cap="none" spc="0" normalizeH="0" baseline="0" noProof="0">
+              <a:ln>
+                <a:noFill/>
+              </a:ln>
+              <a:solidFill>
+                <a:prstClr val="black">
+                  <a:tint val="75000"/>
+                </a:prstClr>
+              </a:solidFill>
+              <a:effectLst/>
+              <a:uLnTx/>
+              <a:uFillTx/>
+              <a:latin typeface="Calibri" panose="020F0502020204030204"/>
+              <a:ea typeface="+mn-ea"/>
+              <a:cs typeface="+mn-cs"/>
+            </a:endParaRPr>
+          </a:p>
+        </p:txBody>
+      </p:sp>
+      <p:sp>
+        <p:nvSpPr>
+          <p:cNvPr id="5" name="Footer Placeholder 4">
+            <a:extLst>
+              <a:ext uri="{FF2B5EF4-FFF2-40B4-BE49-F238E27FC236}">
+                <a16:creationId xmlns:a16="http://schemas.microsoft.com/office/drawing/2014/main" id="{5E0B87F7-763B-485F-915A-C41C79AE0D2D}"/>
+              </a:ext>
+            </a:extLst>
+          </p:cNvPr>
+          <p:cNvSpPr>
+            <a:spLocks noGrp="1"/>
+          </p:cNvSpPr>
+          <p:nvPr>
+            <p:ph type="ftr" sz="quarter" idx="11"/>
+          </p:nvPr>
+        </p:nvSpPr>
+        <p:spPr/>
+        <p:txBody>
+          <a:bodyPr/>
+          <a:lstStyle/>
+          <a:p>
+            <a:pPr marL="0" marR="0" lvl="0" indent="0" algn="ctr" defTabSz="914400" rtl="0" eaLnBrk="1" fontAlgn="auto" latinLnBrk="0" hangingPunct="1">
+              <a:lnSpc>
+                <a:spcPct val="100000"/>
+              </a:lnSpc>
+              <a:spcBef>
+                <a:spcPts val="0"/>
+              </a:spcBef>
+              <a:spcAft>
+                <a:spcPts val="0"/>
+              </a:spcAft>
+              <a:buClrTx/>
+              <a:buSzTx/>
+              <a:buFontTx/>
+              <a:buNone/>
+              <a:tabLst/>
+              <a:defRPr/>
+            </a:pPr>
+            <a:endParaRPr kumimoji="0" lang="en-US" sz="1200" b="0" i="0" u="none" strike="noStrike" kern="1200" cap="none" spc="0" normalizeH="0" baseline="0" noProof="0">
+              <a:ln>
+                <a:noFill/>
+              </a:ln>
+              <a:solidFill>
+                <a:prstClr val="black">
+                  <a:tint val="75000"/>
+                </a:prstClr>
+              </a:solidFill>
+              <a:effectLst/>
+              <a:uLnTx/>
+              <a:uFillTx/>
+              <a:latin typeface="Calibri" panose="020F0502020204030204"/>
+              <a:ea typeface="+mn-ea"/>
+              <a:cs typeface="+mn-cs"/>
+            </a:endParaRPr>
+          </a:p>
+        </p:txBody>
+      </p:sp>
+      <p:sp>
+        <p:nvSpPr>
+          <p:cNvPr id="6" name="Slide Number Placeholder 5">
+            <a:extLst>
+              <a:ext uri="{FF2B5EF4-FFF2-40B4-BE49-F238E27FC236}">
+                <a16:creationId xmlns:a16="http://schemas.microsoft.com/office/drawing/2014/main" id="{BC104AF6-FB3A-4353-8E76-66C845586F64}"/>
+              </a:ext>
+            </a:extLst>
+          </p:cNvPr>
+          <p:cNvSpPr>
+            <a:spLocks noGrp="1"/>
+          </p:cNvSpPr>
+          <p:nvPr>
+            <p:ph type="sldNum" sz="quarter" idx="12"/>
+          </p:nvPr>
+        </p:nvSpPr>
+        <p:spPr/>
+        <p:txBody>
+          <a:bodyPr/>
+          <a:lstStyle/>
+          <a:p>
+            <a:pPr marL="0" marR="0" lvl="0" indent="0" algn="r" defTabSz="914400" rtl="0" eaLnBrk="1" fontAlgn="auto" latinLnBrk="0" hangingPunct="1">
+              <a:lnSpc>
+                <a:spcPct val="100000"/>
+              </a:lnSpc>
+              <a:spcBef>
+                <a:spcPts val="0"/>
+              </a:spcBef>
+              <a:spcAft>
+                <a:spcPts val="0"/>
+              </a:spcAft>
+              <a:buClrTx/>
+              <a:buSzTx/>
+              <a:buFontTx/>
+              <a:buNone/>
+              <a:tabLst/>
+              <a:defRPr/>
+            </a:pPr>
+            <a:fld id="{FD9B6D51-9EBD-47DE-829E-A5D861248231}" type="slidenum">
+              <a:rPr kumimoji="0" lang="en-US" sz="1200" b="0" i="0" u="none" strike="noStrike" kern="1200" cap="none" spc="0" normalizeH="0" baseline="0" noProof="0" smtClean="0">
+                <a:ln>
+                  <a:noFill/>
+                </a:ln>
+                <a:solidFill>
+                  <a:prstClr val="black">
+                    <a:tint val="75000"/>
+                  </a:prstClr>
+                </a:solidFill>
+                <a:effectLst/>
+                <a:uLnTx/>
+                <a:uFillTx/>
+                <a:latin typeface="Calibri" panose="020F0502020204030204"/>
+                <a:ea typeface="+mn-ea"/>
+                <a:cs typeface="+mn-cs"/>
+              </a:rPr>
+              <a:pPr marL="0" marR="0" lvl="0" indent="0" algn="r" defTabSz="914400" rtl="0" eaLnBrk="1" fontAlgn="auto" latinLnBrk="0" hangingPunct="1">
+                <a:lnSpc>
+                  <a:spcPct val="100000"/>
+                </a:lnSpc>
+                <a:spcBef>
+                  <a:spcPts val="0"/>
+                </a:spcBef>
+                <a:spcAft>
+                  <a:spcPts val="0"/>
+                </a:spcAft>
+                <a:buClrTx/>
+                <a:buSzTx/>
+                <a:buFontTx/>
+                <a:buNone/>
+                <a:tabLst/>
+                <a:defRPr/>
+              </a:pPr>
+              <a:t>‹#›</a:t>
+            </a:fld>
+            <a:endParaRPr kumimoji="0" lang="en-US" sz="1200" b="0" i="0" u="none" strike="noStrike" kern="1200" cap="none" spc="0" normalizeH="0" baseline="0" noProof="0">
+              <a:ln>
+                <a:noFill/>
+              </a:ln>
+              <a:solidFill>
+                <a:prstClr val="black">
+                  <a:tint val="75000"/>
+                </a:prstClr>
+              </a:solidFill>
+              <a:effectLst/>
+              <a:uLnTx/>
+              <a:uFillTx/>
+              <a:latin typeface="Calibri" panose="020F0502020204030204"/>
+              <a:ea typeface="+mn-ea"/>
+              <a:cs typeface="+mn-cs"/>
+            </a:endParaRPr>
+          </a:p>
+        </p:txBody>
+      </p:sp>
+    </p:spTree>
+    <p:extLst>
+      <p:ext uri="{BB962C8B-B14F-4D97-AF65-F5344CB8AC3E}">
+        <p14:creationId xmlns:p14="http://schemas.microsoft.com/office/powerpoint/2010/main" val="2991608715"/>
       </p:ext>
     </p:extLst>
   </p:cSld>
@@ -1366,7 +5907,7 @@
           <a:p>
             <a:fld id="{707F1D10-9DB8-42E7-9B0A-3A38F050FF7F}" type="datetime1">
               <a:rPr lang="ru-RU" smtClean="0"/>
-              <a:t>03.06.2022</a:t>
+              <a:t>15.06.2022</a:t>
             </a:fld>
             <a:endParaRPr lang="ru-RU"/>
           </a:p>
@@ -1598,7 +6139,7 @@
           <a:p>
             <a:fld id="{8293E785-0D7D-4372-96C3-D27AFF7225A4}" type="datetime1">
               <a:rPr lang="ru-RU" smtClean="0"/>
-              <a:t>03.06.2022</a:t>
+              <a:t>15.06.2022</a:t>
             </a:fld>
             <a:endParaRPr lang="ru-RU"/>
           </a:p>
@@ -1965,7 +6506,7 @@
           <a:p>
             <a:fld id="{06F2CF89-40CF-4D98-A4B6-0B2D8C95C9B7}" type="datetime1">
               <a:rPr lang="ru-RU" smtClean="0"/>
-              <a:t>03.06.2022</a:t>
+              <a:t>15.06.2022</a:t>
             </a:fld>
             <a:endParaRPr lang="ru-RU"/>
           </a:p>
@@ -2083,7 +6624,7 @@
           <a:p>
             <a:fld id="{15244586-F1EC-4C5A-AAFB-03F92BF6AB3A}" type="datetime1">
               <a:rPr lang="ru-RU" smtClean="0"/>
-              <a:t>03.06.2022</a:t>
+              <a:t>15.06.2022</a:t>
             </a:fld>
             <a:endParaRPr lang="ru-RU"/>
           </a:p>
@@ -2178,7 +6719,7 @@
           <a:p>
             <a:fld id="{8265B65C-A56E-4714-AF1A-06C8AB80E758}" type="datetime1">
               <a:rPr lang="ru-RU" smtClean="0"/>
-              <a:t>03.06.2022</a:t>
+              <a:t>15.06.2022</a:t>
             </a:fld>
             <a:endParaRPr lang="ru-RU"/>
           </a:p>
@@ -2455,7 +6996,7 @@
           <a:p>
             <a:fld id="{5D92F3B7-4228-475D-AB5C-A8754E5889FD}" type="datetime1">
               <a:rPr lang="ru-RU" smtClean="0"/>
-              <a:t>03.06.2022</a:t>
+              <a:t>15.06.2022</a:t>
             </a:fld>
             <a:endParaRPr lang="ru-RU"/>
           </a:p>
@@ -2708,7 +7249,7 @@
           <a:p>
             <a:fld id="{8DD6C1B8-07A7-494E-9A97-F9D0D8852310}" type="datetime1">
               <a:rPr lang="ru-RU" smtClean="0"/>
-              <a:t>03.06.2022</a:t>
+              <a:t>15.06.2022</a:t>
             </a:fld>
             <a:endParaRPr lang="ru-RU"/>
           </a:p>
@@ -2921,7 +7462,7 @@
           <a:p>
             <a:fld id="{8CFF1362-EEBE-4AC1-B1D6-38AE4A2B4827}" type="datetime1">
               <a:rPr lang="ru-RU" smtClean="0"/>
-              <a:t>03.06.2022</a:t>
+              <a:t>15.06.2022</a:t>
             </a:fld>
             <a:endParaRPr lang="ru-RU"/>
           </a:p>
@@ -3310,6 +7851,734 @@
 </p:sldMaster>
 </file>
 
+<file path=ppt/slideMasters/slideMaster2.xml><?xml version="1.0" encoding="utf-8"?>
+<p:sldMaster xmlns:a="http://schemas.openxmlformats.org/drawingml/2006/main" xmlns:r="http://schemas.openxmlformats.org/officeDocument/2006/relationships" xmlns:p="http://schemas.openxmlformats.org/presentationml/2006/main">
+  <p:cSld>
+    <p:bg>
+      <p:bgRef idx="1001">
+        <a:schemeClr val="bg1"/>
+      </p:bgRef>
+    </p:bg>
+    <p:spTree>
+      <p:nvGrpSpPr>
+        <p:cNvPr id="1" name=""/>
+        <p:cNvGrpSpPr/>
+        <p:nvPr/>
+      </p:nvGrpSpPr>
+      <p:grpSpPr>
+        <a:xfrm>
+          <a:off x="0" y="0"/>
+          <a:ext cx="0" cy="0"/>
+          <a:chOff x="0" y="0"/>
+          <a:chExt cx="0" cy="0"/>
+        </a:xfrm>
+      </p:grpSpPr>
+      <p:sp>
+        <p:nvSpPr>
+          <p:cNvPr id="2" name="Title Placeholder 1">
+            <a:extLst>
+              <a:ext uri="{FF2B5EF4-FFF2-40B4-BE49-F238E27FC236}">
+                <a16:creationId xmlns:a16="http://schemas.microsoft.com/office/drawing/2014/main" id="{43F5D9FC-8185-4B57-824B-302CF7AD4CF6}"/>
+              </a:ext>
+            </a:extLst>
+          </p:cNvPr>
+          <p:cNvSpPr>
+            <a:spLocks noGrp="1"/>
+          </p:cNvSpPr>
+          <p:nvPr>
+            <p:ph type="title"/>
+          </p:nvPr>
+        </p:nvSpPr>
+        <p:spPr>
+          <a:xfrm>
+            <a:off x="838200" y="365125"/>
+            <a:ext cx="10515600" cy="1325563"/>
+          </a:xfrm>
+          <a:prstGeom prst="rect">
+            <a:avLst/>
+          </a:prstGeom>
+        </p:spPr>
+        <p:txBody>
+          <a:bodyPr vert="horz" lIns="91440" tIns="45720" rIns="91440" bIns="45720" rtlCol="0" anchor="ctr">
+            <a:normAutofit/>
+          </a:bodyPr>
+          <a:lstStyle/>
+          <a:p>
+            <a:r>
+              <a:rPr lang="en-US"/>
+              <a:t>Click to edit Master title style</a:t>
+            </a:r>
+          </a:p>
+        </p:txBody>
+      </p:sp>
+      <p:sp>
+        <p:nvSpPr>
+          <p:cNvPr id="3" name="Text Placeholder 2">
+            <a:extLst>
+              <a:ext uri="{FF2B5EF4-FFF2-40B4-BE49-F238E27FC236}">
+                <a16:creationId xmlns:a16="http://schemas.microsoft.com/office/drawing/2014/main" id="{D1D32806-9A39-45E5-8A91-092B4885A0A4}"/>
+              </a:ext>
+            </a:extLst>
+          </p:cNvPr>
+          <p:cNvSpPr>
+            <a:spLocks noGrp="1"/>
+          </p:cNvSpPr>
+          <p:nvPr>
+            <p:ph type="body" idx="1"/>
+          </p:nvPr>
+        </p:nvSpPr>
+        <p:spPr>
+          <a:xfrm>
+            <a:off x="838200" y="1825625"/>
+            <a:ext cx="10515600" cy="4351338"/>
+          </a:xfrm>
+          <a:prstGeom prst="rect">
+            <a:avLst/>
+          </a:prstGeom>
+        </p:spPr>
+        <p:txBody>
+          <a:bodyPr vert="horz" lIns="91440" tIns="45720" rIns="91440" bIns="45720" rtlCol="0">
+            <a:normAutofit/>
+          </a:bodyPr>
+          <a:lstStyle/>
+          <a:p>
+            <a:pPr lvl="0"/>
+            <a:r>
+              <a:rPr lang="en-US"/>
+              <a:t>Click to edit Master text styles</a:t>
+            </a:r>
+          </a:p>
+          <a:p>
+            <a:pPr lvl="1"/>
+            <a:r>
+              <a:rPr lang="en-US"/>
+              <a:t>Second level</a:t>
+            </a:r>
+          </a:p>
+          <a:p>
+            <a:pPr lvl="2"/>
+            <a:r>
+              <a:rPr lang="en-US"/>
+              <a:t>Third level</a:t>
+            </a:r>
+          </a:p>
+          <a:p>
+            <a:pPr lvl="3"/>
+            <a:r>
+              <a:rPr lang="en-US"/>
+              <a:t>Fourth level</a:t>
+            </a:r>
+          </a:p>
+          <a:p>
+            <a:pPr lvl="4"/>
+            <a:r>
+              <a:rPr lang="en-US"/>
+              <a:t>Fifth level</a:t>
+            </a:r>
+          </a:p>
+        </p:txBody>
+      </p:sp>
+      <p:sp>
+        <p:nvSpPr>
+          <p:cNvPr id="4" name="Date Placeholder 3">
+            <a:extLst>
+              <a:ext uri="{FF2B5EF4-FFF2-40B4-BE49-F238E27FC236}">
+                <a16:creationId xmlns:a16="http://schemas.microsoft.com/office/drawing/2014/main" id="{734B0819-9294-492D-9D0E-1A4ADD07F4BC}"/>
+              </a:ext>
+            </a:extLst>
+          </p:cNvPr>
+          <p:cNvSpPr>
+            <a:spLocks noGrp="1"/>
+          </p:cNvSpPr>
+          <p:nvPr>
+            <p:ph type="dt" sz="half" idx="2"/>
+          </p:nvPr>
+        </p:nvSpPr>
+        <p:spPr>
+          <a:xfrm>
+            <a:off x="838200" y="6356350"/>
+            <a:ext cx="2743200" cy="365125"/>
+          </a:xfrm>
+          <a:prstGeom prst="rect">
+            <a:avLst/>
+          </a:prstGeom>
+        </p:spPr>
+        <p:txBody>
+          <a:bodyPr vert="horz" lIns="91440" tIns="45720" rIns="91440" bIns="45720" rtlCol="0" anchor="ctr"/>
+          <a:lstStyle>
+            <a:lvl1pPr algn="l">
+              <a:defRPr sz="1200">
+                <a:solidFill>
+                  <a:schemeClr val="tx1">
+                    <a:tint val="75000"/>
+                  </a:schemeClr>
+                </a:solidFill>
+              </a:defRPr>
+            </a:lvl1pPr>
+          </a:lstStyle>
+          <a:p>
+            <a:pPr marL="0" marR="0" lvl="0" indent="0" algn="l" defTabSz="914400" rtl="0" eaLnBrk="1" fontAlgn="auto" latinLnBrk="0" hangingPunct="1">
+              <a:lnSpc>
+                <a:spcPct val="100000"/>
+              </a:lnSpc>
+              <a:spcBef>
+                <a:spcPts val="0"/>
+              </a:spcBef>
+              <a:spcAft>
+                <a:spcPts val="0"/>
+              </a:spcAft>
+              <a:buClrTx/>
+              <a:buSzTx/>
+              <a:buFontTx/>
+              <a:buNone/>
+              <a:tabLst/>
+              <a:defRPr/>
+            </a:pPr>
+            <a:fld id="{28011FB5-E0AE-4AAE-BD24-AFDB37E499CA}" type="datetimeFigureOut">
+              <a:rPr kumimoji="0" lang="en-US" sz="1200" b="0" i="0" u="none" strike="noStrike" kern="1200" cap="none" spc="0" normalizeH="0" baseline="0" noProof="0" smtClean="0">
+                <a:ln>
+                  <a:noFill/>
+                </a:ln>
+                <a:solidFill>
+                  <a:prstClr val="black">
+                    <a:tint val="75000"/>
+                  </a:prstClr>
+                </a:solidFill>
+                <a:effectLst/>
+                <a:uLnTx/>
+                <a:uFillTx/>
+                <a:latin typeface="Calibri" panose="020F0502020204030204"/>
+                <a:ea typeface="+mn-ea"/>
+                <a:cs typeface="+mn-cs"/>
+              </a:rPr>
+              <a:pPr marL="0" marR="0" lvl="0" indent="0" algn="l" defTabSz="914400" rtl="0" eaLnBrk="1" fontAlgn="auto" latinLnBrk="0" hangingPunct="1">
+                <a:lnSpc>
+                  <a:spcPct val="100000"/>
+                </a:lnSpc>
+                <a:spcBef>
+                  <a:spcPts val="0"/>
+                </a:spcBef>
+                <a:spcAft>
+                  <a:spcPts val="0"/>
+                </a:spcAft>
+                <a:buClrTx/>
+                <a:buSzTx/>
+                <a:buFontTx/>
+                <a:buNone/>
+                <a:tabLst/>
+                <a:defRPr/>
+              </a:pPr>
+              <a:t>6/15/2022</a:t>
+            </a:fld>
+            <a:endParaRPr kumimoji="0" lang="en-US" sz="1200" b="0" i="0" u="none" strike="noStrike" kern="1200" cap="none" spc="0" normalizeH="0" baseline="0" noProof="0">
+              <a:ln>
+                <a:noFill/>
+              </a:ln>
+              <a:solidFill>
+                <a:prstClr val="black">
+                  <a:tint val="75000"/>
+                </a:prstClr>
+              </a:solidFill>
+              <a:effectLst/>
+              <a:uLnTx/>
+              <a:uFillTx/>
+              <a:latin typeface="Calibri" panose="020F0502020204030204"/>
+              <a:ea typeface="+mn-ea"/>
+              <a:cs typeface="+mn-cs"/>
+            </a:endParaRPr>
+          </a:p>
+        </p:txBody>
+      </p:sp>
+      <p:sp>
+        <p:nvSpPr>
+          <p:cNvPr id="5" name="Footer Placeholder 4">
+            <a:extLst>
+              <a:ext uri="{FF2B5EF4-FFF2-40B4-BE49-F238E27FC236}">
+                <a16:creationId xmlns:a16="http://schemas.microsoft.com/office/drawing/2014/main" id="{8DEACA28-A459-41C1-8931-F29E7F058CF5}"/>
+              </a:ext>
+            </a:extLst>
+          </p:cNvPr>
+          <p:cNvSpPr>
+            <a:spLocks noGrp="1"/>
+          </p:cNvSpPr>
+          <p:nvPr>
+            <p:ph type="ftr" sz="quarter" idx="3"/>
+          </p:nvPr>
+        </p:nvSpPr>
+        <p:spPr>
+          <a:xfrm>
+            <a:off x="4038600" y="6356350"/>
+            <a:ext cx="4114800" cy="365125"/>
+          </a:xfrm>
+          <a:prstGeom prst="rect">
+            <a:avLst/>
+          </a:prstGeom>
+        </p:spPr>
+        <p:txBody>
+          <a:bodyPr vert="horz" lIns="91440" tIns="45720" rIns="91440" bIns="45720" rtlCol="0" anchor="ctr"/>
+          <a:lstStyle>
+            <a:lvl1pPr algn="ctr">
+              <a:defRPr sz="1200">
+                <a:solidFill>
+                  <a:schemeClr val="tx1">
+                    <a:tint val="75000"/>
+                  </a:schemeClr>
+                </a:solidFill>
+              </a:defRPr>
+            </a:lvl1pPr>
+          </a:lstStyle>
+          <a:p>
+            <a:pPr marL="0" marR="0" lvl="0" indent="0" algn="ctr" defTabSz="914400" rtl="0" eaLnBrk="1" fontAlgn="auto" latinLnBrk="0" hangingPunct="1">
+              <a:lnSpc>
+                <a:spcPct val="100000"/>
+              </a:lnSpc>
+              <a:spcBef>
+                <a:spcPts val="0"/>
+              </a:spcBef>
+              <a:spcAft>
+                <a:spcPts val="0"/>
+              </a:spcAft>
+              <a:buClrTx/>
+              <a:buSzTx/>
+              <a:buFontTx/>
+              <a:buNone/>
+              <a:tabLst/>
+              <a:defRPr/>
+            </a:pPr>
+            <a:endParaRPr kumimoji="0" lang="en-US" sz="1200" b="0" i="0" u="none" strike="noStrike" kern="1200" cap="none" spc="0" normalizeH="0" baseline="0" noProof="0">
+              <a:ln>
+                <a:noFill/>
+              </a:ln>
+              <a:solidFill>
+                <a:prstClr val="black">
+                  <a:tint val="75000"/>
+                </a:prstClr>
+              </a:solidFill>
+              <a:effectLst/>
+              <a:uLnTx/>
+              <a:uFillTx/>
+              <a:latin typeface="Calibri" panose="020F0502020204030204"/>
+              <a:ea typeface="+mn-ea"/>
+              <a:cs typeface="+mn-cs"/>
+            </a:endParaRPr>
+          </a:p>
+        </p:txBody>
+      </p:sp>
+      <p:sp>
+        <p:nvSpPr>
+          <p:cNvPr id="6" name="Slide Number Placeholder 5">
+            <a:extLst>
+              <a:ext uri="{FF2B5EF4-FFF2-40B4-BE49-F238E27FC236}">
+                <a16:creationId xmlns:a16="http://schemas.microsoft.com/office/drawing/2014/main" id="{156EE270-769E-4270-87DB-B307073BF180}"/>
+              </a:ext>
+            </a:extLst>
+          </p:cNvPr>
+          <p:cNvSpPr>
+            <a:spLocks noGrp="1"/>
+          </p:cNvSpPr>
+          <p:nvPr>
+            <p:ph type="sldNum" sz="quarter" idx="4"/>
+          </p:nvPr>
+        </p:nvSpPr>
+        <p:spPr>
+          <a:xfrm>
+            <a:off x="8610600" y="6356350"/>
+            <a:ext cx="2743200" cy="365125"/>
+          </a:xfrm>
+          <a:prstGeom prst="rect">
+            <a:avLst/>
+          </a:prstGeom>
+        </p:spPr>
+        <p:txBody>
+          <a:bodyPr vert="horz" lIns="91440" tIns="45720" rIns="91440" bIns="45720" rtlCol="0" anchor="ctr"/>
+          <a:lstStyle>
+            <a:lvl1pPr algn="r">
+              <a:defRPr sz="1200">
+                <a:solidFill>
+                  <a:schemeClr val="tx1">
+                    <a:tint val="75000"/>
+                  </a:schemeClr>
+                </a:solidFill>
+              </a:defRPr>
+            </a:lvl1pPr>
+          </a:lstStyle>
+          <a:p>
+            <a:pPr marL="0" marR="0" lvl="0" indent="0" algn="r" defTabSz="914400" rtl="0" eaLnBrk="1" fontAlgn="auto" latinLnBrk="0" hangingPunct="1">
+              <a:lnSpc>
+                <a:spcPct val="100000"/>
+              </a:lnSpc>
+              <a:spcBef>
+                <a:spcPts val="0"/>
+              </a:spcBef>
+              <a:spcAft>
+                <a:spcPts val="0"/>
+              </a:spcAft>
+              <a:buClrTx/>
+              <a:buSzTx/>
+              <a:buFontTx/>
+              <a:buNone/>
+              <a:tabLst/>
+              <a:defRPr/>
+            </a:pPr>
+            <a:fld id="{FD9B6D51-9EBD-47DE-829E-A5D861248231}" type="slidenum">
+              <a:rPr kumimoji="0" lang="en-US" sz="1200" b="0" i="0" u="none" strike="noStrike" kern="1200" cap="none" spc="0" normalizeH="0" baseline="0" noProof="0" smtClean="0">
+                <a:ln>
+                  <a:noFill/>
+                </a:ln>
+                <a:solidFill>
+                  <a:prstClr val="black">
+                    <a:tint val="75000"/>
+                  </a:prstClr>
+                </a:solidFill>
+                <a:effectLst/>
+                <a:uLnTx/>
+                <a:uFillTx/>
+                <a:latin typeface="Calibri" panose="020F0502020204030204"/>
+                <a:ea typeface="+mn-ea"/>
+                <a:cs typeface="+mn-cs"/>
+              </a:rPr>
+              <a:pPr marL="0" marR="0" lvl="0" indent="0" algn="r" defTabSz="914400" rtl="0" eaLnBrk="1" fontAlgn="auto" latinLnBrk="0" hangingPunct="1">
+                <a:lnSpc>
+                  <a:spcPct val="100000"/>
+                </a:lnSpc>
+                <a:spcBef>
+                  <a:spcPts val="0"/>
+                </a:spcBef>
+                <a:spcAft>
+                  <a:spcPts val="0"/>
+                </a:spcAft>
+                <a:buClrTx/>
+                <a:buSzTx/>
+                <a:buFontTx/>
+                <a:buNone/>
+                <a:tabLst/>
+                <a:defRPr/>
+              </a:pPr>
+              <a:t>‹#›</a:t>
+            </a:fld>
+            <a:endParaRPr kumimoji="0" lang="en-US" sz="1200" b="0" i="0" u="none" strike="noStrike" kern="1200" cap="none" spc="0" normalizeH="0" baseline="0" noProof="0">
+              <a:ln>
+                <a:noFill/>
+              </a:ln>
+              <a:solidFill>
+                <a:prstClr val="black">
+                  <a:tint val="75000"/>
+                </a:prstClr>
+              </a:solidFill>
+              <a:effectLst/>
+              <a:uLnTx/>
+              <a:uFillTx/>
+              <a:latin typeface="Calibri" panose="020F0502020204030204"/>
+              <a:ea typeface="+mn-ea"/>
+              <a:cs typeface="+mn-cs"/>
+            </a:endParaRPr>
+          </a:p>
+        </p:txBody>
+      </p:sp>
+    </p:spTree>
+    <p:extLst>
+      <p:ext uri="{BB962C8B-B14F-4D97-AF65-F5344CB8AC3E}">
+        <p14:creationId xmlns:p14="http://schemas.microsoft.com/office/powerpoint/2010/main" val="848754027"/>
+      </p:ext>
+    </p:extLst>
+  </p:cSld>
+  <p:clrMap bg1="lt1" tx1="dk1" bg2="lt2" tx2="dk2" accent1="accent1" accent2="accent2" accent3="accent3" accent4="accent4" accent5="accent5" accent6="accent6" hlink="hlink" folHlink="folHlink"/>
+  <p:sldLayoutIdLst>
+    <p:sldLayoutId id="2147483661" r:id="rId1"/>
+    <p:sldLayoutId id="2147483662" r:id="rId2"/>
+    <p:sldLayoutId id="2147483663" r:id="rId3"/>
+    <p:sldLayoutId id="2147483664" r:id="rId4"/>
+    <p:sldLayoutId id="2147483665" r:id="rId5"/>
+    <p:sldLayoutId id="2147483666" r:id="rId6"/>
+    <p:sldLayoutId id="2147483667" r:id="rId7"/>
+    <p:sldLayoutId id="2147483668" r:id="rId8"/>
+    <p:sldLayoutId id="2147483669" r:id="rId9"/>
+    <p:sldLayoutId id="2147483670" r:id="rId10"/>
+    <p:sldLayoutId id="2147483671" r:id="rId11"/>
+  </p:sldLayoutIdLst>
+  <p:txStyles>
+    <p:titleStyle>
+      <a:lvl1pPr algn="l" defTabSz="914400" rtl="0" eaLnBrk="1" latinLnBrk="0" hangingPunct="1">
+        <a:lnSpc>
+          <a:spcPct val="90000"/>
+        </a:lnSpc>
+        <a:spcBef>
+          <a:spcPct val="0"/>
+        </a:spcBef>
+        <a:buNone/>
+        <a:defRPr sz="4400" kern="1200">
+          <a:solidFill>
+            <a:schemeClr val="tx1"/>
+          </a:solidFill>
+          <a:latin typeface="+mj-lt"/>
+          <a:ea typeface="+mj-ea"/>
+          <a:cs typeface="+mj-cs"/>
+        </a:defRPr>
+      </a:lvl1pPr>
+    </p:titleStyle>
+    <p:bodyStyle>
+      <a:lvl1pPr marL="228600" indent="-228600" algn="l" defTabSz="914400" rtl="0" eaLnBrk="1" latinLnBrk="0" hangingPunct="1">
+        <a:lnSpc>
+          <a:spcPct val="90000"/>
+        </a:lnSpc>
+        <a:spcBef>
+          <a:spcPts val="1000"/>
+        </a:spcBef>
+        <a:buFont typeface="Arial" panose="020B0604020202020204" pitchFamily="34" charset="0"/>
+        <a:buChar char="•"/>
+        <a:defRPr sz="2800" kern="1200">
+          <a:solidFill>
+            <a:schemeClr val="tx1"/>
+          </a:solidFill>
+          <a:latin typeface="+mn-lt"/>
+          <a:ea typeface="+mn-ea"/>
+          <a:cs typeface="+mn-cs"/>
+        </a:defRPr>
+      </a:lvl1pPr>
+      <a:lvl2pPr marL="685800" indent="-228600" algn="l" defTabSz="914400" rtl="0" eaLnBrk="1" latinLnBrk="0" hangingPunct="1">
+        <a:lnSpc>
+          <a:spcPct val="90000"/>
+        </a:lnSpc>
+        <a:spcBef>
+          <a:spcPts val="500"/>
+        </a:spcBef>
+        <a:buFont typeface="Arial" panose="020B0604020202020204" pitchFamily="34" charset="0"/>
+        <a:buChar char="•"/>
+        <a:defRPr sz="2400" kern="1200">
+          <a:solidFill>
+            <a:schemeClr val="tx1"/>
+          </a:solidFill>
+          <a:latin typeface="+mn-lt"/>
+          <a:ea typeface="+mn-ea"/>
+          <a:cs typeface="+mn-cs"/>
+        </a:defRPr>
+      </a:lvl2pPr>
+      <a:lvl3pPr marL="1143000" indent="-228600" algn="l" defTabSz="914400" rtl="0" eaLnBrk="1" latinLnBrk="0" hangingPunct="1">
+        <a:lnSpc>
+          <a:spcPct val="90000"/>
+        </a:lnSpc>
+        <a:spcBef>
+          <a:spcPts val="500"/>
+        </a:spcBef>
+        <a:buFont typeface="Arial" panose="020B0604020202020204" pitchFamily="34" charset="0"/>
+        <a:buChar char="•"/>
+        <a:defRPr sz="2000" kern="1200">
+          <a:solidFill>
+            <a:schemeClr val="tx1"/>
+          </a:solidFill>
+          <a:latin typeface="+mn-lt"/>
+          <a:ea typeface="+mn-ea"/>
+          <a:cs typeface="+mn-cs"/>
+        </a:defRPr>
+      </a:lvl3pPr>
+      <a:lvl4pPr marL="1600200" indent="-228600" algn="l" defTabSz="914400" rtl="0" eaLnBrk="1" latinLnBrk="0" hangingPunct="1">
+        <a:lnSpc>
+          <a:spcPct val="90000"/>
+        </a:lnSpc>
+        <a:spcBef>
+          <a:spcPts val="500"/>
+        </a:spcBef>
+        <a:buFont typeface="Arial" panose="020B0604020202020204" pitchFamily="34" charset="0"/>
+        <a:buChar char="•"/>
+        <a:defRPr sz="1800" kern="1200">
+          <a:solidFill>
+            <a:schemeClr val="tx1"/>
+          </a:solidFill>
+          <a:latin typeface="+mn-lt"/>
+          <a:ea typeface="+mn-ea"/>
+          <a:cs typeface="+mn-cs"/>
+        </a:defRPr>
+      </a:lvl4pPr>
+      <a:lvl5pPr marL="2057400" indent="-228600" algn="l" defTabSz="914400" rtl="0" eaLnBrk="1" latinLnBrk="0" hangingPunct="1">
+        <a:lnSpc>
+          <a:spcPct val="90000"/>
+        </a:lnSpc>
+        <a:spcBef>
+          <a:spcPts val="500"/>
+        </a:spcBef>
+        <a:buFont typeface="Arial" panose="020B0604020202020204" pitchFamily="34" charset="0"/>
+        <a:buChar char="•"/>
+        <a:defRPr sz="1800" kern="1200">
+          <a:solidFill>
+            <a:schemeClr val="tx1"/>
+          </a:solidFill>
+          <a:latin typeface="+mn-lt"/>
+          <a:ea typeface="+mn-ea"/>
+          <a:cs typeface="+mn-cs"/>
+        </a:defRPr>
+      </a:lvl5pPr>
+      <a:lvl6pPr marL="2514600" indent="-228600" algn="l" defTabSz="914400" rtl="0" eaLnBrk="1" latinLnBrk="0" hangingPunct="1">
+        <a:lnSpc>
+          <a:spcPct val="90000"/>
+        </a:lnSpc>
+        <a:spcBef>
+          <a:spcPts val="500"/>
+        </a:spcBef>
+        <a:buFont typeface="Arial" panose="020B0604020202020204" pitchFamily="34" charset="0"/>
+        <a:buChar char="•"/>
+        <a:defRPr sz="1800" kern="1200">
+          <a:solidFill>
+            <a:schemeClr val="tx1"/>
+          </a:solidFill>
+          <a:latin typeface="+mn-lt"/>
+          <a:ea typeface="+mn-ea"/>
+          <a:cs typeface="+mn-cs"/>
+        </a:defRPr>
+      </a:lvl6pPr>
+      <a:lvl7pPr marL="2971800" indent="-228600" algn="l" defTabSz="914400" rtl="0" eaLnBrk="1" latinLnBrk="0" hangingPunct="1">
+        <a:lnSpc>
+          <a:spcPct val="90000"/>
+        </a:lnSpc>
+        <a:spcBef>
+          <a:spcPts val="500"/>
+        </a:spcBef>
+        <a:buFont typeface="Arial" panose="020B0604020202020204" pitchFamily="34" charset="0"/>
+        <a:buChar char="•"/>
+        <a:defRPr sz="1800" kern="1200">
+          <a:solidFill>
+            <a:schemeClr val="tx1"/>
+          </a:solidFill>
+          <a:latin typeface="+mn-lt"/>
+          <a:ea typeface="+mn-ea"/>
+          <a:cs typeface="+mn-cs"/>
+        </a:defRPr>
+      </a:lvl7pPr>
+      <a:lvl8pPr marL="3429000" indent="-228600" algn="l" defTabSz="914400" rtl="0" eaLnBrk="1" latinLnBrk="0" hangingPunct="1">
+        <a:lnSpc>
+          <a:spcPct val="90000"/>
+        </a:lnSpc>
+        <a:spcBef>
+          <a:spcPts val="500"/>
+        </a:spcBef>
+        <a:buFont typeface="Arial" panose="020B0604020202020204" pitchFamily="34" charset="0"/>
+        <a:buChar char="•"/>
+        <a:defRPr sz="1800" kern="1200">
+          <a:solidFill>
+            <a:schemeClr val="tx1"/>
+          </a:solidFill>
+          <a:latin typeface="+mn-lt"/>
+          <a:ea typeface="+mn-ea"/>
+          <a:cs typeface="+mn-cs"/>
+        </a:defRPr>
+      </a:lvl8pPr>
+      <a:lvl9pPr marL="3886200" indent="-228600" algn="l" defTabSz="914400" rtl="0" eaLnBrk="1" latinLnBrk="0" hangingPunct="1">
+        <a:lnSpc>
+          <a:spcPct val="90000"/>
+        </a:lnSpc>
+        <a:spcBef>
+          <a:spcPts val="500"/>
+        </a:spcBef>
+        <a:buFont typeface="Arial" panose="020B0604020202020204" pitchFamily="34" charset="0"/>
+        <a:buChar char="•"/>
+        <a:defRPr sz="1800" kern="1200">
+          <a:solidFill>
+            <a:schemeClr val="tx1"/>
+          </a:solidFill>
+          <a:latin typeface="+mn-lt"/>
+          <a:ea typeface="+mn-ea"/>
+          <a:cs typeface="+mn-cs"/>
+        </a:defRPr>
+      </a:lvl9pPr>
+    </p:bodyStyle>
+    <p:otherStyle>
+      <a:defPPr>
+        <a:defRPr lang="en-US"/>
+      </a:defPPr>
+      <a:lvl1pPr marL="0" algn="l" defTabSz="914400" rtl="0" eaLnBrk="1" latinLnBrk="0" hangingPunct="1">
+        <a:defRPr sz="1800" kern="1200">
+          <a:solidFill>
+            <a:schemeClr val="tx1"/>
+          </a:solidFill>
+          <a:latin typeface="+mn-lt"/>
+          <a:ea typeface="+mn-ea"/>
+          <a:cs typeface="+mn-cs"/>
+        </a:defRPr>
+      </a:lvl1pPr>
+      <a:lvl2pPr marL="457200" algn="l" defTabSz="914400" rtl="0" eaLnBrk="1" latinLnBrk="0" hangingPunct="1">
+        <a:defRPr sz="1800" kern="1200">
+          <a:solidFill>
+            <a:schemeClr val="tx1"/>
+          </a:solidFill>
+          <a:latin typeface="+mn-lt"/>
+          <a:ea typeface="+mn-ea"/>
+          <a:cs typeface="+mn-cs"/>
+        </a:defRPr>
+      </a:lvl2pPr>
+      <a:lvl3pPr marL="914400" algn="l" defTabSz="914400" rtl="0" eaLnBrk="1" latinLnBrk="0" hangingPunct="1">
+        <a:defRPr sz="1800" kern="1200">
+          <a:solidFill>
+            <a:schemeClr val="tx1"/>
+          </a:solidFill>
+          <a:latin typeface="+mn-lt"/>
+          <a:ea typeface="+mn-ea"/>
+          <a:cs typeface="+mn-cs"/>
+        </a:defRPr>
+      </a:lvl3pPr>
+      <a:lvl4pPr marL="1371600" algn="l" defTabSz="914400" rtl="0" eaLnBrk="1" latinLnBrk="0" hangingPunct="1">
+        <a:defRPr sz="1800" kern="1200">
+          <a:solidFill>
+            <a:schemeClr val="tx1"/>
+          </a:solidFill>
+          <a:latin typeface="+mn-lt"/>
+          <a:ea typeface="+mn-ea"/>
+          <a:cs typeface="+mn-cs"/>
+        </a:defRPr>
+      </a:lvl4pPr>
+      <a:lvl5pPr marL="1828800" algn="l" defTabSz="914400" rtl="0" eaLnBrk="1" latinLnBrk="0" hangingPunct="1">
+        <a:defRPr sz="1800" kern="1200">
+          <a:solidFill>
+            <a:schemeClr val="tx1"/>
+          </a:solidFill>
+          <a:latin typeface="+mn-lt"/>
+          <a:ea typeface="+mn-ea"/>
+          <a:cs typeface="+mn-cs"/>
+        </a:defRPr>
+      </a:lvl5pPr>
+      <a:lvl6pPr marL="2286000" algn="l" defTabSz="914400" rtl="0" eaLnBrk="1" latinLnBrk="0" hangingPunct="1">
+        <a:defRPr sz="1800" kern="1200">
+          <a:solidFill>
+            <a:schemeClr val="tx1"/>
+          </a:solidFill>
+          <a:latin typeface="+mn-lt"/>
+          <a:ea typeface="+mn-ea"/>
+          <a:cs typeface="+mn-cs"/>
+        </a:defRPr>
+      </a:lvl6pPr>
+      <a:lvl7pPr marL="2743200" algn="l" defTabSz="914400" rtl="0" eaLnBrk="1" latinLnBrk="0" hangingPunct="1">
+        <a:defRPr sz="1800" kern="1200">
+          <a:solidFill>
+            <a:schemeClr val="tx1"/>
+          </a:solidFill>
+          <a:latin typeface="+mn-lt"/>
+          <a:ea typeface="+mn-ea"/>
+          <a:cs typeface="+mn-cs"/>
+        </a:defRPr>
+      </a:lvl7pPr>
+      <a:lvl8pPr marL="3200400" algn="l" defTabSz="914400" rtl="0" eaLnBrk="1" latinLnBrk="0" hangingPunct="1">
+        <a:defRPr sz="1800" kern="1200">
+          <a:solidFill>
+            <a:schemeClr val="tx1"/>
+          </a:solidFill>
+          <a:latin typeface="+mn-lt"/>
+          <a:ea typeface="+mn-ea"/>
+          <a:cs typeface="+mn-cs"/>
+        </a:defRPr>
+      </a:lvl8pPr>
+      <a:lvl9pPr marL="3657600" algn="l" defTabSz="914400" rtl="0" eaLnBrk="1" latinLnBrk="0" hangingPunct="1">
+        <a:defRPr sz="1800" kern="1200">
+          <a:solidFill>
+            <a:schemeClr val="tx1"/>
+          </a:solidFill>
+          <a:latin typeface="+mn-lt"/>
+          <a:ea typeface="+mn-ea"/>
+          <a:cs typeface="+mn-cs"/>
+        </a:defRPr>
+      </a:lvl9pPr>
+    </p:otherStyle>
+  </p:txStyles>
+</p:sldMaster>
+</file>
+
 <file path=ppt/slides/slide1.xml><?xml version="1.0" encoding="utf-8"?>
 <p:sld xmlns:a="http://schemas.openxmlformats.org/drawingml/2006/main" xmlns:r="http://schemas.openxmlformats.org/officeDocument/2006/relationships" xmlns:p="http://schemas.openxmlformats.org/presentationml/2006/main">
   <p:cSld>
@@ -3329,7 +8598,13 @@
       </p:grpSpPr>
       <p:sp>
         <p:nvSpPr>
-          <p:cNvPr id="2" name="Заголовок 1"/>
+          <p:cNvPr id="2" name="Title 1">
+            <a:extLst>
+              <a:ext uri="{FF2B5EF4-FFF2-40B4-BE49-F238E27FC236}">
+                <a16:creationId xmlns:a16="http://schemas.microsoft.com/office/drawing/2014/main" id="{4B4D9805-F021-4B4F-A11D-4B0A81CD598C}"/>
+              </a:ext>
+            </a:extLst>
+          </p:cNvPr>
           <p:cNvSpPr>
             <a:spLocks noGrp="1"/>
           </p:cNvSpPr>
@@ -3337,83 +8612,918 @@
             <p:ph type="ctrTitle"/>
           </p:nvPr>
         </p:nvSpPr>
-        <p:spPr/>
+        <p:spPr>
+          <a:xfrm>
+            <a:off x="1524000" y="104268"/>
+            <a:ext cx="9144000" cy="2387600"/>
+          </a:xfrm>
+        </p:spPr>
         <p:txBody>
           <a:bodyPr>
             <a:normAutofit fontScale="90000"/>
           </a:bodyPr>
           <a:lstStyle/>
           <a:p>
-            <a:r>
-              <a:rPr lang="ru-RU" dirty="0" smtClean="0"/>
-              <a:t>Адаптация Операционной системы </a:t>
-            </a:r>
-            <a:r>
-              <a:rPr lang="en-US" dirty="0" err="1" smtClean="0"/>
+            <a:pPr>
+              <a:lnSpc>
+                <a:spcPct val="100000"/>
+              </a:lnSpc>
+            </a:pPr>
+            <a:r>
+              <a:rPr lang="ru-RU" sz="1800" dirty="0">
+                <a:latin typeface="+mn-lt"/>
+                <a:cs typeface="Times New Roman" panose="02020603050405020304" pitchFamily="18" charset="0"/>
+              </a:rPr>
+              <a:t>Федеральное государственное автономное образовательное учреждение </a:t>
+            </a:r>
+            <a:r>
+              <a:rPr lang="en-US" sz="1800" dirty="0">
+                <a:latin typeface="+mn-lt"/>
+                <a:cs typeface="Times New Roman" panose="02020603050405020304" pitchFamily="18" charset="0"/>
+              </a:rPr>
+              <a:t/>
+            </a:r>
+            <a:br>
+              <a:rPr lang="en-US" sz="1800" dirty="0">
+                <a:latin typeface="+mn-lt"/>
+                <a:cs typeface="Times New Roman" panose="02020603050405020304" pitchFamily="18" charset="0"/>
+              </a:rPr>
+            </a:br>
+            <a:r>
+              <a:rPr lang="ru-RU" sz="1800" dirty="0">
+                <a:latin typeface="+mn-lt"/>
+                <a:cs typeface="Times New Roman" panose="02020603050405020304" pitchFamily="18" charset="0"/>
+              </a:rPr>
+              <a:t>высшего образования</a:t>
+            </a:r>
+            <a:r>
+              <a:rPr lang="en-US" sz="1800" dirty="0">
+                <a:latin typeface="+mn-lt"/>
+                <a:cs typeface="Times New Roman" panose="02020603050405020304" pitchFamily="18" charset="0"/>
+              </a:rPr>
+              <a:t/>
+            </a:r>
+            <a:br>
+              <a:rPr lang="en-US" sz="1800" dirty="0">
+                <a:latin typeface="+mn-lt"/>
+                <a:cs typeface="Times New Roman" panose="02020603050405020304" pitchFamily="18" charset="0"/>
+              </a:rPr>
+            </a:br>
+            <a:r>
+              <a:rPr lang="ru-RU" sz="1800" dirty="0">
+                <a:latin typeface="+mn-lt"/>
+                <a:cs typeface="Times New Roman" panose="02020603050405020304" pitchFamily="18" charset="0"/>
+              </a:rPr>
+              <a:t>«Московский физико-технический институт (государственный университет)»</a:t>
+            </a:r>
+            <a:r>
+              <a:rPr lang="en-US" sz="1800" dirty="0">
+                <a:latin typeface="+mn-lt"/>
+                <a:cs typeface="Times New Roman" panose="02020603050405020304" pitchFamily="18" charset="0"/>
+              </a:rPr>
+              <a:t/>
+            </a:r>
+            <a:br>
+              <a:rPr lang="en-US" sz="1800" dirty="0">
+                <a:latin typeface="+mn-lt"/>
+                <a:cs typeface="Times New Roman" panose="02020603050405020304" pitchFamily="18" charset="0"/>
+              </a:rPr>
+            </a:br>
+            <a:r>
+              <a:rPr lang="en-US" sz="1800" dirty="0">
+                <a:latin typeface="+mn-lt"/>
+                <a:cs typeface="Times New Roman" panose="02020603050405020304" pitchFamily="18" charset="0"/>
+              </a:rPr>
+              <a:t/>
+            </a:r>
+            <a:br>
+              <a:rPr lang="en-US" sz="1800" dirty="0">
+                <a:latin typeface="+mn-lt"/>
+                <a:cs typeface="Times New Roman" panose="02020603050405020304" pitchFamily="18" charset="0"/>
+              </a:rPr>
+            </a:br>
+            <a:r>
+              <a:rPr lang="ru-RU" sz="1800" dirty="0">
+                <a:latin typeface="+mn-lt"/>
+                <a:cs typeface="Times New Roman" panose="02020603050405020304" pitchFamily="18" charset="0"/>
+              </a:rPr>
+              <a:t>Физтех-школа радиотехники и компьютерных технологий </a:t>
+            </a:r>
+            <a:r>
+              <a:rPr lang="en-US" sz="1800" dirty="0">
+                <a:latin typeface="+mn-lt"/>
+                <a:cs typeface="Times New Roman" panose="02020603050405020304" pitchFamily="18" charset="0"/>
+              </a:rPr>
+              <a:t/>
+            </a:r>
+            <a:br>
+              <a:rPr lang="en-US" sz="1800" dirty="0">
+                <a:latin typeface="+mn-lt"/>
+                <a:cs typeface="Times New Roman" panose="02020603050405020304" pitchFamily="18" charset="0"/>
+              </a:rPr>
+            </a:br>
+            <a:r>
+              <a:rPr lang="ru-RU" sz="1800" dirty="0">
+                <a:latin typeface="+mn-lt"/>
+                <a:cs typeface="Times New Roman" panose="02020603050405020304" pitchFamily="18" charset="0"/>
+              </a:rPr>
+              <a:t>Кафедра микропроцессорных технологий в интеллектуальных системах управления</a:t>
+            </a:r>
+            <a:r>
+              <a:rPr lang="en-US" dirty="0"/>
+              <a:t/>
+            </a:r>
+            <a:br>
+              <a:rPr lang="en-US" dirty="0"/>
+            </a:br>
+            <a:endParaRPr lang="en-US" dirty="0"/>
+          </a:p>
+        </p:txBody>
+      </p:sp>
+      <p:sp>
+        <p:nvSpPr>
+          <p:cNvPr id="3" name="Subtitle 2">
+            <a:extLst>
+              <a:ext uri="{FF2B5EF4-FFF2-40B4-BE49-F238E27FC236}">
+                <a16:creationId xmlns:a16="http://schemas.microsoft.com/office/drawing/2014/main" id="{D6E1E748-B0A5-49BB-A43B-8E3580C4F3E8}"/>
+              </a:ext>
+            </a:extLst>
+          </p:cNvPr>
+          <p:cNvSpPr>
+            <a:spLocks noGrp="1"/>
+          </p:cNvSpPr>
+          <p:nvPr>
+            <p:ph type="subTitle" idx="1"/>
+          </p:nvPr>
+        </p:nvSpPr>
+        <p:spPr>
+          <a:xfrm>
+            <a:off x="1524000" y="1803867"/>
+            <a:ext cx="9144000" cy="1092510"/>
+          </a:xfrm>
+        </p:spPr>
+        <p:txBody>
+          <a:bodyPr>
+            <a:noAutofit/>
+          </a:bodyPr>
+          <a:lstStyle/>
+          <a:p>
+            <a:r>
+              <a:rPr lang="ru-RU" b="1" dirty="0" smtClean="0"/>
+              <a:t>Адаптация операционной системы </a:t>
+            </a:r>
+            <a:r>
+              <a:rPr lang="en-US" b="1" dirty="0" err="1" smtClean="0"/>
               <a:t>NetBSD</a:t>
             </a:r>
             <a:r>
-              <a:rPr lang="en-US" dirty="0" smtClean="0"/>
+              <a:rPr lang="en-US" b="1" dirty="0" smtClean="0"/>
               <a:t> </a:t>
             </a:r>
             <a:r>
-              <a:rPr lang="ru-RU" dirty="0" smtClean="0"/>
+              <a:rPr lang="ru-RU" b="1" dirty="0" smtClean="0"/>
               <a:t>к гетерогенной вычислительной системе</a:t>
             </a:r>
-            <a:endParaRPr lang="ru-RU" dirty="0"/>
-          </a:p>
-        </p:txBody>
-      </p:sp>
-      <p:sp>
-        <p:nvSpPr>
-          <p:cNvPr id="3" name="Подзаголовок 2"/>
-          <p:cNvSpPr>
-            <a:spLocks noGrp="1"/>
-          </p:cNvSpPr>
-          <p:nvPr>
-            <p:ph type="subTitle" idx="1"/>
-          </p:nvPr>
-        </p:nvSpPr>
-        <p:spPr/>
-        <p:txBody>
-          <a:bodyPr/>
-          <a:lstStyle/>
-          <a:p>
-            <a:r>
-              <a:rPr lang="ru-RU" dirty="0" smtClean="0"/>
-              <a:t>Петренко Алексей</a:t>
-            </a:r>
-            <a:endParaRPr lang="ru-RU" dirty="0"/>
-          </a:p>
-        </p:txBody>
-      </p:sp>
-      <p:sp>
-        <p:nvSpPr>
-          <p:cNvPr id="4" name="Номер слайда 3"/>
-          <p:cNvSpPr>
-            <a:spLocks noGrp="1"/>
-          </p:cNvSpPr>
-          <p:nvPr>
-            <p:ph type="sldNum" sz="quarter" idx="12"/>
-          </p:nvPr>
-        </p:nvSpPr>
-        <p:spPr/>
-        <p:txBody>
-          <a:bodyPr/>
-          <a:lstStyle/>
-          <a:p>
-            <a:fld id="{1F9F7942-433A-4C03-99FE-266F5563D423}" type="slidenum">
-              <a:rPr lang="ru-RU" smtClean="0"/>
-              <a:t>1</a:t>
-            </a:fld>
-            <a:endParaRPr lang="ru-RU"/>
+            <a:endParaRPr lang="en-US" dirty="0"/>
+          </a:p>
+        </p:txBody>
+      </p:sp>
+      <p:sp>
+        <p:nvSpPr>
+          <p:cNvPr id="4" name="TextBox 3">
+            <a:extLst>
+              <a:ext uri="{FF2B5EF4-FFF2-40B4-BE49-F238E27FC236}">
+                <a16:creationId xmlns:a16="http://schemas.microsoft.com/office/drawing/2014/main" id="{63C11B91-9452-4676-A3E7-D5EA6CC7DC57}"/>
+              </a:ext>
+            </a:extLst>
+          </p:cNvPr>
+          <p:cNvSpPr txBox="1"/>
+          <p:nvPr/>
+        </p:nvSpPr>
+        <p:spPr>
+          <a:xfrm>
+            <a:off x="8405899" y="4518898"/>
+            <a:ext cx="4801314" cy="2339102"/>
+          </a:xfrm>
+          <a:prstGeom prst="rect">
+            <a:avLst/>
+          </a:prstGeom>
+          <a:noFill/>
+        </p:spPr>
+        <p:txBody>
+          <a:bodyPr wrap="none" rtlCol="0">
+            <a:spAutoFit/>
+          </a:bodyPr>
+          <a:lstStyle/>
+          <a:p>
+            <a:pPr marL="0" marR="0" lvl="0" indent="0" algn="l" defTabSz="914400" rtl="0" eaLnBrk="1" fontAlgn="auto" latinLnBrk="0" hangingPunct="1">
+              <a:lnSpc>
+                <a:spcPct val="100000"/>
+              </a:lnSpc>
+              <a:spcBef>
+                <a:spcPts val="0"/>
+              </a:spcBef>
+              <a:spcAft>
+                <a:spcPts val="0"/>
+              </a:spcAft>
+              <a:buClrTx/>
+              <a:buSzTx/>
+              <a:buFontTx/>
+              <a:buNone/>
+              <a:tabLst/>
+              <a:defRPr/>
+            </a:pPr>
+            <a:r>
+              <a:rPr kumimoji="0" lang="ru-RU" sz="1600" b="1" i="0" u="none" strike="noStrike" kern="1200" cap="none" spc="0" normalizeH="0" baseline="0" noProof="0" dirty="0">
+                <a:ln>
+                  <a:noFill/>
+                </a:ln>
+                <a:solidFill>
+                  <a:prstClr val="black"/>
+                </a:solidFill>
+                <a:effectLst/>
+                <a:uLnTx/>
+                <a:uFillTx/>
+                <a:latin typeface="Calibri" panose="020F0502020204030204"/>
+                <a:ea typeface="+mn-ea"/>
+                <a:cs typeface="+mn-cs"/>
+              </a:rPr>
+              <a:t>Студент:					</a:t>
+            </a:r>
+            <a:endParaRPr kumimoji="0" lang="en-US" sz="1600" b="0" i="0" u="none" strike="noStrike" kern="1200" cap="none" spc="0" normalizeH="0" baseline="0" noProof="0" dirty="0">
+              <a:ln>
+                <a:noFill/>
+              </a:ln>
+              <a:solidFill>
+                <a:prstClr val="black"/>
+              </a:solidFill>
+              <a:effectLst/>
+              <a:uLnTx/>
+              <a:uFillTx/>
+              <a:latin typeface="Calibri" panose="020F0502020204030204"/>
+              <a:ea typeface="+mn-ea"/>
+              <a:cs typeface="+mn-cs"/>
+            </a:endParaRPr>
+          </a:p>
+          <a:p>
+            <a:pPr marL="0" marR="0" lvl="0" indent="0" algn="l" defTabSz="914400" rtl="0" eaLnBrk="1" fontAlgn="auto" latinLnBrk="0" hangingPunct="1">
+              <a:lnSpc>
+                <a:spcPct val="100000"/>
+              </a:lnSpc>
+              <a:spcBef>
+                <a:spcPts val="0"/>
+              </a:spcBef>
+              <a:spcAft>
+                <a:spcPts val="0"/>
+              </a:spcAft>
+              <a:buClrTx/>
+              <a:buSzTx/>
+              <a:buFontTx/>
+              <a:buNone/>
+              <a:tabLst/>
+              <a:defRPr/>
+            </a:pPr>
+            <a:r>
+              <a:rPr kumimoji="0" lang="ru-RU" sz="1600" b="0" i="0" u="none" strike="noStrike" kern="1200" cap="none" spc="0" normalizeH="0" baseline="0" noProof="0" dirty="0" smtClean="0">
+                <a:ln>
+                  <a:noFill/>
+                </a:ln>
+                <a:solidFill>
+                  <a:prstClr val="black"/>
+                </a:solidFill>
+                <a:effectLst/>
+                <a:uLnTx/>
+                <a:uFillTx/>
+                <a:latin typeface="Calibri" panose="020F0502020204030204"/>
+                <a:ea typeface="+mn-ea"/>
+                <a:cs typeface="+mn-cs"/>
+              </a:rPr>
+              <a:t>Петренко Алексей Эдуардович</a:t>
+            </a:r>
+            <a:endParaRPr kumimoji="0" lang="ru-RU" sz="1600" b="0" i="0" u="none" strike="noStrike" kern="1200" cap="none" spc="0" normalizeH="0" baseline="0" noProof="0" dirty="0">
+              <a:ln>
+                <a:noFill/>
+              </a:ln>
+              <a:solidFill>
+                <a:prstClr val="black"/>
+              </a:solidFill>
+              <a:effectLst/>
+              <a:uLnTx/>
+              <a:uFillTx/>
+              <a:latin typeface="Calibri" panose="020F0502020204030204"/>
+              <a:ea typeface="+mn-ea"/>
+              <a:cs typeface="+mn-cs"/>
+            </a:endParaRPr>
+          </a:p>
+          <a:p>
+            <a:pPr marL="0" marR="0" lvl="0" indent="0" algn="l" defTabSz="914400" rtl="0" eaLnBrk="1" fontAlgn="auto" latinLnBrk="0" hangingPunct="1">
+              <a:lnSpc>
+                <a:spcPct val="100000"/>
+              </a:lnSpc>
+              <a:spcBef>
+                <a:spcPts val="0"/>
+              </a:spcBef>
+              <a:spcAft>
+                <a:spcPts val="0"/>
+              </a:spcAft>
+              <a:buClrTx/>
+              <a:buSzTx/>
+              <a:buFontTx/>
+              <a:buNone/>
+              <a:tabLst/>
+              <a:defRPr/>
+            </a:pPr>
+            <a:endParaRPr kumimoji="0" lang="ru-RU" sz="1600" b="0" i="0" u="none" strike="noStrike" kern="1200" cap="none" spc="0" normalizeH="0" baseline="0" noProof="0" dirty="0">
+              <a:ln>
+                <a:noFill/>
+              </a:ln>
+              <a:solidFill>
+                <a:prstClr val="black"/>
+              </a:solidFill>
+              <a:effectLst/>
+              <a:uLnTx/>
+              <a:uFillTx/>
+              <a:latin typeface="Calibri" panose="020F0502020204030204"/>
+              <a:ea typeface="+mn-ea"/>
+              <a:cs typeface="+mn-cs"/>
+            </a:endParaRPr>
+          </a:p>
+          <a:p>
+            <a:pPr marL="0" marR="0" lvl="0" indent="0" algn="l" defTabSz="914400" rtl="0" eaLnBrk="1" fontAlgn="auto" latinLnBrk="0" hangingPunct="1">
+              <a:lnSpc>
+                <a:spcPct val="100000"/>
+              </a:lnSpc>
+              <a:spcBef>
+                <a:spcPts val="0"/>
+              </a:spcBef>
+              <a:spcAft>
+                <a:spcPts val="0"/>
+              </a:spcAft>
+              <a:buClrTx/>
+              <a:buSzTx/>
+              <a:buFontTx/>
+              <a:buNone/>
+              <a:tabLst/>
+              <a:defRPr/>
+            </a:pPr>
+            <a:r>
+              <a:rPr kumimoji="0" lang="ru-RU" sz="1600" b="1" i="0" u="none" strike="noStrike" kern="1200" cap="none" spc="0" normalizeH="0" baseline="0" noProof="0" dirty="0">
+                <a:ln>
+                  <a:noFill/>
+                </a:ln>
+                <a:solidFill>
+                  <a:prstClr val="black"/>
+                </a:solidFill>
+                <a:effectLst/>
+                <a:uLnTx/>
+                <a:uFillTx/>
+                <a:latin typeface="Calibri" panose="020F0502020204030204"/>
+                <a:ea typeface="+mn-ea"/>
+                <a:cs typeface="+mn-cs"/>
+              </a:rPr>
+              <a:t>Научный руководитель:	</a:t>
+            </a:r>
+          </a:p>
+          <a:p>
+            <a:pPr marL="0" marR="0" lvl="0" indent="0" algn="l" defTabSz="914400" rtl="0" eaLnBrk="1" fontAlgn="auto" latinLnBrk="0" hangingPunct="1">
+              <a:lnSpc>
+                <a:spcPct val="100000"/>
+              </a:lnSpc>
+              <a:spcBef>
+                <a:spcPts val="0"/>
+              </a:spcBef>
+              <a:spcAft>
+                <a:spcPts val="0"/>
+              </a:spcAft>
+              <a:buClrTx/>
+              <a:buSzTx/>
+              <a:buFontTx/>
+              <a:buNone/>
+              <a:tabLst/>
+              <a:defRPr/>
+            </a:pPr>
+            <a:r>
+              <a:rPr kumimoji="0" lang="ru-RU" sz="1600" b="0" i="0" u="none" strike="noStrike" kern="1200" cap="none" spc="0" normalizeH="0" baseline="0" noProof="0" dirty="0" smtClean="0">
+                <a:ln>
+                  <a:noFill/>
+                </a:ln>
+                <a:solidFill>
+                  <a:prstClr val="black"/>
+                </a:solidFill>
+                <a:effectLst/>
+                <a:uLnTx/>
+                <a:uFillTx/>
+                <a:latin typeface="Calibri" panose="020F0502020204030204"/>
+                <a:ea typeface="+mn-ea"/>
+                <a:cs typeface="+mn-cs"/>
+              </a:rPr>
+              <a:t>Добров Андрей Дмитриевич</a:t>
+            </a:r>
+            <a:endParaRPr kumimoji="0" lang="ru-RU" sz="1600" b="1" i="0" u="none" strike="noStrike" kern="1200" cap="none" spc="0" normalizeH="0" baseline="0" noProof="0" dirty="0">
+              <a:ln>
+                <a:noFill/>
+              </a:ln>
+              <a:solidFill>
+                <a:prstClr val="black"/>
+              </a:solidFill>
+              <a:effectLst/>
+              <a:uLnTx/>
+              <a:uFillTx/>
+              <a:latin typeface="Calibri" panose="020F0502020204030204"/>
+              <a:ea typeface="+mn-ea"/>
+              <a:cs typeface="+mn-cs"/>
+            </a:endParaRPr>
+          </a:p>
+          <a:p>
+            <a:pPr marL="0" marR="0" lvl="0" indent="0" algn="l" defTabSz="914400" rtl="0" eaLnBrk="1" fontAlgn="auto" latinLnBrk="0" hangingPunct="1">
+              <a:lnSpc>
+                <a:spcPct val="100000"/>
+              </a:lnSpc>
+              <a:spcBef>
+                <a:spcPts val="0"/>
+              </a:spcBef>
+              <a:spcAft>
+                <a:spcPts val="0"/>
+              </a:spcAft>
+              <a:buClrTx/>
+              <a:buSzTx/>
+              <a:buFontTx/>
+              <a:buNone/>
+              <a:tabLst/>
+              <a:defRPr/>
+            </a:pPr>
+            <a:endParaRPr kumimoji="0" lang="ru-RU" sz="1600" b="1" i="0" u="none" strike="noStrike" kern="1200" cap="none" spc="0" normalizeH="0" baseline="0" noProof="0" dirty="0">
+              <a:ln>
+                <a:noFill/>
+              </a:ln>
+              <a:solidFill>
+                <a:prstClr val="black"/>
+              </a:solidFill>
+              <a:effectLst/>
+              <a:uLnTx/>
+              <a:uFillTx/>
+              <a:latin typeface="Calibri" panose="020F0502020204030204"/>
+              <a:ea typeface="+mn-ea"/>
+              <a:cs typeface="+mn-cs"/>
+            </a:endParaRPr>
+          </a:p>
+          <a:p>
+            <a:pPr marL="0" marR="0" lvl="0" indent="0" algn="l" defTabSz="914400" rtl="0" eaLnBrk="1" fontAlgn="auto" latinLnBrk="0" hangingPunct="1">
+              <a:lnSpc>
+                <a:spcPct val="100000"/>
+              </a:lnSpc>
+              <a:spcBef>
+                <a:spcPts val="0"/>
+              </a:spcBef>
+              <a:spcAft>
+                <a:spcPts val="0"/>
+              </a:spcAft>
+              <a:buClrTx/>
+              <a:buSzTx/>
+              <a:buFontTx/>
+              <a:buNone/>
+              <a:tabLst/>
+              <a:defRPr/>
+            </a:pPr>
+            <a:r>
+              <a:rPr kumimoji="0" lang="ru-RU" sz="1600" b="1" i="0" u="none" strike="noStrike" kern="1200" cap="none" spc="0" normalizeH="0" baseline="0" noProof="0" dirty="0">
+                <a:ln>
+                  <a:noFill/>
+                </a:ln>
+                <a:solidFill>
+                  <a:prstClr val="black"/>
+                </a:solidFill>
+                <a:effectLst/>
+                <a:uLnTx/>
+                <a:uFillTx/>
+                <a:latin typeface="Calibri" panose="020F0502020204030204"/>
+                <a:ea typeface="+mn-ea"/>
+                <a:cs typeface="+mn-cs"/>
+              </a:rPr>
+              <a:t>Научный консультант</a:t>
+            </a:r>
+            <a:r>
+              <a:rPr kumimoji="0" lang="en-US" sz="1600" b="1" i="0" u="none" strike="noStrike" kern="1200" cap="none" spc="0" normalizeH="0" baseline="0" noProof="0" dirty="0">
+                <a:ln>
+                  <a:noFill/>
+                </a:ln>
+                <a:solidFill>
+                  <a:prstClr val="black"/>
+                </a:solidFill>
+                <a:effectLst/>
+                <a:uLnTx/>
+                <a:uFillTx/>
+                <a:latin typeface="Calibri" panose="020F0502020204030204"/>
+                <a:ea typeface="+mn-ea"/>
+                <a:cs typeface="+mn-cs"/>
+              </a:rPr>
+              <a:t>:</a:t>
+            </a:r>
+            <a:endParaRPr kumimoji="0" lang="en-US" sz="1600" b="0" i="0" u="none" strike="noStrike" kern="1200" cap="none" spc="0" normalizeH="0" baseline="0" noProof="0" dirty="0">
+              <a:ln>
+                <a:noFill/>
+              </a:ln>
+              <a:solidFill>
+                <a:prstClr val="black"/>
+              </a:solidFill>
+              <a:effectLst/>
+              <a:uLnTx/>
+              <a:uFillTx/>
+              <a:latin typeface="Calibri" panose="020F0502020204030204"/>
+              <a:ea typeface="+mn-ea"/>
+              <a:cs typeface="+mn-cs"/>
+            </a:endParaRPr>
+          </a:p>
+          <a:p>
+            <a:pPr marL="0" marR="0" lvl="0" indent="0" algn="l" defTabSz="914400" rtl="0" eaLnBrk="1" fontAlgn="auto" latinLnBrk="0" hangingPunct="1">
+              <a:lnSpc>
+                <a:spcPct val="100000"/>
+              </a:lnSpc>
+              <a:spcBef>
+                <a:spcPts val="0"/>
+              </a:spcBef>
+              <a:spcAft>
+                <a:spcPts val="0"/>
+              </a:spcAft>
+              <a:buClrTx/>
+              <a:buSzTx/>
+              <a:buFontTx/>
+              <a:buNone/>
+              <a:tabLst/>
+              <a:defRPr/>
+            </a:pPr>
+            <a:r>
+              <a:rPr kumimoji="0" lang="ru-RU" sz="1600" b="0" i="0" u="none" strike="noStrike" kern="1200" cap="none" spc="0" normalizeH="0" baseline="0" noProof="0" dirty="0" smtClean="0">
+                <a:ln>
+                  <a:noFill/>
+                </a:ln>
+                <a:solidFill>
+                  <a:prstClr val="black"/>
+                </a:solidFill>
+                <a:effectLst/>
+                <a:uLnTx/>
+                <a:uFillTx/>
+                <a:latin typeface="Calibri" panose="020F0502020204030204"/>
+                <a:ea typeface="+mn-ea"/>
+                <a:cs typeface="+mn-cs"/>
+              </a:rPr>
+              <a:t>Рожков Сергей Алексеевич</a:t>
+            </a:r>
+            <a:endParaRPr kumimoji="0" lang="en-US" sz="1600" b="0" i="0" u="none" strike="noStrike" kern="1200" cap="none" spc="0" normalizeH="0" baseline="0" noProof="0" dirty="0">
+              <a:ln>
+                <a:noFill/>
+              </a:ln>
+              <a:solidFill>
+                <a:prstClr val="black"/>
+              </a:solidFill>
+              <a:effectLst/>
+              <a:uLnTx/>
+              <a:uFillTx/>
+              <a:latin typeface="Calibri" panose="020F0502020204030204"/>
+              <a:ea typeface="+mn-ea"/>
+              <a:cs typeface="+mn-cs"/>
+            </a:endParaRPr>
+          </a:p>
+          <a:p>
+            <a:pPr marL="0" marR="0" lvl="0" indent="0" algn="l" defTabSz="914400" rtl="0" eaLnBrk="1" fontAlgn="auto" latinLnBrk="0" hangingPunct="1">
+              <a:lnSpc>
+                <a:spcPct val="100000"/>
+              </a:lnSpc>
+              <a:spcBef>
+                <a:spcPts val="0"/>
+              </a:spcBef>
+              <a:spcAft>
+                <a:spcPts val="0"/>
+              </a:spcAft>
+              <a:buClrTx/>
+              <a:buSzTx/>
+              <a:buFontTx/>
+              <a:buNone/>
+              <a:tabLst/>
+              <a:defRPr/>
+            </a:pPr>
+            <a:endParaRPr kumimoji="0" lang="en-US" sz="1800" b="0" i="0" u="none" strike="noStrike" kern="1200" cap="none" spc="0" normalizeH="0" baseline="0" noProof="0" dirty="0">
+              <a:ln>
+                <a:noFill/>
+              </a:ln>
+              <a:solidFill>
+                <a:prstClr val="black"/>
+              </a:solidFill>
+              <a:effectLst/>
+              <a:uLnTx/>
+              <a:uFillTx/>
+              <a:latin typeface="Calibri" panose="020F0502020204030204"/>
+              <a:ea typeface="+mn-ea"/>
+              <a:cs typeface="+mn-cs"/>
+            </a:endParaRPr>
+          </a:p>
+        </p:txBody>
+      </p:sp>
+      <p:sp>
+        <p:nvSpPr>
+          <p:cNvPr id="5" name="TextBox 4">
+            <a:extLst>
+              <a:ext uri="{FF2B5EF4-FFF2-40B4-BE49-F238E27FC236}">
+                <a16:creationId xmlns:a16="http://schemas.microsoft.com/office/drawing/2014/main" id="{D830457F-60DB-461F-A44C-52E55BA6F444}"/>
+              </a:ext>
+            </a:extLst>
+          </p:cNvPr>
+          <p:cNvSpPr txBox="1"/>
+          <p:nvPr/>
+        </p:nvSpPr>
+        <p:spPr>
+          <a:xfrm>
+            <a:off x="2284086" y="2976739"/>
+            <a:ext cx="7782964" cy="1692771"/>
+          </a:xfrm>
+          <a:prstGeom prst="rect">
+            <a:avLst/>
+          </a:prstGeom>
+          <a:noFill/>
+        </p:spPr>
+        <p:txBody>
+          <a:bodyPr wrap="none" rtlCol="0">
+            <a:spAutoFit/>
+          </a:bodyPr>
+          <a:lstStyle/>
+          <a:p>
+            <a:pPr marL="0" marR="0" lvl="0" indent="0" algn="ctr" defTabSz="914400" rtl="0" eaLnBrk="1" fontAlgn="auto" latinLnBrk="0" hangingPunct="1">
+              <a:lnSpc>
+                <a:spcPct val="100000"/>
+              </a:lnSpc>
+              <a:spcBef>
+                <a:spcPts val="0"/>
+              </a:spcBef>
+              <a:spcAft>
+                <a:spcPts val="0"/>
+              </a:spcAft>
+              <a:buClrTx/>
+              <a:buSzTx/>
+              <a:buFontTx/>
+              <a:buNone/>
+              <a:tabLst/>
+              <a:defRPr/>
+            </a:pPr>
+            <a:r>
+              <a:rPr kumimoji="0" lang="ru-RU" sz="1600" b="0" i="0" u="none" strike="noStrike" kern="1200" cap="none" spc="0" normalizeH="0" baseline="0" noProof="0" dirty="0">
+                <a:ln>
+                  <a:noFill/>
+                </a:ln>
+                <a:solidFill>
+                  <a:prstClr val="black"/>
+                </a:solidFill>
+                <a:effectLst/>
+                <a:uLnTx/>
+                <a:uFillTx/>
+                <a:latin typeface="Calibri" panose="020F0502020204030204"/>
+                <a:ea typeface="+mn-ea"/>
+                <a:cs typeface="+mn-cs"/>
+              </a:rPr>
+              <a:t>Выпускная квалификационная работа</a:t>
+            </a:r>
+          </a:p>
+          <a:p>
+            <a:pPr marL="0" marR="0" lvl="0" indent="0" algn="ctr" defTabSz="914400" rtl="0" eaLnBrk="1" fontAlgn="auto" latinLnBrk="0" hangingPunct="1">
+              <a:lnSpc>
+                <a:spcPct val="100000"/>
+              </a:lnSpc>
+              <a:spcBef>
+                <a:spcPts val="0"/>
+              </a:spcBef>
+              <a:spcAft>
+                <a:spcPts val="0"/>
+              </a:spcAft>
+              <a:buClrTx/>
+              <a:buSzTx/>
+              <a:buFontTx/>
+              <a:buNone/>
+              <a:tabLst/>
+              <a:defRPr/>
+            </a:pPr>
+            <a:r>
+              <a:rPr kumimoji="0" lang="ru-RU" sz="1600" b="0" i="0" u="none" strike="noStrike" kern="1200" cap="none" spc="0" normalizeH="0" baseline="0" noProof="0" dirty="0">
+                <a:ln>
+                  <a:noFill/>
+                </a:ln>
+                <a:solidFill>
+                  <a:prstClr val="black"/>
+                </a:solidFill>
+                <a:effectLst/>
+                <a:uLnTx/>
+                <a:uFillTx/>
+                <a:latin typeface="Calibri" panose="020F0502020204030204"/>
+                <a:ea typeface="+mn-ea"/>
+                <a:cs typeface="+mn-cs"/>
+              </a:rPr>
+              <a:t>(магистерская диссертация)</a:t>
+            </a:r>
+            <a:endParaRPr kumimoji="0" lang="en-US" sz="1600" b="0" i="0" u="none" strike="noStrike" kern="1200" cap="none" spc="0" normalizeH="0" baseline="0" noProof="0" dirty="0">
+              <a:ln>
+                <a:noFill/>
+              </a:ln>
+              <a:solidFill>
+                <a:prstClr val="black"/>
+              </a:solidFill>
+              <a:effectLst/>
+              <a:uLnTx/>
+              <a:uFillTx/>
+              <a:latin typeface="Calibri" panose="020F0502020204030204"/>
+              <a:ea typeface="+mn-ea"/>
+              <a:cs typeface="+mn-cs"/>
+            </a:endParaRPr>
+          </a:p>
+          <a:p>
+            <a:pPr marL="0" marR="0" lvl="0" indent="0" algn="ctr" defTabSz="914400" rtl="0" eaLnBrk="1" fontAlgn="auto" latinLnBrk="0" hangingPunct="1">
+              <a:lnSpc>
+                <a:spcPct val="100000"/>
+              </a:lnSpc>
+              <a:spcBef>
+                <a:spcPts val="0"/>
+              </a:spcBef>
+              <a:spcAft>
+                <a:spcPts val="0"/>
+              </a:spcAft>
+              <a:buClrTx/>
+              <a:buSzTx/>
+              <a:buFontTx/>
+              <a:buNone/>
+              <a:tabLst/>
+              <a:defRPr/>
+            </a:pPr>
+            <a:endParaRPr kumimoji="0" lang="en-US" sz="1800" b="1" i="0" u="none" strike="noStrike" kern="1200" cap="none" spc="0" normalizeH="0" baseline="0" noProof="0" dirty="0">
+              <a:ln>
+                <a:noFill/>
+              </a:ln>
+              <a:solidFill>
+                <a:prstClr val="black"/>
+              </a:solidFill>
+              <a:effectLst/>
+              <a:uLnTx/>
+              <a:uFillTx/>
+              <a:latin typeface="Calibri" panose="020F0502020204030204"/>
+              <a:ea typeface="+mn-ea"/>
+              <a:cs typeface="+mn-cs"/>
+            </a:endParaRPr>
+          </a:p>
+          <a:p>
+            <a:pPr marL="0" marR="0" lvl="0" indent="0" algn="ctr" defTabSz="914400" rtl="0" eaLnBrk="1" fontAlgn="auto" latinLnBrk="0" hangingPunct="1">
+              <a:lnSpc>
+                <a:spcPct val="100000"/>
+              </a:lnSpc>
+              <a:spcBef>
+                <a:spcPts val="0"/>
+              </a:spcBef>
+              <a:spcAft>
+                <a:spcPts val="0"/>
+              </a:spcAft>
+              <a:buClrTx/>
+              <a:buSzTx/>
+              <a:buFontTx/>
+              <a:buNone/>
+              <a:tabLst/>
+              <a:defRPr/>
+            </a:pPr>
+            <a:r>
+              <a:rPr kumimoji="0" lang="ru-RU" sz="1800" b="1" i="0" u="none" strike="noStrike" kern="1200" cap="none" spc="0" normalizeH="0" baseline="0" noProof="0" dirty="0">
+                <a:ln>
+                  <a:noFill/>
+                </a:ln>
+                <a:solidFill>
+                  <a:prstClr val="black"/>
+                </a:solidFill>
+                <a:effectLst/>
+                <a:uLnTx/>
+                <a:uFillTx/>
+                <a:latin typeface="Calibri" panose="020F0502020204030204"/>
+                <a:ea typeface="+mn-ea"/>
+                <a:cs typeface="+mn-cs"/>
+              </a:rPr>
+              <a:t>Направление подготовки: </a:t>
+            </a:r>
+            <a:r>
+              <a:rPr kumimoji="0" lang="ru-RU" sz="1800" b="0" i="0" u="none" strike="noStrike" kern="1200" cap="none" spc="0" normalizeH="0" baseline="0" noProof="0" dirty="0">
+                <a:ln>
+                  <a:noFill/>
+                </a:ln>
+                <a:solidFill>
+                  <a:prstClr val="black"/>
+                </a:solidFill>
+                <a:effectLst/>
+                <a:uLnTx/>
+                <a:uFillTx/>
+                <a:latin typeface="Calibri" panose="020F0502020204030204"/>
+                <a:ea typeface="+mn-ea"/>
+                <a:cs typeface="+mn-cs"/>
+              </a:rPr>
+              <a:t>03.04.01 Прикладные математика и физика</a:t>
+            </a:r>
+          </a:p>
+          <a:p>
+            <a:pPr marL="0" marR="0" lvl="0" indent="0" algn="ctr" defTabSz="914400" rtl="0" eaLnBrk="1" fontAlgn="auto" latinLnBrk="0" hangingPunct="1">
+              <a:lnSpc>
+                <a:spcPct val="100000"/>
+              </a:lnSpc>
+              <a:spcBef>
+                <a:spcPts val="0"/>
+              </a:spcBef>
+              <a:spcAft>
+                <a:spcPts val="0"/>
+              </a:spcAft>
+              <a:buClrTx/>
+              <a:buSzTx/>
+              <a:buFontTx/>
+              <a:buNone/>
+              <a:tabLst/>
+              <a:defRPr/>
+            </a:pPr>
+            <a:r>
+              <a:rPr kumimoji="0" lang="ru-RU" sz="1800" b="1" i="0" u="none" strike="noStrike" kern="1200" cap="none" spc="0" normalizeH="0" baseline="0" noProof="0" dirty="0">
+                <a:ln>
+                  <a:noFill/>
+                </a:ln>
+                <a:solidFill>
+                  <a:prstClr val="black"/>
+                </a:solidFill>
+                <a:effectLst/>
+                <a:uLnTx/>
+                <a:uFillTx/>
+                <a:latin typeface="Calibri" panose="020F0502020204030204"/>
+                <a:ea typeface="+mn-ea"/>
+                <a:cs typeface="+mn-cs"/>
+              </a:rPr>
+              <a:t>Профиль подготовки: </a:t>
+            </a:r>
+            <a:r>
+              <a:rPr kumimoji="0" lang="ru-RU" sz="1800" b="0" i="0" u="none" strike="noStrike" kern="1200" cap="none" spc="0" normalizeH="0" baseline="0" noProof="0" dirty="0">
+                <a:ln>
+                  <a:noFill/>
+                </a:ln>
+                <a:solidFill>
+                  <a:prstClr val="black"/>
+                </a:solidFill>
+                <a:effectLst/>
+                <a:uLnTx/>
+                <a:uFillTx/>
+                <a:latin typeface="Calibri" panose="020F0502020204030204"/>
+                <a:ea typeface="+mn-ea"/>
+                <a:cs typeface="+mn-cs"/>
+              </a:rPr>
+              <a:t>Радиотехника и компьютерные технологии</a:t>
+            </a:r>
+            <a:endParaRPr kumimoji="0" lang="en-US" sz="1800" b="0" i="0" u="none" strike="noStrike" kern="1200" cap="none" spc="0" normalizeH="0" baseline="0" noProof="0" dirty="0">
+              <a:ln>
+                <a:noFill/>
+              </a:ln>
+              <a:solidFill>
+                <a:prstClr val="black"/>
+              </a:solidFill>
+              <a:effectLst/>
+              <a:uLnTx/>
+              <a:uFillTx/>
+              <a:latin typeface="Calibri" panose="020F0502020204030204"/>
+              <a:ea typeface="+mn-ea"/>
+              <a:cs typeface="+mn-cs"/>
+            </a:endParaRPr>
+          </a:p>
+          <a:p>
+            <a:pPr marL="0" marR="0" lvl="0" indent="0" algn="l" defTabSz="914400" rtl="0" eaLnBrk="1" fontAlgn="auto" latinLnBrk="0" hangingPunct="1">
+              <a:lnSpc>
+                <a:spcPct val="100000"/>
+              </a:lnSpc>
+              <a:spcBef>
+                <a:spcPts val="0"/>
+              </a:spcBef>
+              <a:spcAft>
+                <a:spcPts val="0"/>
+              </a:spcAft>
+              <a:buClrTx/>
+              <a:buSzTx/>
+              <a:buFontTx/>
+              <a:buNone/>
+              <a:tabLst/>
+              <a:defRPr/>
+            </a:pPr>
+            <a:endParaRPr kumimoji="0" lang="en-US" sz="1800" b="0" i="0" u="none" strike="noStrike" kern="1200" cap="none" spc="0" normalizeH="0" baseline="0" noProof="0" dirty="0">
+              <a:ln>
+                <a:noFill/>
+              </a:ln>
+              <a:solidFill>
+                <a:prstClr val="black"/>
+              </a:solidFill>
+              <a:effectLst/>
+              <a:uLnTx/>
+              <a:uFillTx/>
+              <a:latin typeface="Calibri" panose="020F0502020204030204"/>
+              <a:ea typeface="+mn-ea"/>
+              <a:cs typeface="+mn-cs"/>
+            </a:endParaRPr>
           </a:p>
         </p:txBody>
       </p:sp>
     </p:spTree>
     <p:extLst>
       <p:ext uri="{BB962C8B-B14F-4D97-AF65-F5344CB8AC3E}">
-        <p14:creationId xmlns:p14="http://schemas.microsoft.com/office/powerpoint/2010/main" val="2690508"/>
+        <p14:creationId xmlns:p14="http://schemas.microsoft.com/office/powerpoint/2010/main" val="568168106"/>
       </p:ext>
     </p:extLst>
   </p:cSld>
@@ -3464,71 +9574,185 @@
           <a:p>
             <a:r>
               <a:rPr lang="ru-RU" dirty="0" smtClean="0"/>
-              <a:t>Дальнейшие планы</a:t>
+              <a:t>Процесс запуска</a:t>
             </a:r>
             <a:endParaRPr lang="ru-RU" dirty="0"/>
           </a:p>
         </p:txBody>
       </p:sp>
-      <p:sp>
-        <p:nvSpPr>
-          <p:cNvPr id="3" name="Объект 2"/>
-          <p:cNvSpPr>
-            <a:spLocks noGrp="1"/>
-          </p:cNvSpPr>
-          <p:nvPr>
-            <p:ph idx="1"/>
-          </p:nvPr>
-        </p:nvSpPr>
-        <p:spPr/>
-        <p:txBody>
-          <a:bodyPr/>
+      <p:pic>
+        <p:nvPicPr>
+          <p:cNvPr id="4" name="Рисунок 3"/>
+          <p:cNvPicPr>
+            <a:picLocks noChangeAspect="1"/>
+          </p:cNvPicPr>
+          <p:nvPr/>
+        </p:nvPicPr>
+        <p:blipFill>
+          <a:blip r:embed="rId2">
+            <a:extLst>
+              <a:ext uri="{28A0092B-C50C-407E-A947-70E740481C1C}">
+                <a14:useLocalDpi xmlns:a14="http://schemas.microsoft.com/office/drawing/2010/main" val="0"/>
+              </a:ext>
+            </a:extLst>
+          </a:blip>
+          <a:stretch>
+            <a:fillRect/>
+          </a:stretch>
+        </p:blipFill>
+        <p:spPr>
+          <a:xfrm>
+            <a:off x="5334000" y="76200"/>
+            <a:ext cx="3352800" cy="6781800"/>
+          </a:xfrm>
+          <a:prstGeom prst="rect">
+            <a:avLst/>
+          </a:prstGeom>
+        </p:spPr>
+      </p:pic>
+      <p:sp>
+        <p:nvSpPr>
+          <p:cNvPr id="5" name="Стрелка вправо 4"/>
+          <p:cNvSpPr/>
+          <p:nvPr/>
+        </p:nvSpPr>
+        <p:spPr>
+          <a:xfrm>
+            <a:off x="3933824" y="2571750"/>
+            <a:ext cx="1095375" cy="342900"/>
+          </a:xfrm>
+          <a:prstGeom prst="rightArrow">
+            <a:avLst/>
+          </a:prstGeom>
+        </p:spPr>
+        <p:style>
+          <a:lnRef idx="2">
+            <a:schemeClr val="accent1">
+              <a:shade val="50000"/>
+            </a:schemeClr>
+          </a:lnRef>
+          <a:fillRef idx="1">
+            <a:schemeClr val="accent1"/>
+          </a:fillRef>
+          <a:effectRef idx="0">
+            <a:schemeClr val="accent1"/>
+          </a:effectRef>
+          <a:fontRef idx="minor">
+            <a:schemeClr val="lt1"/>
+          </a:fontRef>
+        </p:style>
+        <p:txBody>
+          <a:bodyPr rtlCol="0" anchor="ctr"/>
+          <a:lstStyle/>
+          <a:p>
+            <a:pPr algn="ctr"/>
+            <a:endParaRPr lang="ru-RU"/>
+          </a:p>
+        </p:txBody>
+      </p:sp>
+      <p:sp>
+        <p:nvSpPr>
+          <p:cNvPr id="6" name="Стрелка вправо 5"/>
+          <p:cNvSpPr/>
+          <p:nvPr/>
+        </p:nvSpPr>
+        <p:spPr>
+          <a:xfrm>
+            <a:off x="3933824" y="5219700"/>
+            <a:ext cx="1095375" cy="361950"/>
+          </a:xfrm>
+          <a:prstGeom prst="rightArrow">
+            <a:avLst/>
+          </a:prstGeom>
+        </p:spPr>
+        <p:style>
+          <a:lnRef idx="2">
+            <a:schemeClr val="accent1">
+              <a:shade val="50000"/>
+            </a:schemeClr>
+          </a:lnRef>
+          <a:fillRef idx="1">
+            <a:schemeClr val="accent1"/>
+          </a:fillRef>
+          <a:effectRef idx="0">
+            <a:schemeClr val="accent1"/>
+          </a:effectRef>
+          <a:fontRef idx="minor">
+            <a:schemeClr val="lt1"/>
+          </a:fontRef>
+        </p:style>
+        <p:txBody>
+          <a:bodyPr rtlCol="0" anchor="ctr"/>
+          <a:lstStyle/>
+          <a:p>
+            <a:pPr algn="ctr"/>
+            <a:endParaRPr lang="ru-RU"/>
+          </a:p>
+        </p:txBody>
+      </p:sp>
+      <p:sp>
+        <p:nvSpPr>
+          <p:cNvPr id="7" name="TextBox 6"/>
+          <p:cNvSpPr txBox="1"/>
+          <p:nvPr/>
+        </p:nvSpPr>
+        <p:spPr>
+          <a:xfrm>
+            <a:off x="1752600" y="1866037"/>
+            <a:ext cx="1828800" cy="1754326"/>
+          </a:xfrm>
+          <a:prstGeom prst="rect">
+            <a:avLst/>
+          </a:prstGeom>
+          <a:noFill/>
+        </p:spPr>
+        <p:txBody>
+          <a:bodyPr wrap="square" rtlCol="0">
+            <a:spAutoFit/>
+          </a:bodyPr>
           <a:lstStyle/>
           <a:p>
             <a:r>
               <a:rPr lang="ru-RU" dirty="0" smtClean="0"/>
-              <a:t>Окончание </a:t>
-            </a:r>
-            <a:r>
-              <a:rPr lang="ru-RU" dirty="0" err="1" smtClean="0"/>
-              <a:t>портирования</a:t>
-            </a:r>
+              <a:t>Проблемное место из-за специфики управления виртуальной памятью</a:t>
+            </a:r>
+            <a:endParaRPr lang="ru-RU" dirty="0"/>
+          </a:p>
+        </p:txBody>
+      </p:sp>
+      <p:sp>
+        <p:nvSpPr>
+          <p:cNvPr id="8" name="TextBox 7"/>
+          <p:cNvSpPr txBox="1"/>
+          <p:nvPr/>
+        </p:nvSpPr>
+        <p:spPr>
+          <a:xfrm>
+            <a:off x="1752600" y="4939010"/>
+            <a:ext cx="1828800" cy="923330"/>
+          </a:xfrm>
+          <a:prstGeom prst="rect">
+            <a:avLst/>
+          </a:prstGeom>
+          <a:noFill/>
+        </p:spPr>
+        <p:txBody>
+          <a:bodyPr wrap="square" rtlCol="0">
+            <a:spAutoFit/>
+          </a:bodyPr>
+          <a:lstStyle/>
+          <a:p>
             <a:r>
               <a:rPr lang="ru-RU" dirty="0" smtClean="0"/>
-              <a:t> ОС</a:t>
-            </a:r>
-          </a:p>
-          <a:p>
-            <a:r>
-              <a:rPr lang="ru-RU" dirty="0" smtClean="0"/>
-              <a:t>Отладка на симуляторе</a:t>
-            </a:r>
-          </a:p>
-          <a:p>
-            <a:r>
-              <a:rPr lang="ru-RU" dirty="0" smtClean="0"/>
-              <a:t>Тесты </a:t>
-            </a:r>
-            <a:r>
-              <a:rPr lang="ru-RU" dirty="0" err="1" smtClean="0"/>
-              <a:t>производительноси</a:t>
-            </a:r>
-            <a:r>
-              <a:rPr lang="ru-RU" dirty="0" smtClean="0"/>
-              <a:t> на симуляторе</a:t>
-            </a:r>
-          </a:p>
-          <a:p>
-            <a:pPr marL="0" indent="0">
-              <a:buNone/>
-            </a:pPr>
+              <a:t>Практически остановились здесь</a:t>
+            </a:r>
             <a:endParaRPr lang="ru-RU" dirty="0"/>
           </a:p>
         </p:txBody>
       </p:sp>
       <p:sp>
         <p:nvSpPr>
-          <p:cNvPr id="4" name="Номер слайда 3"/>
+          <p:cNvPr id="9" name="Номер слайда 8"/>
           <p:cNvSpPr>
             <a:spLocks noGrp="1"/>
           </p:cNvSpPr>
@@ -3552,7 +9776,231 @@
     </p:spTree>
     <p:extLst>
       <p:ext uri="{BB962C8B-B14F-4D97-AF65-F5344CB8AC3E}">
-        <p14:creationId xmlns:p14="http://schemas.microsoft.com/office/powerpoint/2010/main" val="1533288530"/>
+        <p14:creationId xmlns:p14="http://schemas.microsoft.com/office/powerpoint/2010/main" val="299389754"/>
+      </p:ext>
+    </p:extLst>
+  </p:cSld>
+  <p:clrMapOvr>
+    <a:masterClrMapping/>
+  </p:clrMapOvr>
+  <p:timing>
+    <p:tnLst>
+      <p:par>
+        <p:cTn id="1" dur="indefinite" restart="never" nodeType="tmRoot"/>
+      </p:par>
+    </p:tnLst>
+  </p:timing>
+</p:sld>
+</file>
+
+<file path=ppt/slides/slide11.xml><?xml version="1.0" encoding="utf-8"?>
+<p:sld xmlns:a="http://schemas.openxmlformats.org/drawingml/2006/main" xmlns:r="http://schemas.openxmlformats.org/officeDocument/2006/relationships" xmlns:p="http://schemas.openxmlformats.org/presentationml/2006/main">
+  <p:cSld>
+    <p:spTree>
+      <p:nvGrpSpPr>
+        <p:cNvPr id="1" name=""/>
+        <p:cNvGrpSpPr/>
+        <p:nvPr/>
+      </p:nvGrpSpPr>
+      <p:grpSpPr>
+        <a:xfrm>
+          <a:off x="0" y="0"/>
+          <a:ext cx="0" cy="0"/>
+          <a:chOff x="0" y="0"/>
+          <a:chExt cx="0" cy="0"/>
+        </a:xfrm>
+      </p:grpSpPr>
+      <p:sp>
+        <p:nvSpPr>
+          <p:cNvPr id="2" name="Заголовок 1"/>
+          <p:cNvSpPr>
+            <a:spLocks noGrp="1"/>
+          </p:cNvSpPr>
+          <p:nvPr>
+            <p:ph type="title"/>
+          </p:nvPr>
+        </p:nvSpPr>
+        <p:spPr/>
+        <p:txBody>
+          <a:bodyPr/>
+          <a:lstStyle/>
+          <a:p>
+            <a:r>
+              <a:rPr lang="ru-RU" dirty="0" smtClean="0"/>
+              <a:t>Асинхронные вычисления</a:t>
+            </a:r>
+            <a:endParaRPr lang="ru-RU" dirty="0"/>
+          </a:p>
+        </p:txBody>
+      </p:sp>
+      <p:pic>
+        <p:nvPicPr>
+          <p:cNvPr id="5" name="Объект 4"/>
+          <p:cNvPicPr>
+            <a:picLocks noGrp="1" noChangeAspect="1"/>
+          </p:cNvPicPr>
+          <p:nvPr>
+            <p:ph idx="1"/>
+          </p:nvPr>
+        </p:nvPicPr>
+        <p:blipFill>
+          <a:blip r:embed="rId2">
+            <a:extLst>
+              <a:ext uri="{28A0092B-C50C-407E-A947-70E740481C1C}">
+                <a14:useLocalDpi xmlns:a14="http://schemas.microsoft.com/office/drawing/2010/main" val="0"/>
+              </a:ext>
+            </a:extLst>
+          </a:blip>
+          <a:stretch>
+            <a:fillRect/>
+          </a:stretch>
+        </p:blipFill>
+        <p:spPr>
+          <a:xfrm>
+            <a:off x="3129179" y="1825625"/>
+            <a:ext cx="5933642" cy="4351338"/>
+          </a:xfrm>
+        </p:spPr>
+      </p:pic>
+      <p:sp>
+        <p:nvSpPr>
+          <p:cNvPr id="4" name="Номер слайда 3"/>
+          <p:cNvSpPr>
+            <a:spLocks noGrp="1"/>
+          </p:cNvSpPr>
+          <p:nvPr>
+            <p:ph type="sldNum" sz="quarter" idx="12"/>
+          </p:nvPr>
+        </p:nvSpPr>
+        <p:spPr/>
+        <p:txBody>
+          <a:bodyPr/>
+          <a:lstStyle/>
+          <a:p>
+            <a:fld id="{1F9F7942-433A-4C03-99FE-266F5563D423}" type="slidenum">
+              <a:rPr lang="ru-RU" smtClean="0"/>
+              <a:t>11</a:t>
+            </a:fld>
+            <a:endParaRPr lang="ru-RU"/>
+          </a:p>
+        </p:txBody>
+      </p:sp>
+    </p:spTree>
+    <p:extLst>
+      <p:ext uri="{BB962C8B-B14F-4D97-AF65-F5344CB8AC3E}">
+        <p14:creationId xmlns:p14="http://schemas.microsoft.com/office/powerpoint/2010/main" val="4013234300"/>
+      </p:ext>
+    </p:extLst>
+  </p:cSld>
+  <p:clrMapOvr>
+    <a:masterClrMapping/>
+  </p:clrMapOvr>
+  <p:timing>
+    <p:tnLst>
+      <p:par>
+        <p:cTn id="1" dur="indefinite" restart="never" nodeType="tmRoot"/>
+      </p:par>
+    </p:tnLst>
+  </p:timing>
+</p:sld>
+</file>
+
+<file path=ppt/slides/slide12.xml><?xml version="1.0" encoding="utf-8"?>
+<p:sld xmlns:a="http://schemas.openxmlformats.org/drawingml/2006/main" xmlns:r="http://schemas.openxmlformats.org/officeDocument/2006/relationships" xmlns:p="http://schemas.openxmlformats.org/presentationml/2006/main">
+  <p:cSld>
+    <p:spTree>
+      <p:nvGrpSpPr>
+        <p:cNvPr id="1" name=""/>
+        <p:cNvGrpSpPr/>
+        <p:nvPr/>
+      </p:nvGrpSpPr>
+      <p:grpSpPr>
+        <a:xfrm>
+          <a:off x="0" y="0"/>
+          <a:ext cx="0" cy="0"/>
+          <a:chOff x="0" y="0"/>
+          <a:chExt cx="0" cy="0"/>
+        </a:xfrm>
+      </p:grpSpPr>
+      <p:sp>
+        <p:nvSpPr>
+          <p:cNvPr id="2" name="Заголовок 1"/>
+          <p:cNvSpPr>
+            <a:spLocks noGrp="1"/>
+          </p:cNvSpPr>
+          <p:nvPr>
+            <p:ph type="title"/>
+          </p:nvPr>
+        </p:nvSpPr>
+        <p:spPr/>
+        <p:txBody>
+          <a:bodyPr/>
+          <a:lstStyle/>
+          <a:p>
+            <a:r>
+              <a:rPr lang="ru-RU" dirty="0" smtClean="0"/>
+              <a:t>Синхронизация</a:t>
+            </a:r>
+            <a:endParaRPr lang="ru-RU" dirty="0"/>
+          </a:p>
+        </p:txBody>
+      </p:sp>
+      <p:pic>
+        <p:nvPicPr>
+          <p:cNvPr id="5" name="Объект 4"/>
+          <p:cNvPicPr>
+            <a:picLocks noGrp="1" noChangeAspect="1"/>
+          </p:cNvPicPr>
+          <p:nvPr>
+            <p:ph idx="1"/>
+          </p:nvPr>
+        </p:nvPicPr>
+        <p:blipFill>
+          <a:blip r:embed="rId2">
+            <a:extLst>
+              <a:ext uri="{28A0092B-C50C-407E-A947-70E740481C1C}">
+                <a14:useLocalDpi xmlns:a14="http://schemas.microsoft.com/office/drawing/2010/main" val="0"/>
+              </a:ext>
+            </a:extLst>
+          </a:blip>
+          <a:stretch>
+            <a:fillRect/>
+          </a:stretch>
+        </p:blipFill>
+        <p:spPr>
+          <a:xfrm>
+            <a:off x="4558732" y="1825625"/>
+            <a:ext cx="3074536" cy="4351338"/>
+          </a:xfrm>
+        </p:spPr>
+      </p:pic>
+      <p:sp>
+        <p:nvSpPr>
+          <p:cNvPr id="4" name="Номер слайда 3"/>
+          <p:cNvSpPr>
+            <a:spLocks noGrp="1"/>
+          </p:cNvSpPr>
+          <p:nvPr>
+            <p:ph type="sldNum" sz="quarter" idx="12"/>
+          </p:nvPr>
+        </p:nvSpPr>
+        <p:spPr/>
+        <p:txBody>
+          <a:bodyPr/>
+          <a:lstStyle/>
+          <a:p>
+            <a:fld id="{1F9F7942-433A-4C03-99FE-266F5563D423}" type="slidenum">
+              <a:rPr lang="ru-RU" smtClean="0"/>
+              <a:t>12</a:t>
+            </a:fld>
+            <a:endParaRPr lang="ru-RU"/>
+          </a:p>
+        </p:txBody>
+      </p:sp>
+    </p:spTree>
+    <p:extLst>
+      <p:ext uri="{BB962C8B-B14F-4D97-AF65-F5344CB8AC3E}">
+        <p14:creationId xmlns:p14="http://schemas.microsoft.com/office/powerpoint/2010/main" val="2883448987"/>
       </p:ext>
     </p:extLst>
   </p:cSld>
@@ -3721,9 +10169,32 @@
           </a:p>
         </p:txBody>
       </p:sp>
+      <p:sp>
+        <p:nvSpPr>
+          <p:cNvPr id="5" name="Номер слайда 4"/>
+          <p:cNvSpPr>
+            <a:spLocks noGrp="1"/>
+          </p:cNvSpPr>
+          <p:nvPr>
+            <p:ph type="sldNum" sz="quarter" idx="12"/>
+          </p:nvPr>
+        </p:nvSpPr>
+        <p:spPr/>
+        <p:txBody>
+          <a:bodyPr/>
+          <a:lstStyle/>
+          <a:p>
+            <a:fld id="{1F9F7942-433A-4C03-99FE-266F5563D423}" type="slidenum">
+              <a:rPr lang="ru-RU" smtClean="0"/>
+              <a:t>3</a:t>
+            </a:fld>
+            <a:endParaRPr lang="ru-RU"/>
+          </a:p>
+        </p:txBody>
+      </p:sp>
       <p:pic>
         <p:nvPicPr>
-          <p:cNvPr id="4" name="Рисунок 3"/>
+          <p:cNvPr id="3" name="Рисунок 2"/>
           <p:cNvPicPr>
             <a:picLocks noChangeAspect="1"/>
           </p:cNvPicPr>
@@ -3743,37 +10214,14 @@
         </p:blipFill>
         <p:spPr>
           <a:xfrm>
-            <a:off x="3024187" y="1198864"/>
-            <a:ext cx="6929438" cy="5020961"/>
+            <a:off x="1971674" y="1615298"/>
+            <a:ext cx="9153525" cy="4923614"/>
           </a:xfrm>
           <a:prstGeom prst="rect">
             <a:avLst/>
           </a:prstGeom>
         </p:spPr>
       </p:pic>
-      <p:sp>
-        <p:nvSpPr>
-          <p:cNvPr id="5" name="Номер слайда 4"/>
-          <p:cNvSpPr>
-            <a:spLocks noGrp="1"/>
-          </p:cNvSpPr>
-          <p:nvPr>
-            <p:ph type="sldNum" sz="quarter" idx="12"/>
-          </p:nvPr>
-        </p:nvSpPr>
-        <p:spPr/>
-        <p:txBody>
-          <a:bodyPr/>
-          <a:lstStyle/>
-          <a:p>
-            <a:fld id="{1F9F7942-433A-4C03-99FE-266F5563D423}" type="slidenum">
-              <a:rPr lang="ru-RU" smtClean="0"/>
-              <a:t>3</a:t>
-            </a:fld>
-            <a:endParaRPr lang="ru-RU"/>
-          </a:p>
-        </p:txBody>
-      </p:sp>
     </p:spTree>
     <p:extLst>
       <p:ext uri="{BB962C8B-B14F-4D97-AF65-F5344CB8AC3E}">
@@ -3849,38 +10297,65 @@
           <a:bodyPr/>
           <a:lstStyle/>
           <a:p>
+            <a:endParaRPr lang="ru-RU" dirty="0"/>
+          </a:p>
+          <a:p>
             <a:r>
               <a:rPr lang="ru-RU" dirty="0" smtClean="0"/>
-              <a:t>Создать порт операционной системы </a:t>
-            </a:r>
-            <a:r>
-              <a:rPr lang="en-US" dirty="0" err="1" smtClean="0"/>
-              <a:t>NetBSD</a:t>
-            </a:r>
-            <a:r>
-              <a:rPr lang="en-US" dirty="0" smtClean="0"/>
-              <a:t> </a:t>
-            </a:r>
+              <a:t>Изучить </a:t>
+            </a:r>
+            <a:r>
+              <a:rPr lang="ru-RU" dirty="0"/>
+              <a:t>архитектуру и специфику гетерогенной вычислительной системы </a:t>
+            </a:r>
+            <a:r>
+              <a:rPr lang="ru-RU" dirty="0" err="1"/>
+              <a:t>Intel</a:t>
+            </a:r>
+            <a:r>
+              <a:rPr lang="ru-RU" dirty="0"/>
+              <a:t>. </a:t>
+            </a:r>
+          </a:p>
+          <a:p>
             <a:r>
               <a:rPr lang="ru-RU" dirty="0" smtClean="0"/>
-              <a:t>для архитектуры </a:t>
-            </a:r>
-            <a:r>
-              <a:rPr lang="en-US" dirty="0" err="1" smtClean="0"/>
-              <a:t>LunaCore</a:t>
-            </a:r>
+              <a:t>Выбрать </a:t>
+            </a:r>
+            <a:r>
+              <a:rPr lang="ru-RU" dirty="0"/>
+              <a:t>операционную систему для построения на ее базе среды исполнения. </a:t>
+            </a:r>
+          </a:p>
+          <a:p>
             <a:r>
               <a:rPr lang="ru-RU" dirty="0" smtClean="0"/>
-              <a:t>.</a:t>
-            </a:r>
-            <a:endParaRPr lang="ru-RU" dirty="0"/>
+              <a:t>Изучить </a:t>
+            </a:r>
+            <a:r>
+              <a:rPr lang="ru-RU" dirty="0"/>
+              <a:t>структуру выбранной операционной системы. </a:t>
+            </a:r>
           </a:p>
           <a:p>
             <a:r>
               <a:rPr lang="ru-RU" dirty="0" smtClean="0"/>
-              <a:t>Адаптировать операционную систему для работы в гетерогенной вычислительной системе.</a:t>
-            </a:r>
-            <a:endParaRPr lang="ru-RU" dirty="0"/>
+              <a:t>Адаптировать </a:t>
+            </a:r>
+            <a:r>
+              <a:rPr lang="ru-RU" dirty="0"/>
+              <a:t>операционную систему для наших задач. </a:t>
+            </a:r>
+          </a:p>
+          <a:p>
+            <a:r>
+              <a:rPr lang="ru-RU" dirty="0" smtClean="0"/>
+              <a:t>Запустить </a:t>
+            </a:r>
+            <a:r>
+              <a:rPr lang="ru-RU" dirty="0"/>
+              <a:t>и отладить полученную операционную систему на симуляторе вычислительной системы. </a:t>
+            </a:r>
           </a:p>
         </p:txBody>
       </p:sp>
@@ -4098,19 +10573,38 @@
           <a:p>
             <a:r>
               <a:rPr lang="ru-RU" dirty="0" smtClean="0"/>
-              <a:t>Модульная структура </a:t>
-            </a:r>
-            <a:r>
-              <a:rPr lang="en-US" dirty="0" err="1" smtClean="0"/>
-              <a:t>NetBSD</a:t>
+              <a:t>Специфика управления памятью</a:t>
             </a:r>
             <a:endParaRPr lang="ru-RU" dirty="0"/>
+          </a:p>
+        </p:txBody>
+      </p:sp>
+      <p:sp>
+        <p:nvSpPr>
+          <p:cNvPr id="5" name="Номер слайда 4"/>
+          <p:cNvSpPr>
+            <a:spLocks noGrp="1"/>
+          </p:cNvSpPr>
+          <p:nvPr>
+            <p:ph type="sldNum" sz="quarter" idx="12"/>
+          </p:nvPr>
+        </p:nvSpPr>
+        <p:spPr/>
+        <p:txBody>
+          <a:bodyPr/>
+          <a:lstStyle/>
+          <a:p>
+            <a:fld id="{1F9F7942-433A-4C03-99FE-266F5563D423}" type="slidenum">
+              <a:rPr lang="ru-RU" smtClean="0"/>
+              <a:t>6</a:t>
+            </a:fld>
+            <a:endParaRPr lang="ru-RU"/>
           </a:p>
         </p:txBody>
       </p:sp>
       <p:pic>
         <p:nvPicPr>
-          <p:cNvPr id="4" name="Рисунок 3"/>
+          <p:cNvPr id="3" name="Рисунок 2"/>
           <p:cNvPicPr>
             <a:picLocks noChangeAspect="1"/>
           </p:cNvPicPr>
@@ -4130,41 +10624,18 @@
         </p:blipFill>
         <p:spPr>
           <a:xfrm>
-            <a:off x="3419475" y="1366838"/>
-            <a:ext cx="4481512" cy="5255670"/>
+            <a:off x="2228849" y="1389911"/>
+            <a:ext cx="8143875" cy="5223520"/>
           </a:xfrm>
           <a:prstGeom prst="rect">
             <a:avLst/>
           </a:prstGeom>
         </p:spPr>
       </p:pic>
-      <p:sp>
-        <p:nvSpPr>
-          <p:cNvPr id="5" name="Номер слайда 4"/>
-          <p:cNvSpPr>
-            <a:spLocks noGrp="1"/>
-          </p:cNvSpPr>
-          <p:nvPr>
-            <p:ph type="sldNum" sz="quarter" idx="12"/>
-          </p:nvPr>
-        </p:nvSpPr>
-        <p:spPr/>
-        <p:txBody>
-          <a:bodyPr/>
-          <a:lstStyle/>
-          <a:p>
-            <a:fld id="{1F9F7942-433A-4C03-99FE-266F5563D423}" type="slidenum">
-              <a:rPr lang="ru-RU" smtClean="0"/>
-              <a:t>6</a:t>
-            </a:fld>
-            <a:endParaRPr lang="ru-RU"/>
-          </a:p>
-        </p:txBody>
-      </p:sp>
     </p:spTree>
     <p:extLst>
       <p:ext uri="{BB962C8B-B14F-4D97-AF65-F5344CB8AC3E}">
-        <p14:creationId xmlns:p14="http://schemas.microsoft.com/office/powerpoint/2010/main" val="3117109031"/>
+        <p14:creationId xmlns:p14="http://schemas.microsoft.com/office/powerpoint/2010/main" val="4104751275"/>
       </p:ext>
     </p:extLst>
   </p:cSld>
@@ -4215,45 +10686,98 @@
           <a:p>
             <a:r>
               <a:rPr lang="ru-RU" dirty="0" smtClean="0"/>
-              <a:t>Специфика управления памятью</a:t>
+              <a:t>Полученны</a:t>
+            </a:r>
+            <a:r>
+              <a:rPr lang="ru-RU" dirty="0" smtClean="0"/>
+              <a:t>е результаты</a:t>
             </a:r>
             <a:endParaRPr lang="ru-RU" dirty="0"/>
           </a:p>
         </p:txBody>
       </p:sp>
-      <p:pic>
-        <p:nvPicPr>
-          <p:cNvPr id="4" name="Рисунок 3"/>
-          <p:cNvPicPr>
-            <a:picLocks noChangeAspect="1"/>
-          </p:cNvPicPr>
-          <p:nvPr/>
-        </p:nvPicPr>
-        <p:blipFill>
-          <a:blip r:embed="rId2">
-            <a:extLst>
-              <a:ext uri="{28A0092B-C50C-407E-A947-70E740481C1C}">
-                <a14:useLocalDpi xmlns:a14="http://schemas.microsoft.com/office/drawing/2010/main" val="0"/>
-              </a:ext>
-            </a:extLst>
-          </a:blip>
-          <a:stretch>
-            <a:fillRect/>
-          </a:stretch>
-        </p:blipFill>
-        <p:spPr>
-          <a:xfrm>
-            <a:off x="2171700" y="1531341"/>
-            <a:ext cx="7115175" cy="4563707"/>
-          </a:xfrm>
-          <a:prstGeom prst="rect">
-            <a:avLst/>
-          </a:prstGeom>
-        </p:spPr>
-      </p:pic>
-      <p:sp>
-        <p:nvSpPr>
-          <p:cNvPr id="5" name="Номер слайда 4"/>
+      <p:sp>
+        <p:nvSpPr>
+          <p:cNvPr id="3" name="Объект 2"/>
+          <p:cNvSpPr>
+            <a:spLocks noGrp="1"/>
+          </p:cNvSpPr>
+          <p:nvPr>
+            <p:ph idx="1"/>
+          </p:nvPr>
+        </p:nvSpPr>
+        <p:spPr/>
+        <p:txBody>
+          <a:bodyPr/>
+          <a:lstStyle/>
+          <a:p>
+            <a:endParaRPr lang="ru-RU" dirty="0"/>
+          </a:p>
+          <a:p>
+            <a:r>
+              <a:rPr lang="ru-RU" dirty="0"/>
+              <a:t> Изучена специфика гетерогенных вычислительных систем. </a:t>
+            </a:r>
+            <a:endParaRPr lang="ru-RU" dirty="0" smtClean="0"/>
+          </a:p>
+          <a:p>
+            <a:r>
+              <a:rPr lang="ru-RU" dirty="0" smtClean="0"/>
+              <a:t>В </a:t>
+            </a:r>
+            <a:r>
+              <a:rPr lang="ru-RU" dirty="0"/>
+              <a:t>качестве основы для среды исполнения </a:t>
+            </a:r>
+            <a:r>
+              <a:rPr lang="ru-RU" dirty="0" smtClean="0"/>
+              <a:t>выбрана </a:t>
+            </a:r>
+            <a:r>
+              <a:rPr lang="ru-RU" dirty="0"/>
+              <a:t>операционная система </a:t>
+            </a:r>
+            <a:r>
+              <a:rPr lang="ru-RU" dirty="0" err="1"/>
+              <a:t>NetBSD</a:t>
+            </a:r>
+            <a:r>
+              <a:rPr lang="ru-RU" dirty="0"/>
+              <a:t>. </a:t>
+            </a:r>
+            <a:endParaRPr lang="ru-RU" dirty="0" smtClean="0"/>
+          </a:p>
+          <a:p>
+            <a:r>
+              <a:rPr lang="ru-RU" dirty="0" smtClean="0"/>
+              <a:t>Значительная </a:t>
+            </a:r>
+            <a:r>
+              <a:rPr lang="ru-RU" dirty="0"/>
+              <a:t>часть модулей требующих </a:t>
+            </a:r>
+            <a:r>
+              <a:rPr lang="ru-RU" dirty="0" err="1"/>
+              <a:t>портирования</a:t>
+            </a:r>
+            <a:r>
+              <a:rPr lang="ru-RU" dirty="0"/>
+              <a:t> адаптированы. </a:t>
+            </a:r>
+            <a:endParaRPr lang="ru-RU" dirty="0" smtClean="0"/>
+          </a:p>
+          <a:p>
+            <a:r>
+              <a:rPr lang="ru-RU" dirty="0" smtClean="0"/>
+              <a:t>Произведены пробные запуски операционной системы на симуляторе.</a:t>
+            </a:r>
+            <a:endParaRPr lang="ru-RU" dirty="0"/>
+          </a:p>
+        </p:txBody>
+      </p:sp>
+      <p:sp>
+        <p:nvSpPr>
+          <p:cNvPr id="4" name="Номер слайда 3"/>
           <p:cNvSpPr>
             <a:spLocks noGrp="1"/>
           </p:cNvSpPr>
@@ -4277,7 +10801,7 @@
     </p:spTree>
     <p:extLst>
       <p:ext uri="{BB962C8B-B14F-4D97-AF65-F5344CB8AC3E}">
-        <p14:creationId xmlns:p14="http://schemas.microsoft.com/office/powerpoint/2010/main" val="4104751275"/>
+        <p14:creationId xmlns:p14="http://schemas.microsoft.com/office/powerpoint/2010/main" val="2068602263"/>
       </p:ext>
     </p:extLst>
   </p:cSld>
@@ -4328,185 +10852,71 @@
           <a:p>
             <a:r>
               <a:rPr lang="ru-RU" dirty="0" smtClean="0"/>
-              <a:t>Процесс запуска</a:t>
+              <a:t>Дальнейшие планы</a:t>
             </a:r>
             <a:endParaRPr lang="ru-RU" dirty="0"/>
           </a:p>
         </p:txBody>
       </p:sp>
-      <p:pic>
-        <p:nvPicPr>
-          <p:cNvPr id="4" name="Рисунок 3"/>
-          <p:cNvPicPr>
-            <a:picLocks noChangeAspect="1"/>
-          </p:cNvPicPr>
-          <p:nvPr/>
-        </p:nvPicPr>
-        <p:blipFill>
-          <a:blip r:embed="rId2">
-            <a:extLst>
-              <a:ext uri="{28A0092B-C50C-407E-A947-70E740481C1C}">
-                <a14:useLocalDpi xmlns:a14="http://schemas.microsoft.com/office/drawing/2010/main" val="0"/>
-              </a:ext>
-            </a:extLst>
-          </a:blip>
-          <a:stretch>
-            <a:fillRect/>
-          </a:stretch>
-        </p:blipFill>
-        <p:spPr>
-          <a:xfrm>
-            <a:off x="5334000" y="76200"/>
-            <a:ext cx="3352800" cy="6781800"/>
-          </a:xfrm>
-          <a:prstGeom prst="rect">
-            <a:avLst/>
-          </a:prstGeom>
-        </p:spPr>
-      </p:pic>
-      <p:sp>
-        <p:nvSpPr>
-          <p:cNvPr id="5" name="Стрелка вправо 4"/>
-          <p:cNvSpPr/>
-          <p:nvPr/>
-        </p:nvSpPr>
-        <p:spPr>
-          <a:xfrm>
-            <a:off x="3933824" y="2571750"/>
-            <a:ext cx="1095375" cy="342900"/>
-          </a:xfrm>
-          <a:prstGeom prst="rightArrow">
-            <a:avLst/>
-          </a:prstGeom>
-        </p:spPr>
-        <p:style>
-          <a:lnRef idx="2">
-            <a:schemeClr val="accent1">
-              <a:shade val="50000"/>
-            </a:schemeClr>
-          </a:lnRef>
-          <a:fillRef idx="1">
-            <a:schemeClr val="accent1"/>
-          </a:fillRef>
-          <a:effectRef idx="0">
-            <a:schemeClr val="accent1"/>
-          </a:effectRef>
-          <a:fontRef idx="minor">
-            <a:schemeClr val="lt1"/>
-          </a:fontRef>
-        </p:style>
-        <p:txBody>
-          <a:bodyPr rtlCol="0" anchor="ctr"/>
-          <a:lstStyle/>
-          <a:p>
-            <a:pPr algn="ctr"/>
-            <a:endParaRPr lang="ru-RU"/>
-          </a:p>
-        </p:txBody>
-      </p:sp>
-      <p:sp>
-        <p:nvSpPr>
-          <p:cNvPr id="6" name="Стрелка вправо 5"/>
-          <p:cNvSpPr/>
-          <p:nvPr/>
-        </p:nvSpPr>
-        <p:spPr>
-          <a:xfrm>
-            <a:off x="3933824" y="5219700"/>
-            <a:ext cx="1095375" cy="361950"/>
-          </a:xfrm>
-          <a:prstGeom prst="rightArrow">
-            <a:avLst/>
-          </a:prstGeom>
-        </p:spPr>
-        <p:style>
-          <a:lnRef idx="2">
-            <a:schemeClr val="accent1">
-              <a:shade val="50000"/>
-            </a:schemeClr>
-          </a:lnRef>
-          <a:fillRef idx="1">
-            <a:schemeClr val="accent1"/>
-          </a:fillRef>
-          <a:effectRef idx="0">
-            <a:schemeClr val="accent1"/>
-          </a:effectRef>
-          <a:fontRef idx="minor">
-            <a:schemeClr val="lt1"/>
-          </a:fontRef>
-        </p:style>
-        <p:txBody>
-          <a:bodyPr rtlCol="0" anchor="ctr"/>
-          <a:lstStyle/>
-          <a:p>
-            <a:pPr algn="ctr"/>
-            <a:endParaRPr lang="ru-RU"/>
-          </a:p>
-        </p:txBody>
-      </p:sp>
-      <p:sp>
-        <p:nvSpPr>
-          <p:cNvPr id="7" name="TextBox 6"/>
-          <p:cNvSpPr txBox="1"/>
-          <p:nvPr/>
-        </p:nvSpPr>
-        <p:spPr>
-          <a:xfrm>
-            <a:off x="1752600" y="1866037"/>
-            <a:ext cx="1828800" cy="1754326"/>
-          </a:xfrm>
-          <a:prstGeom prst="rect">
-            <a:avLst/>
-          </a:prstGeom>
-          <a:noFill/>
-        </p:spPr>
-        <p:txBody>
-          <a:bodyPr wrap="square" rtlCol="0">
-            <a:spAutoFit/>
-          </a:bodyPr>
+      <p:sp>
+        <p:nvSpPr>
+          <p:cNvPr id="3" name="Объект 2"/>
+          <p:cNvSpPr>
+            <a:spLocks noGrp="1"/>
+          </p:cNvSpPr>
+          <p:nvPr>
+            <p:ph idx="1"/>
+          </p:nvPr>
+        </p:nvSpPr>
+        <p:spPr/>
+        <p:txBody>
+          <a:bodyPr/>
           <a:lstStyle/>
           <a:p>
             <a:r>
               <a:rPr lang="ru-RU" dirty="0" smtClean="0"/>
-              <a:t>Проблемное место из-за специфики управления виртуальной памятью</a:t>
-            </a:r>
+              <a:t>Окончание </a:t>
+            </a:r>
+            <a:r>
+              <a:rPr lang="ru-RU" dirty="0" err="1" smtClean="0"/>
+              <a:t>портирования</a:t>
+            </a:r>
+            <a:r>
+              <a:rPr lang="ru-RU" dirty="0" smtClean="0"/>
+              <a:t> ОС</a:t>
+            </a:r>
+          </a:p>
+          <a:p>
+            <a:r>
+              <a:rPr lang="ru-RU" dirty="0" smtClean="0"/>
+              <a:t>Отладка на симуляторе</a:t>
+            </a:r>
+          </a:p>
+          <a:p>
+            <a:r>
+              <a:rPr lang="ru-RU" dirty="0" smtClean="0"/>
+              <a:t>Тесты </a:t>
+            </a:r>
+            <a:r>
+              <a:rPr lang="ru-RU" dirty="0" err="1" smtClean="0"/>
+              <a:t>производительноси</a:t>
+            </a:r>
+            <a:r>
+              <a:rPr lang="ru-RU" dirty="0" smtClean="0"/>
+              <a:t> на симуляторе</a:t>
+            </a:r>
+          </a:p>
+          <a:p>
+            <a:pPr marL="0" indent="0">
+              <a:buNone/>
+            </a:pPr>
             <a:endParaRPr lang="ru-RU" dirty="0"/>
           </a:p>
         </p:txBody>
       </p:sp>
       <p:sp>
         <p:nvSpPr>
-          <p:cNvPr id="8" name="TextBox 7"/>
-          <p:cNvSpPr txBox="1"/>
-          <p:nvPr/>
-        </p:nvSpPr>
-        <p:spPr>
-          <a:xfrm>
-            <a:off x="1752600" y="4939010"/>
-            <a:ext cx="1828800" cy="923330"/>
-          </a:xfrm>
-          <a:prstGeom prst="rect">
-            <a:avLst/>
-          </a:prstGeom>
-          <a:noFill/>
-        </p:spPr>
-        <p:txBody>
-          <a:bodyPr wrap="square" rtlCol="0">
-            <a:spAutoFit/>
-          </a:bodyPr>
-          <a:lstStyle/>
-          <a:p>
-            <a:r>
-              <a:rPr lang="ru-RU" dirty="0" smtClean="0"/>
-              <a:t>Практически остановились здесь</a:t>
-            </a:r>
-            <a:endParaRPr lang="ru-RU" dirty="0"/>
-          </a:p>
-        </p:txBody>
-      </p:sp>
-      <p:sp>
-        <p:nvSpPr>
-          <p:cNvPr id="9" name="Номер слайда 8"/>
+          <p:cNvPr id="4" name="Номер слайда 3"/>
           <p:cNvSpPr>
             <a:spLocks noGrp="1"/>
           </p:cNvSpPr>
@@ -4530,7 +10940,7 @@
     </p:spTree>
     <p:extLst>
       <p:ext uri="{BB962C8B-B14F-4D97-AF65-F5344CB8AC3E}">
-        <p14:creationId xmlns:p14="http://schemas.microsoft.com/office/powerpoint/2010/main" val="299389754"/>
+        <p14:creationId xmlns:p14="http://schemas.microsoft.com/office/powerpoint/2010/main" val="1533288530"/>
       </p:ext>
     </p:extLst>
   </p:cSld>
@@ -4580,126 +10990,42 @@
           <a:lstStyle/>
           <a:p>
             <a:r>
-              <a:rPr lang="ru-RU" dirty="0" err="1" smtClean="0"/>
-              <a:t>Портированные</a:t>
-            </a:r>
-            <a:r>
               <a:rPr lang="ru-RU" dirty="0" smtClean="0"/>
-              <a:t> модули</a:t>
+              <a:t>Симуляция</a:t>
             </a:r>
             <a:endParaRPr lang="ru-RU" dirty="0"/>
           </a:p>
         </p:txBody>
       </p:sp>
-      <p:sp>
-        <p:nvSpPr>
-          <p:cNvPr id="3" name="Объект 2"/>
-          <p:cNvSpPr>
-            <a:spLocks noGrp="1"/>
-          </p:cNvSpPr>
+      <p:pic>
+        <p:nvPicPr>
+          <p:cNvPr id="5" name="Объект 4"/>
+          <p:cNvPicPr>
+            <a:picLocks noGrp="1" noChangeAspect="1"/>
+          </p:cNvPicPr>
           <p:nvPr>
             <p:ph idx="1"/>
           </p:nvPr>
-        </p:nvSpPr>
-        <p:spPr/>
-        <p:txBody>
-          <a:bodyPr/>
-          <a:lstStyle/>
-          <a:p>
-            <a:r>
-              <a:rPr lang="en-US" dirty="0" smtClean="0"/>
-              <a:t>Atomics </a:t>
-            </a:r>
-            <a:r>
-              <a:rPr lang="ru-RU" dirty="0" smtClean="0"/>
-              <a:t>– реализация атомарных операций, необходима для работы.</a:t>
-            </a:r>
-          </a:p>
-          <a:p>
-            <a:r>
-              <a:rPr lang="en-US" dirty="0" err="1" smtClean="0"/>
-              <a:t>copyin</a:t>
-            </a:r>
-            <a:r>
-              <a:rPr lang="en-US" dirty="0" smtClean="0"/>
-              <a:t>/</a:t>
-            </a:r>
-            <a:r>
-              <a:rPr lang="en-US" dirty="0" err="1" smtClean="0"/>
-              <a:t>copyout</a:t>
-            </a:r>
-            <a:r>
-              <a:rPr lang="en-US" dirty="0" smtClean="0"/>
-              <a:t> – </a:t>
-            </a:r>
-            <a:r>
-              <a:rPr lang="ru-RU" dirty="0" smtClean="0"/>
-              <a:t>копирование данных между адресными пространствами. </a:t>
-            </a:r>
-          </a:p>
-          <a:p>
-            <a:r>
-              <a:rPr lang="en-US" dirty="0" smtClean="0"/>
-              <a:t>Thread – </a:t>
-            </a:r>
-            <a:r>
-              <a:rPr lang="ru-RU" dirty="0" smtClean="0"/>
-              <a:t>создание и управление потоками.</a:t>
-            </a:r>
-          </a:p>
-          <a:p>
-            <a:r>
-              <a:rPr lang="en-US" dirty="0" err="1" smtClean="0"/>
-              <a:t>Locore</a:t>
-            </a:r>
-            <a:r>
-              <a:rPr lang="en-US" dirty="0" smtClean="0"/>
-              <a:t> – </a:t>
-            </a:r>
-            <a:r>
-              <a:rPr lang="ru-RU" dirty="0" smtClean="0"/>
-              <a:t>реализован для новой архитектуры.</a:t>
-            </a:r>
-          </a:p>
-          <a:p>
-            <a:r>
-              <a:rPr lang="en-US" dirty="0" smtClean="0"/>
-              <a:t>PMAP – </a:t>
-            </a:r>
-            <a:r>
-              <a:rPr lang="ru-RU" dirty="0" smtClean="0"/>
-              <a:t>лишь частично.</a:t>
-            </a:r>
-          </a:p>
-          <a:p>
-            <a:r>
-              <a:rPr lang="en-US" dirty="0" smtClean="0"/>
-              <a:t>Interrupts </a:t>
-            </a:r>
-            <a:r>
-              <a:rPr lang="ru-RU" dirty="0" smtClean="0"/>
-              <a:t>– также частично.</a:t>
-            </a:r>
-          </a:p>
-          <a:p>
-            <a:r>
-              <a:rPr lang="en-US" dirty="0" err="1" smtClean="0"/>
-              <a:t>Proc</a:t>
-            </a:r>
-            <a:r>
-              <a:rPr lang="en-US" dirty="0" smtClean="0"/>
-              <a:t> – </a:t>
-            </a:r>
-            <a:r>
-              <a:rPr lang="ru-RU" dirty="0" smtClean="0"/>
-              <a:t>частично.</a:t>
-            </a:r>
-          </a:p>
-          <a:p>
-            <a:endParaRPr lang="ru-RU" dirty="0"/>
-          </a:p>
-        </p:txBody>
-      </p:sp>
+        </p:nvPicPr>
+        <p:blipFill>
+          <a:blip r:embed="rId2">
+            <a:extLst>
+              <a:ext uri="{28A0092B-C50C-407E-A947-70E740481C1C}">
+                <a14:useLocalDpi xmlns:a14="http://schemas.microsoft.com/office/drawing/2010/main" val="0"/>
+              </a:ext>
+            </a:extLst>
+          </a:blip>
+          <a:stretch>
+            <a:fillRect/>
+          </a:stretch>
+        </p:blipFill>
+        <p:spPr>
+          <a:xfrm>
+            <a:off x="4009498" y="1825625"/>
+            <a:ext cx="4173004" cy="4351338"/>
+          </a:xfrm>
+        </p:spPr>
+      </p:pic>
       <p:sp>
         <p:nvSpPr>
           <p:cNvPr id="4" name="Номер слайда 3"/>
@@ -4726,7 +11052,7 @@
     </p:spTree>
     <p:extLst>
       <p:ext uri="{BB962C8B-B14F-4D97-AF65-F5344CB8AC3E}">
-        <p14:creationId xmlns:p14="http://schemas.microsoft.com/office/powerpoint/2010/main" val="2068602263"/>
+        <p14:creationId xmlns:p14="http://schemas.microsoft.com/office/powerpoint/2010/main" val="1293338528"/>
       </p:ext>
     </p:extLst>
   </p:cSld>
@@ -5005,6 +11331,301 @@
 </file>
 
 <file path=ppt/theme/theme2.xml><?xml version="1.0" encoding="utf-8"?>
+<a:theme xmlns:a="http://schemas.openxmlformats.org/drawingml/2006/main" name="Office Theme">
+  <a:themeElements>
+    <a:clrScheme name="Office">
+      <a:dk1>
+        <a:sysClr val="windowText" lastClr="000000"/>
+      </a:dk1>
+      <a:lt1>
+        <a:sysClr val="window" lastClr="FFFFFF"/>
+      </a:lt1>
+      <a:dk2>
+        <a:srgbClr val="44546A"/>
+      </a:dk2>
+      <a:lt2>
+        <a:srgbClr val="E7E6E6"/>
+      </a:lt2>
+      <a:accent1>
+        <a:srgbClr val="4472C4"/>
+      </a:accent1>
+      <a:accent2>
+        <a:srgbClr val="ED7D31"/>
+      </a:accent2>
+      <a:accent3>
+        <a:srgbClr val="A5A5A5"/>
+      </a:accent3>
+      <a:accent4>
+        <a:srgbClr val="FFC000"/>
+      </a:accent4>
+      <a:accent5>
+        <a:srgbClr val="5B9BD5"/>
+      </a:accent5>
+      <a:accent6>
+        <a:srgbClr val="70AD47"/>
+      </a:accent6>
+      <a:hlink>
+        <a:srgbClr val="0563C1"/>
+      </a:hlink>
+      <a:folHlink>
+        <a:srgbClr val="954F72"/>
+      </a:folHlink>
+    </a:clrScheme>
+    <a:fontScheme name="Office">
+      <a:majorFont>
+        <a:latin typeface="Calibri Light" panose="020F0302020204030204"/>
+        <a:ea typeface=""/>
+        <a:cs typeface=""/>
+        <a:font script="Jpan" typeface="游ゴシック Light"/>
+        <a:font script="Hang" typeface="맑은 고딕"/>
+        <a:font script="Hans" typeface="等线 Light"/>
+        <a:font script="Hant" typeface="新細明體"/>
+        <a:font script="Arab" typeface="Times New Roman"/>
+        <a:font script="Hebr" typeface="Times New Roman"/>
+        <a:font script="Thai" typeface="Angsana New"/>
+        <a:font script="Ethi" typeface="Nyala"/>
+        <a:font script="Beng" typeface="Vrinda"/>
+        <a:font script="Gujr" typeface="Shruti"/>
+        <a:font script="Khmr" typeface="MoolBoran"/>
+        <a:font script="Knda" typeface="Tunga"/>
+        <a:font script="Guru" typeface="Raavi"/>
+        <a:font script="Cans" typeface="Euphemia"/>
+        <a:font script="Cher" typeface="Plantagenet Cherokee"/>
+        <a:font script="Yiii" typeface="Microsoft Yi Baiti"/>
+        <a:font script="Tibt" typeface="Microsoft Himalaya"/>
+        <a:font script="Thaa" typeface="MV Boli"/>
+        <a:font script="Deva" typeface="Mangal"/>
+        <a:font script="Telu" typeface="Gautami"/>
+        <a:font script="Taml" typeface="Latha"/>
+        <a:font script="Syrc" typeface="Estrangelo Edessa"/>
+        <a:font script="Orya" typeface="Kalinga"/>
+        <a:font script="Mlym" typeface="Kartika"/>
+        <a:font script="Laoo" typeface="DokChampa"/>
+        <a:font script="Sinh" typeface="Iskoola Pota"/>
+        <a:font script="Mong" typeface="Mongolian Baiti"/>
+        <a:font script="Viet" typeface="Times New Roman"/>
+        <a:font script="Uigh" typeface="Microsoft Uighur"/>
+        <a:font script="Geor" typeface="Sylfaen"/>
+        <a:font script="Armn" typeface="Arial"/>
+        <a:font script="Bugi" typeface="Leelawadee UI"/>
+        <a:font script="Bopo" typeface="Microsoft JhengHei"/>
+        <a:font script="Java" typeface="Javanese Text"/>
+        <a:font script="Lisu" typeface="Segoe UI"/>
+        <a:font script="Mymr" typeface="Myanmar Text"/>
+        <a:font script="Nkoo" typeface="Ebrima"/>
+        <a:font script="Olck" typeface="Nirmala UI"/>
+        <a:font script="Osma" typeface="Ebrima"/>
+        <a:font script="Phag" typeface="Phagspa"/>
+        <a:font script="Syrn" typeface="Estrangelo Edessa"/>
+        <a:font script="Syrj" typeface="Estrangelo Edessa"/>
+        <a:font script="Syre" typeface="Estrangelo Edessa"/>
+        <a:font script="Sora" typeface="Nirmala UI"/>
+        <a:font script="Tale" typeface="Microsoft Tai Le"/>
+        <a:font script="Talu" typeface="Microsoft New Tai Lue"/>
+        <a:font script="Tfng" typeface="Ebrima"/>
+      </a:majorFont>
+      <a:minorFont>
+        <a:latin typeface="Calibri" panose="020F0502020204030204"/>
+        <a:ea typeface=""/>
+        <a:cs typeface=""/>
+        <a:font script="Jpan" typeface="游ゴシック"/>
+        <a:font script="Hang" typeface="맑은 고딕"/>
+        <a:font script="Hans" typeface="等线"/>
+        <a:font script="Hant" typeface="新細明體"/>
+        <a:font script="Arab" typeface="Arial"/>
+        <a:font script="Hebr" typeface="Arial"/>
+        <a:font script="Thai" typeface="Cordia New"/>
+        <a:font script="Ethi" typeface="Nyala"/>
+        <a:font script="Beng" typeface="Vrinda"/>
+        <a:font script="Gujr" typeface="Shruti"/>
+        <a:font script="Khmr" typeface="DaunPenh"/>
+        <a:font script="Knda" typeface="Tunga"/>
+        <a:font script="Guru" typeface="Raavi"/>
+        <a:font script="Cans" typeface="Euphemia"/>
+        <a:font script="Cher" typeface="Plantagenet Cherokee"/>
+        <a:font script="Yiii" typeface="Microsoft Yi Baiti"/>
+        <a:font script="Tibt" typeface="Microsoft Himalaya"/>
+        <a:font script="Thaa" typeface="MV Boli"/>
+        <a:font script="Deva" typeface="Mangal"/>
+        <a:font script="Telu" typeface="Gautami"/>
+        <a:font script="Taml" typeface="Latha"/>
+        <a:font script="Syrc" typeface="Estrangelo Edessa"/>
+        <a:font script="Orya" typeface="Kalinga"/>
+        <a:font script="Mlym" typeface="Kartika"/>
+        <a:font script="Laoo" typeface="DokChampa"/>
+        <a:font script="Sinh" typeface="Iskoola Pota"/>
+        <a:font script="Mong" typeface="Mongolian Baiti"/>
+        <a:font script="Viet" typeface="Arial"/>
+        <a:font script="Uigh" typeface="Microsoft Uighur"/>
+        <a:font script="Geor" typeface="Sylfaen"/>
+        <a:font script="Armn" typeface="Arial"/>
+        <a:font script="Bugi" typeface="Leelawadee UI"/>
+        <a:font script="Bopo" typeface="Microsoft JhengHei"/>
+        <a:font script="Java" typeface="Javanese Text"/>
+        <a:font script="Lisu" typeface="Segoe UI"/>
+        <a:font script="Mymr" typeface="Myanmar Text"/>
+        <a:font script="Nkoo" typeface="Ebrima"/>
+        <a:font script="Olck" typeface="Nirmala UI"/>
+        <a:font script="Osma" typeface="Ebrima"/>
+        <a:font script="Phag" typeface="Phagspa"/>
+        <a:font script="Syrn" typeface="Estrangelo Edessa"/>
+        <a:font script="Syrj" typeface="Estrangelo Edessa"/>
+        <a:font script="Syre" typeface="Estrangelo Edessa"/>
+        <a:font script="Sora" typeface="Nirmala UI"/>
+        <a:font script="Tale" typeface="Microsoft Tai Le"/>
+        <a:font script="Talu" typeface="Microsoft New Tai Lue"/>
+        <a:font script="Tfng" typeface="Ebrima"/>
+      </a:minorFont>
+    </a:fontScheme>
+    <a:fmtScheme name="Office">
+      <a:fillStyleLst>
+        <a:solidFill>
+          <a:schemeClr val="phClr"/>
+        </a:solidFill>
+        <a:gradFill rotWithShape="1">
+          <a:gsLst>
+            <a:gs pos="0">
+              <a:schemeClr val="phClr">
+                <a:lumMod val="110000"/>
+                <a:satMod val="105000"/>
+                <a:tint val="67000"/>
+              </a:schemeClr>
+            </a:gs>
+            <a:gs pos="50000">
+              <a:schemeClr val="phClr">
+                <a:lumMod val="105000"/>
+                <a:satMod val="103000"/>
+                <a:tint val="73000"/>
+              </a:schemeClr>
+            </a:gs>
+            <a:gs pos="100000">
+              <a:schemeClr val="phClr">
+                <a:lumMod val="105000"/>
+                <a:satMod val="109000"/>
+                <a:tint val="81000"/>
+              </a:schemeClr>
+            </a:gs>
+          </a:gsLst>
+          <a:lin ang="5400000" scaled="0"/>
+        </a:gradFill>
+        <a:gradFill rotWithShape="1">
+          <a:gsLst>
+            <a:gs pos="0">
+              <a:schemeClr val="phClr">
+                <a:satMod val="103000"/>
+                <a:lumMod val="102000"/>
+                <a:tint val="94000"/>
+              </a:schemeClr>
+            </a:gs>
+            <a:gs pos="50000">
+              <a:schemeClr val="phClr">
+                <a:satMod val="110000"/>
+                <a:lumMod val="100000"/>
+                <a:shade val="100000"/>
+              </a:schemeClr>
+            </a:gs>
+            <a:gs pos="100000">
+              <a:schemeClr val="phClr">
+                <a:lumMod val="99000"/>
+                <a:satMod val="120000"/>
+                <a:shade val="78000"/>
+              </a:schemeClr>
+            </a:gs>
+          </a:gsLst>
+          <a:lin ang="5400000" scaled="0"/>
+        </a:gradFill>
+      </a:fillStyleLst>
+      <a:lnStyleLst>
+        <a:ln w="6350" cap="flat" cmpd="sng" algn="ctr">
+          <a:solidFill>
+            <a:schemeClr val="phClr"/>
+          </a:solidFill>
+          <a:prstDash val="solid"/>
+          <a:miter lim="800000"/>
+        </a:ln>
+        <a:ln w="12700" cap="flat" cmpd="sng" algn="ctr">
+          <a:solidFill>
+            <a:schemeClr val="phClr"/>
+          </a:solidFill>
+          <a:prstDash val="solid"/>
+          <a:miter lim="800000"/>
+        </a:ln>
+        <a:ln w="19050" cap="flat" cmpd="sng" algn="ctr">
+          <a:solidFill>
+            <a:schemeClr val="phClr"/>
+          </a:solidFill>
+          <a:prstDash val="solid"/>
+          <a:miter lim="800000"/>
+        </a:ln>
+      </a:lnStyleLst>
+      <a:effectStyleLst>
+        <a:effectStyle>
+          <a:effectLst/>
+        </a:effectStyle>
+        <a:effectStyle>
+          <a:effectLst/>
+        </a:effectStyle>
+        <a:effectStyle>
+          <a:effectLst>
+            <a:outerShdw blurRad="57150" dist="19050" dir="5400000" algn="ctr" rotWithShape="0">
+              <a:srgbClr val="000000">
+                <a:alpha val="63000"/>
+              </a:srgbClr>
+            </a:outerShdw>
+          </a:effectLst>
+        </a:effectStyle>
+      </a:effectStyleLst>
+      <a:bgFillStyleLst>
+        <a:solidFill>
+          <a:schemeClr val="phClr"/>
+        </a:solidFill>
+        <a:solidFill>
+          <a:schemeClr val="phClr">
+            <a:tint val="95000"/>
+            <a:satMod val="170000"/>
+          </a:schemeClr>
+        </a:solidFill>
+        <a:gradFill rotWithShape="1">
+          <a:gsLst>
+            <a:gs pos="0">
+              <a:schemeClr val="phClr">
+                <a:tint val="93000"/>
+                <a:satMod val="150000"/>
+                <a:shade val="98000"/>
+                <a:lumMod val="102000"/>
+              </a:schemeClr>
+            </a:gs>
+            <a:gs pos="50000">
+              <a:schemeClr val="phClr">
+                <a:tint val="98000"/>
+                <a:satMod val="130000"/>
+                <a:shade val="90000"/>
+                <a:lumMod val="103000"/>
+              </a:schemeClr>
+            </a:gs>
+            <a:gs pos="100000">
+              <a:schemeClr val="phClr">
+                <a:shade val="63000"/>
+                <a:satMod val="120000"/>
+              </a:schemeClr>
+            </a:gs>
+          </a:gsLst>
+          <a:lin ang="5400000" scaled="0"/>
+        </a:gradFill>
+      </a:bgFillStyleLst>
+    </a:fmtScheme>
+  </a:themeElements>
+  <a:objectDefaults/>
+  <a:extraClrSchemeLst/>
+  <a:extLst>
+    <a:ext uri="{05A4C25C-085E-4340-85A3-A5531E510DB2}">
+      <thm15:themeFamily xmlns:thm15="http://schemas.microsoft.com/office/thememl/2012/main" name="Office Theme" id="{62F939B6-93AF-4DB8-9C6B-D6C7DFDC589F}" vid="{4A3C46E8-61CC-4603-A589-7422A47A8E4A}"/>
+    </a:ext>
+  </a:extLst>
+</a:theme>
+</file>
+
+<file path=ppt/theme/theme3.xml><?xml version="1.0" encoding="utf-8"?>
 <a:theme xmlns:a="http://schemas.openxmlformats.org/drawingml/2006/main" name="Тема Office">
   <a:themeElements>
     <a:clrScheme name="Стандартная">
